--- a/2.프로젝트/1.경돼/5.분석결과/경돼x데이터리터러시.pptx
+++ b/2.프로젝트/1.경돼/5.분석결과/경돼x데이터리터러시.pptx
@@ -5,7 +5,7 @@
     <p:sldMasterId id="2147483648" r:id="rId1"/>
   </p:sldMasterIdLst>
   <p:notesMasterIdLst>
-    <p:notesMasterId r:id="rId24"/>
+    <p:notesMasterId r:id="rId27"/>
   </p:notesMasterIdLst>
   <p:sldIdLst>
     <p:sldId id="257" r:id="rId2"/>
@@ -18,18 +18,21 @@
     <p:sldId id="269" r:id="rId9"/>
     <p:sldId id="270" r:id="rId10"/>
     <p:sldId id="271" r:id="rId11"/>
-    <p:sldId id="274" r:id="rId12"/>
-    <p:sldId id="273" r:id="rId13"/>
-    <p:sldId id="272" r:id="rId14"/>
-    <p:sldId id="275" r:id="rId15"/>
-    <p:sldId id="277" r:id="rId16"/>
-    <p:sldId id="276" r:id="rId17"/>
-    <p:sldId id="278" r:id="rId18"/>
-    <p:sldId id="279" r:id="rId19"/>
-    <p:sldId id="280" r:id="rId20"/>
-    <p:sldId id="261" r:id="rId21"/>
-    <p:sldId id="259" r:id="rId22"/>
-    <p:sldId id="260" r:id="rId23"/>
+    <p:sldId id="281" r:id="rId12"/>
+    <p:sldId id="274" r:id="rId13"/>
+    <p:sldId id="273" r:id="rId14"/>
+    <p:sldId id="272" r:id="rId15"/>
+    <p:sldId id="275" r:id="rId16"/>
+    <p:sldId id="277" r:id="rId17"/>
+    <p:sldId id="276" r:id="rId18"/>
+    <p:sldId id="278" r:id="rId19"/>
+    <p:sldId id="279" r:id="rId20"/>
+    <p:sldId id="280" r:id="rId21"/>
+    <p:sldId id="282" r:id="rId22"/>
+    <p:sldId id="283" r:id="rId23"/>
+    <p:sldId id="284" r:id="rId24"/>
+    <p:sldId id="285" r:id="rId25"/>
+    <p:sldId id="286" r:id="rId26"/>
   </p:sldIdLst>
   <p:sldSz cx="12192000" cy="6858000"/>
   <p:notesSz cx="6858000" cy="9144000"/>
@@ -221,7 +224,7 @@
           <a:p>
             <a:fld id="{232DF0F4-D10E-EF4E-8A7A-8E65A5CB8816}" type="datetimeFigureOut">
               <a:rPr kumimoji="1" lang="ko-Kore-KR" altLang="en-US" smtClean="0"/>
-              <a:t>2021. 6. 19.</a:t>
+              <a:t>2021. 6. 26.</a:t>
             </a:fld>
             <a:endParaRPr kumimoji="1" lang="ko-Kore-KR" altLang="en-US"/>
           </a:p>
@@ -529,7 +532,7 @@
           <a:p>
             <a:fld id="{8FDB62D7-49DC-0147-9E7A-79BA9A09AD25}" type="datetimeFigureOut">
               <a:rPr kumimoji="1" lang="ko-Kore-KR" altLang="en-US" smtClean="0"/>
-              <a:t>2021. 6. 19.</a:t>
+              <a:t>2021. 6. 26.</a:t>
             </a:fld>
             <a:endParaRPr kumimoji="1" lang="ko-Kore-KR" altLang="en-US"/>
           </a:p>
@@ -745,7 +748,7 @@
           <a:p>
             <a:fld id="{8FDB62D7-49DC-0147-9E7A-79BA9A09AD25}" type="datetimeFigureOut">
               <a:rPr kumimoji="1" lang="ko-Kore-KR" altLang="en-US" smtClean="0"/>
-              <a:t>2021. 6. 19.</a:t>
+              <a:t>2021. 6. 26.</a:t>
             </a:fld>
             <a:endParaRPr kumimoji="1" lang="ko-Kore-KR" altLang="en-US"/>
           </a:p>
@@ -961,7 +964,7 @@
           <a:p>
             <a:fld id="{8FDB62D7-49DC-0147-9E7A-79BA9A09AD25}" type="datetimeFigureOut">
               <a:rPr kumimoji="1" lang="ko-Kore-KR" altLang="en-US" smtClean="0"/>
-              <a:t>2021. 6. 19.</a:t>
+              <a:t>2021. 6. 26.</a:t>
             </a:fld>
             <a:endParaRPr kumimoji="1" lang="ko-Kore-KR" altLang="en-US"/>
           </a:p>
@@ -1111,7 +1114,7 @@
           <a:p>
             <a:fld id="{8FDB62D7-49DC-0147-9E7A-79BA9A09AD25}" type="datetimeFigureOut">
               <a:rPr kumimoji="1" lang="ko-Kore-KR" altLang="en-US" smtClean="0"/>
-              <a:t>2021. 6. 19.</a:t>
+              <a:t>2021. 6. 26.</a:t>
             </a:fld>
             <a:endParaRPr kumimoji="1" lang="ko-Kore-KR" altLang="en-US"/>
           </a:p>
@@ -1224,7 +1227,7 @@
           <a:p>
             <a:fld id="{8FDB62D7-49DC-0147-9E7A-79BA9A09AD25}" type="datetimeFigureOut">
               <a:rPr kumimoji="1" lang="ko-Kore-KR" altLang="en-US" smtClean="0"/>
-              <a:t>2021. 6. 19.</a:t>
+              <a:t>2021. 6. 26.</a:t>
             </a:fld>
             <a:endParaRPr kumimoji="1" lang="ko-Kore-KR" altLang="en-US"/>
           </a:p>
@@ -1564,7 +1567,7 @@
           <a:p>
             <a:fld id="{8FDB62D7-49DC-0147-9E7A-79BA9A09AD25}" type="datetimeFigureOut">
               <a:rPr kumimoji="1" lang="ko-Kore-KR" altLang="en-US" smtClean="0"/>
-              <a:t>2021. 6. 19.</a:t>
+              <a:t>2021. 6. 26.</a:t>
             </a:fld>
             <a:endParaRPr kumimoji="1" lang="ko-Kore-KR" altLang="en-US"/>
           </a:p>
@@ -1846,7 +1849,7 @@
           <a:p>
             <a:fld id="{8FDB62D7-49DC-0147-9E7A-79BA9A09AD25}" type="datetimeFigureOut">
               <a:rPr kumimoji="1" lang="ko-Kore-KR" altLang="en-US" smtClean="0"/>
-              <a:t>2021. 6. 19.</a:t>
+              <a:t>2021. 6. 26.</a:t>
             </a:fld>
             <a:endParaRPr kumimoji="1" lang="ko-Kore-KR" altLang="en-US"/>
           </a:p>
@@ -2276,7 +2279,7 @@
           <a:p>
             <a:fld id="{8FDB62D7-49DC-0147-9E7A-79BA9A09AD25}" type="datetimeFigureOut">
               <a:rPr kumimoji="1" lang="ko-Kore-KR" altLang="en-US" smtClean="0"/>
-              <a:t>2021. 6. 19.</a:t>
+              <a:t>2021. 6. 26.</a:t>
             </a:fld>
             <a:endParaRPr kumimoji="1" lang="ko-Kore-KR" altLang="en-US"/>
           </a:p>
@@ -2426,7 +2429,7 @@
           <a:p>
             <a:fld id="{8FDB62D7-49DC-0147-9E7A-79BA9A09AD25}" type="datetimeFigureOut">
               <a:rPr kumimoji="1" lang="ko-Kore-KR" altLang="en-US" smtClean="0"/>
-              <a:t>2021. 6. 19.</a:t>
+              <a:t>2021. 6. 26.</a:t>
             </a:fld>
             <a:endParaRPr kumimoji="1" lang="ko-Kore-KR" altLang="en-US"/>
           </a:p>
@@ -2539,7 +2542,7 @@
           <a:p>
             <a:fld id="{8FDB62D7-49DC-0147-9E7A-79BA9A09AD25}" type="datetimeFigureOut">
               <a:rPr kumimoji="1" lang="ko-Kore-KR" altLang="en-US" smtClean="0"/>
-              <a:t>2021. 6. 19.</a:t>
+              <a:t>2021. 6. 26.</a:t>
             </a:fld>
             <a:endParaRPr kumimoji="1" lang="ko-Kore-KR" altLang="en-US"/>
           </a:p>
@@ -2861,7 +2864,7 @@
           <a:p>
             <a:fld id="{8FDB62D7-49DC-0147-9E7A-79BA9A09AD25}" type="datetimeFigureOut">
               <a:rPr kumimoji="1" lang="ko-Kore-KR" altLang="en-US" smtClean="0"/>
-              <a:t>2021. 6. 19.</a:t>
+              <a:t>2021. 6. 26.</a:t>
             </a:fld>
             <a:endParaRPr kumimoji="1" lang="ko-Kore-KR" altLang="en-US"/>
           </a:p>
@@ -3159,7 +3162,7 @@
           <a:p>
             <a:fld id="{8FDB62D7-49DC-0147-9E7A-79BA9A09AD25}" type="datetimeFigureOut">
               <a:rPr kumimoji="1" lang="ko-Kore-KR" altLang="en-US" smtClean="0"/>
-              <a:t>2021. 6. 19.</a:t>
+              <a:t>2021. 6. 26.</a:t>
             </a:fld>
             <a:endParaRPr kumimoji="1" lang="ko-Kore-KR" altLang="en-US"/>
           </a:p>
@@ -3295,7 +3298,7 @@
           <a:p>
             <a:fld id="{8FDB62D7-49DC-0147-9E7A-79BA9A09AD25}" type="datetimeFigureOut">
               <a:rPr kumimoji="1" lang="ko-Kore-KR" altLang="en-US" smtClean="0"/>
-              <a:t>2021. 6. 19.</a:t>
+              <a:t>2021. 6. 26.</a:t>
             </a:fld>
             <a:endParaRPr kumimoji="1" lang="ko-Kore-KR" altLang="en-US"/>
           </a:p>
@@ -4491,7 +4494,22 @@
                 <a:latin typeface="Nanum SeongSirCe" panose="02000503000000000000" pitchFamily="2" charset="-127"/>
                 <a:ea typeface="Nanum SeongSirCe" panose="02000503000000000000" pitchFamily="2" charset="-127"/>
               </a:rPr>
-              <a:t> 조회수 그래프 </a:t>
+              <a:t> </a:t>
+            </a:r>
+            <a:r>
+              <a:rPr lang="ko-KR" altLang="en-US" sz="2000" b="1" dirty="0">
+                <a:latin typeface="Nanum SeongSirCe" panose="02000503000000000000" pitchFamily="2" charset="-127"/>
+                <a:ea typeface="Nanum SeongSirCe" panose="02000503000000000000" pitchFamily="2" charset="-127"/>
+                <a:hlinkClick r:id="rId2"/>
+              </a:rPr>
+              <a:t>이상치</a:t>
+            </a:r>
+            <a:r>
+              <a:rPr lang="ko-KR" altLang="en-US" sz="2000" b="1" dirty="0">
+                <a:latin typeface="Nanum SeongSirCe" panose="02000503000000000000" pitchFamily="2" charset="-127"/>
+                <a:ea typeface="Nanum SeongSirCe" panose="02000503000000000000" pitchFamily="2" charset="-127"/>
+              </a:rPr>
+              <a:t> </a:t>
             </a:r>
             <a:r>
               <a:rPr lang="en-US" altLang="ko-KR" sz="2000" b="1" dirty="0">
@@ -4509,102 +4527,38 @@
       </p:sp>
       <p:pic>
         <p:nvPicPr>
-          <p:cNvPr id="8194" name="Picture 2">
-            <a:extLst>
-              <a:ext uri="{FF2B5EF4-FFF2-40B4-BE49-F238E27FC236}">
-                <a16:creationId xmlns:a16="http://schemas.microsoft.com/office/drawing/2014/main" id="{B467C120-6A6F-AC4F-82DC-AFE1579D244E}"/>
+          <p:cNvPr id="6" name="그림 5">
+            <a:extLst>
+              <a:ext uri="{FF2B5EF4-FFF2-40B4-BE49-F238E27FC236}">
+                <a16:creationId xmlns:a16="http://schemas.microsoft.com/office/drawing/2014/main" id="{1BF50825-2AAE-3A4E-A7FB-185D4CA3CABA}"/>
               </a:ext>
             </a:extLst>
           </p:cNvPr>
           <p:cNvPicPr>
-            <a:picLocks noChangeAspect="1" noChangeArrowheads="1"/>
+            <a:picLocks noChangeAspect="1"/>
           </p:cNvPicPr>
           <p:nvPr/>
         </p:nvPicPr>
         <p:blipFill>
-          <a:blip r:embed="rId2">
-            <a:extLst>
-              <a:ext uri="{28A0092B-C50C-407E-A947-70E740481C1C}">
-                <a14:useLocalDpi xmlns:a14="http://schemas.microsoft.com/office/drawing/2010/main" val="0"/>
-              </a:ext>
-            </a:extLst>
-          </a:blip>
-          <a:srcRect/>
+          <a:blip r:embed="rId3"/>
           <a:stretch>
             <a:fillRect/>
           </a:stretch>
         </p:blipFill>
-        <p:spPr bwMode="auto">
+        <p:spPr>
           <a:xfrm>
-            <a:off x="779813" y="2146986"/>
-            <a:ext cx="4518222" cy="3960323"/>
+            <a:off x="3824023" y="2283608"/>
+            <a:ext cx="4543953" cy="3716304"/>
           </a:xfrm>
           <a:prstGeom prst="rect">
             <a:avLst/>
           </a:prstGeom>
-          <a:noFill/>
-          <a:extLst>
-            <a:ext uri="{909E8E84-426E-40DD-AFC4-6F175D3DCCD1}">
-              <a14:hiddenFill xmlns:a14="http://schemas.microsoft.com/office/drawing/2010/main">
-                <a:solidFill>
-                  <a:srgbClr val="FFFFFF"/>
-                </a:solidFill>
-              </a14:hiddenFill>
-            </a:ext>
-          </a:extLst>
-        </p:spPr>
-      </p:pic>
-      <p:pic>
-        <p:nvPicPr>
-          <p:cNvPr id="8198" name="Picture 6">
-            <a:extLst>
-              <a:ext uri="{FF2B5EF4-FFF2-40B4-BE49-F238E27FC236}">
-                <a16:creationId xmlns:a16="http://schemas.microsoft.com/office/drawing/2014/main" id="{EB93AFDB-88E5-794D-9695-4BC5C9C1FF99}"/>
-              </a:ext>
-            </a:extLst>
-          </p:cNvPr>
-          <p:cNvPicPr>
-            <a:picLocks noChangeAspect="1" noChangeArrowheads="1"/>
-          </p:cNvPicPr>
-          <p:nvPr/>
-        </p:nvPicPr>
-        <p:blipFill>
-          <a:blip r:embed="rId3">
-            <a:extLst>
-              <a:ext uri="{28A0092B-C50C-407E-A947-70E740481C1C}">
-                <a14:useLocalDpi xmlns:a14="http://schemas.microsoft.com/office/drawing/2010/main" val="0"/>
-              </a:ext>
-            </a:extLst>
-          </a:blip>
-          <a:srcRect/>
-          <a:stretch>
-            <a:fillRect/>
-          </a:stretch>
-        </p:blipFill>
-        <p:spPr bwMode="auto">
-          <a:xfrm>
-            <a:off x="5298035" y="2146986"/>
-            <a:ext cx="6031026" cy="3739119"/>
-          </a:xfrm>
-          <a:prstGeom prst="rect">
-            <a:avLst/>
-          </a:prstGeom>
-          <a:noFill/>
-          <a:extLst>
-            <a:ext uri="{909E8E84-426E-40DD-AFC4-6F175D3DCCD1}">
-              <a14:hiddenFill xmlns:a14="http://schemas.microsoft.com/office/drawing/2010/main">
-                <a:solidFill>
-                  <a:srgbClr val="FFFFFF"/>
-                </a:solidFill>
-              </a14:hiddenFill>
-            </a:ext>
-          </a:extLst>
         </p:spPr>
       </p:pic>
     </p:spTree>
     <p:extLst>
       <p:ext uri="{BB962C8B-B14F-4D97-AF65-F5344CB8AC3E}">
-        <p14:creationId xmlns:p14="http://schemas.microsoft.com/office/powerpoint/2010/main" val="2024680193"/>
+        <p14:creationId xmlns:p14="http://schemas.microsoft.com/office/powerpoint/2010/main" val="1123498261"/>
       </p:ext>
     </p:extLst>
   </p:cSld>
@@ -4883,7 +4837,7 @@
                 <a:latin typeface="Nanum SeongSirCe" panose="02000503000000000000" pitchFamily="2" charset="-127"/>
                 <a:ea typeface="Nanum SeongSirCe" panose="02000503000000000000" pitchFamily="2" charset="-127"/>
               </a:rPr>
-              <a:t> 상관 분석 </a:t>
+              <a:t> 조회수 그래프 </a:t>
             </a:r>
             <a:r>
               <a:rPr lang="en-US" altLang="ko-KR" sz="2000" b="1" dirty="0">
@@ -4901,10 +4855,10 @@
       </p:sp>
       <p:pic>
         <p:nvPicPr>
-          <p:cNvPr id="2056" name="Picture 8">
-            <a:extLst>
-              <a:ext uri="{FF2B5EF4-FFF2-40B4-BE49-F238E27FC236}">
-                <a16:creationId xmlns:a16="http://schemas.microsoft.com/office/drawing/2014/main" id="{09D2596F-BF64-0244-90B4-1EB629DC127C}"/>
+          <p:cNvPr id="8194" name="Picture 2">
+            <a:extLst>
+              <a:ext uri="{FF2B5EF4-FFF2-40B4-BE49-F238E27FC236}">
+                <a16:creationId xmlns:a16="http://schemas.microsoft.com/office/drawing/2014/main" id="{B467C120-6A6F-AC4F-82DC-AFE1579D244E}"/>
               </a:ext>
             </a:extLst>
           </p:cNvPr>
@@ -4928,8 +4882,8 @@
         </p:blipFill>
         <p:spPr bwMode="auto">
           <a:xfrm>
-            <a:off x="1127497" y="2413578"/>
-            <a:ext cx="6061461" cy="3102511"/>
+            <a:off x="779813" y="2146986"/>
+            <a:ext cx="4518222" cy="3960323"/>
           </a:xfrm>
           <a:prstGeom prst="rect">
             <a:avLst/>
@@ -4946,422 +4900,57 @@
           </a:extLst>
         </p:spPr>
       </p:pic>
-      <p:sp>
-        <p:nvSpPr>
-          <p:cNvPr id="17" name="TextBox 16">
-            <a:extLst>
-              <a:ext uri="{FF2B5EF4-FFF2-40B4-BE49-F238E27FC236}">
-                <a16:creationId xmlns:a16="http://schemas.microsoft.com/office/drawing/2014/main" id="{D6B09782-5D71-1E48-B303-49BEC8334A44}"/>
-              </a:ext>
-            </a:extLst>
-          </p:cNvPr>
-          <p:cNvSpPr txBox="1"/>
+      <p:pic>
+        <p:nvPicPr>
+          <p:cNvPr id="8198" name="Picture 6">
+            <a:extLst>
+              <a:ext uri="{FF2B5EF4-FFF2-40B4-BE49-F238E27FC236}">
+                <a16:creationId xmlns:a16="http://schemas.microsoft.com/office/drawing/2014/main" id="{EB93AFDB-88E5-794D-9695-4BC5C9C1FF99}"/>
+              </a:ext>
+            </a:extLst>
+          </p:cNvPr>
+          <p:cNvPicPr>
+            <a:picLocks noChangeAspect="1" noChangeArrowheads="1"/>
+          </p:cNvPicPr>
           <p:nvPr/>
-        </p:nvSpPr>
-        <p:spPr>
+        </p:nvPicPr>
+        <p:blipFill>
+          <a:blip r:embed="rId3">
+            <a:extLst>
+              <a:ext uri="{28A0092B-C50C-407E-A947-70E740481C1C}">
+                <a14:useLocalDpi xmlns:a14="http://schemas.microsoft.com/office/drawing/2010/main" val="0"/>
+              </a:ext>
+            </a:extLst>
+          </a:blip>
+          <a:srcRect/>
+          <a:stretch>
+            <a:fillRect/>
+          </a:stretch>
+        </p:blipFill>
+        <p:spPr bwMode="auto">
           <a:xfrm>
-            <a:off x="7671754" y="2473733"/>
-            <a:ext cx="3167119" cy="2677656"/>
+            <a:off x="5298035" y="2146986"/>
+            <a:ext cx="6031026" cy="3739119"/>
           </a:xfrm>
           <a:prstGeom prst="rect">
             <a:avLst/>
           </a:prstGeom>
           <a:noFill/>
+          <a:extLst>
+            <a:ext uri="{909E8E84-426E-40DD-AFC4-6F175D3DCCD1}">
+              <a14:hiddenFill xmlns:a14="http://schemas.microsoft.com/office/drawing/2010/main">
+                <a:solidFill>
+                  <a:srgbClr val="FFFFFF"/>
+                </a:solidFill>
+              </a14:hiddenFill>
+            </a:ext>
+          </a:extLst>
         </p:spPr>
-        <p:txBody>
-          <a:bodyPr wrap="square" rtlCol="0">
-            <a:spAutoFit/>
-          </a:bodyPr>
-          <a:lstStyle/>
-          <a:p>
-            <a:r>
-              <a:rPr kumimoji="1" lang="ko-KR" altLang="en-US" sz="2800" b="1" dirty="0">
-                <a:latin typeface="Nanum SeongSirCe" panose="02000503000000000000" pitchFamily="2" charset="-127"/>
-                <a:ea typeface="Nanum SeongSirCe" panose="02000503000000000000" pitchFamily="2" charset="-127"/>
-              </a:rPr>
-              <a:t>변수간의 밀접한 정도</a:t>
-            </a:r>
-            <a:r>
-              <a:rPr kumimoji="1" lang="en-US" altLang="ko-KR" sz="2800" b="1" dirty="0">
-                <a:latin typeface="Nanum SeongSirCe" panose="02000503000000000000" pitchFamily="2" charset="-127"/>
-                <a:ea typeface="Nanum SeongSirCe" panose="02000503000000000000" pitchFamily="2" charset="-127"/>
-              </a:rPr>
-              <a:t>,</a:t>
-            </a:r>
-            <a:r>
-              <a:rPr kumimoji="1" lang="ko-KR" altLang="en-US" sz="2800" b="1" dirty="0">
-                <a:latin typeface="Nanum SeongSirCe" panose="02000503000000000000" pitchFamily="2" charset="-127"/>
-                <a:ea typeface="Nanum SeongSirCe" panose="02000503000000000000" pitchFamily="2" charset="-127"/>
-              </a:rPr>
-              <a:t> 즉</a:t>
-            </a:r>
-            <a:endParaRPr kumimoji="1" lang="en-US" altLang="ko-KR" sz="2800" b="1" dirty="0">
-              <a:latin typeface="Nanum SeongSirCe" panose="02000503000000000000" pitchFamily="2" charset="-127"/>
-              <a:ea typeface="Nanum SeongSirCe" panose="02000503000000000000" pitchFamily="2" charset="-127"/>
-            </a:endParaRPr>
-          </a:p>
-          <a:p>
-            <a:r>
-              <a:rPr kumimoji="1" lang="ko-KR" altLang="en-US" sz="2800" b="1" dirty="0">
-                <a:latin typeface="Nanum SeongSirCe" panose="02000503000000000000" pitchFamily="2" charset="-127"/>
-                <a:ea typeface="Nanum SeongSirCe" panose="02000503000000000000" pitchFamily="2" charset="-127"/>
-              </a:rPr>
-              <a:t>상관관계를 분석하는 통계적 분석 방법</a:t>
-            </a:r>
-            <a:r>
-              <a:rPr kumimoji="1" lang="en-US" altLang="ko-KR" sz="2800" b="1" dirty="0">
-                <a:latin typeface="Nanum SeongSirCe" panose="02000503000000000000" pitchFamily="2" charset="-127"/>
-                <a:ea typeface="Nanum SeongSirCe" panose="02000503000000000000" pitchFamily="2" charset="-127"/>
-              </a:rPr>
-              <a:t>.</a:t>
-            </a:r>
-          </a:p>
-          <a:p>
-            <a:endParaRPr kumimoji="1" lang="en-US" altLang="ko-KR" sz="2800" b="1" dirty="0">
-              <a:latin typeface="Nanum SeongSirCe" panose="02000503000000000000" pitchFamily="2" charset="-127"/>
-              <a:ea typeface="Nanum SeongSirCe" panose="02000503000000000000" pitchFamily="2" charset="-127"/>
-            </a:endParaRPr>
-          </a:p>
-          <a:p>
-            <a:r>
-              <a:rPr kumimoji="1" lang="ko-KR" altLang="en-US" sz="2800" b="1" dirty="0">
-                <a:latin typeface="Nanum SeongSirCe" panose="02000503000000000000" pitchFamily="2" charset="-127"/>
-                <a:ea typeface="Nanum SeongSirCe" panose="02000503000000000000" pitchFamily="2" charset="-127"/>
-              </a:rPr>
-              <a:t>값 </a:t>
-            </a:r>
-            <a:r>
-              <a:rPr kumimoji="1" lang="en-US" altLang="ko-KR" sz="2800" b="1" dirty="0">
-                <a:latin typeface="Nanum SeongSirCe" panose="02000503000000000000" pitchFamily="2" charset="-127"/>
-                <a:ea typeface="Nanum SeongSirCe" panose="02000503000000000000" pitchFamily="2" charset="-127"/>
-              </a:rPr>
-              <a:t>:</a:t>
-            </a:r>
-            <a:r>
-              <a:rPr kumimoji="1" lang="ko-KR" altLang="en-US" sz="2800" b="1" dirty="0">
-                <a:latin typeface="Nanum SeongSirCe" panose="02000503000000000000" pitchFamily="2" charset="-127"/>
-                <a:ea typeface="Nanum SeongSirCe" panose="02000503000000000000" pitchFamily="2" charset="-127"/>
-              </a:rPr>
-              <a:t> </a:t>
-            </a:r>
-            <a:r>
-              <a:rPr kumimoji="1" lang="en-US" altLang="ko-KR" sz="2800" b="1" dirty="0">
-                <a:latin typeface="Nanum SeongSirCe" panose="02000503000000000000" pitchFamily="2" charset="-127"/>
-                <a:ea typeface="Nanum SeongSirCe" panose="02000503000000000000" pitchFamily="2" charset="-127"/>
-              </a:rPr>
-              <a:t>-</a:t>
-            </a:r>
-            <a:r>
-              <a:rPr kumimoji="1" lang="ko-KR" altLang="en-US" sz="2800" b="1" dirty="0">
-                <a:latin typeface="Nanum SeongSirCe" panose="02000503000000000000" pitchFamily="2" charset="-127"/>
-                <a:ea typeface="Nanum SeongSirCe" panose="02000503000000000000" pitchFamily="2" charset="-127"/>
-              </a:rPr>
-              <a:t> </a:t>
-            </a:r>
-            <a:r>
-              <a:rPr kumimoji="1" lang="en-US" altLang="ko-KR" sz="2800" b="1" dirty="0">
-                <a:latin typeface="Nanum SeongSirCe" panose="02000503000000000000" pitchFamily="2" charset="-127"/>
-                <a:ea typeface="Nanum SeongSirCe" panose="02000503000000000000" pitchFamily="2" charset="-127"/>
-              </a:rPr>
-              <a:t>1</a:t>
-            </a:r>
-            <a:r>
-              <a:rPr kumimoji="1" lang="ko-KR" altLang="en-US" sz="2800" b="1" dirty="0">
-                <a:latin typeface="Nanum SeongSirCe" panose="02000503000000000000" pitchFamily="2" charset="-127"/>
-                <a:ea typeface="Nanum SeongSirCe" panose="02000503000000000000" pitchFamily="2" charset="-127"/>
-              </a:rPr>
-              <a:t> </a:t>
-            </a:r>
-            <a:r>
-              <a:rPr kumimoji="1" lang="en-US" altLang="ko-KR" sz="2800" b="1" dirty="0">
-                <a:latin typeface="Nanum SeongSirCe" panose="02000503000000000000" pitchFamily="2" charset="-127"/>
-                <a:ea typeface="Nanum SeongSirCe" panose="02000503000000000000" pitchFamily="2" charset="-127"/>
-              </a:rPr>
-              <a:t>~</a:t>
-            </a:r>
-            <a:r>
-              <a:rPr kumimoji="1" lang="ko-KR" altLang="en-US" sz="2800" b="1" dirty="0">
-                <a:latin typeface="Nanum SeongSirCe" panose="02000503000000000000" pitchFamily="2" charset="-127"/>
-                <a:ea typeface="Nanum SeongSirCe" panose="02000503000000000000" pitchFamily="2" charset="-127"/>
-              </a:rPr>
-              <a:t> </a:t>
-            </a:r>
-            <a:r>
-              <a:rPr kumimoji="1" lang="en-US" altLang="ko-KR" sz="2800" b="1" dirty="0">
-                <a:latin typeface="Nanum SeongSirCe" panose="02000503000000000000" pitchFamily="2" charset="-127"/>
-                <a:ea typeface="Nanum SeongSirCe" panose="02000503000000000000" pitchFamily="2" charset="-127"/>
-              </a:rPr>
-              <a:t>+</a:t>
-            </a:r>
-            <a:r>
-              <a:rPr kumimoji="1" lang="ko-KR" altLang="en-US" sz="2800" b="1" dirty="0">
-                <a:latin typeface="Nanum SeongSirCe" panose="02000503000000000000" pitchFamily="2" charset="-127"/>
-                <a:ea typeface="Nanum SeongSirCe" panose="02000503000000000000" pitchFamily="2" charset="-127"/>
-              </a:rPr>
-              <a:t> </a:t>
-            </a:r>
-            <a:r>
-              <a:rPr kumimoji="1" lang="en-US" altLang="ko-KR" sz="2800" b="1" dirty="0">
-                <a:latin typeface="Nanum SeongSirCe" panose="02000503000000000000" pitchFamily="2" charset="-127"/>
-                <a:ea typeface="Nanum SeongSirCe" panose="02000503000000000000" pitchFamily="2" charset="-127"/>
-              </a:rPr>
-              <a:t>1</a:t>
-            </a:r>
-          </a:p>
-          <a:p>
-            <a:r>
-              <a:rPr kumimoji="1" lang="en-US" altLang="ko-KR" sz="2800" b="1" dirty="0">
-                <a:latin typeface="Nanum SeongSirCe" panose="02000503000000000000" pitchFamily="2" charset="-127"/>
-                <a:ea typeface="Nanum SeongSirCe" panose="02000503000000000000" pitchFamily="2" charset="-127"/>
-              </a:rPr>
-              <a:t>+</a:t>
-            </a:r>
-            <a:r>
-              <a:rPr kumimoji="1" lang="ko-KR" altLang="en-US" sz="2800" b="1" dirty="0">
-                <a:latin typeface="Nanum SeongSirCe" panose="02000503000000000000" pitchFamily="2" charset="-127"/>
-                <a:ea typeface="Nanum SeongSirCe" panose="02000503000000000000" pitchFamily="2" charset="-127"/>
-              </a:rPr>
-              <a:t> </a:t>
-            </a:r>
-            <a:r>
-              <a:rPr kumimoji="1" lang="en-US" altLang="ko-KR" sz="2800" b="1" dirty="0">
-                <a:latin typeface="Nanum SeongSirCe" panose="02000503000000000000" pitchFamily="2" charset="-127"/>
-                <a:ea typeface="Nanum SeongSirCe" panose="02000503000000000000" pitchFamily="2" charset="-127"/>
-              </a:rPr>
-              <a:t>1</a:t>
-            </a:r>
-            <a:r>
-              <a:rPr kumimoji="1" lang="ko-KR" altLang="en-US" sz="2800" b="1" dirty="0">
-                <a:latin typeface="Nanum SeongSirCe" panose="02000503000000000000" pitchFamily="2" charset="-127"/>
-                <a:ea typeface="Nanum SeongSirCe" panose="02000503000000000000" pitchFamily="2" charset="-127"/>
-              </a:rPr>
-              <a:t> </a:t>
-            </a:r>
-            <a:r>
-              <a:rPr kumimoji="1" lang="en-US" altLang="ko-KR" sz="2800" b="1" dirty="0">
-                <a:latin typeface="Nanum SeongSirCe" panose="02000503000000000000" pitchFamily="2" charset="-127"/>
-                <a:ea typeface="Nanum SeongSirCe" panose="02000503000000000000" pitchFamily="2" charset="-127"/>
-              </a:rPr>
-              <a:t>:</a:t>
-            </a:r>
-            <a:r>
-              <a:rPr kumimoji="1" lang="ko-KR" altLang="en-US" sz="2800" b="1" dirty="0">
-                <a:latin typeface="Nanum SeongSirCe" panose="02000503000000000000" pitchFamily="2" charset="-127"/>
-                <a:ea typeface="Nanum SeongSirCe" panose="02000503000000000000" pitchFamily="2" charset="-127"/>
-              </a:rPr>
-              <a:t>       </a:t>
-            </a:r>
-            <a:r>
-              <a:rPr kumimoji="1" lang="en-US" altLang="ko-KR" sz="2800" b="1" dirty="0">
-                <a:latin typeface="Nanum SeongSirCe" panose="02000503000000000000" pitchFamily="2" charset="-127"/>
-                <a:ea typeface="Nanum SeongSirCe" panose="02000503000000000000" pitchFamily="2" charset="-127"/>
-              </a:rPr>
-              <a:t>-1</a:t>
-            </a:r>
-            <a:r>
-              <a:rPr kumimoji="1" lang="ko-KR" altLang="en-US" sz="2800" b="1" dirty="0">
-                <a:latin typeface="Nanum SeongSirCe" panose="02000503000000000000" pitchFamily="2" charset="-127"/>
-                <a:ea typeface="Nanum SeongSirCe" panose="02000503000000000000" pitchFamily="2" charset="-127"/>
-              </a:rPr>
-              <a:t> </a:t>
-            </a:r>
-            <a:r>
-              <a:rPr kumimoji="1" lang="en-US" altLang="ko-KR" sz="2800" b="1" dirty="0">
-                <a:latin typeface="Nanum SeongSirCe" panose="02000503000000000000" pitchFamily="2" charset="-127"/>
-                <a:ea typeface="Nanum SeongSirCe" panose="02000503000000000000" pitchFamily="2" charset="-127"/>
-              </a:rPr>
-              <a:t>:</a:t>
-            </a:r>
-            <a:r>
-              <a:rPr kumimoji="1" lang="ko-KR" altLang="en-US" sz="2800" b="1" dirty="0">
-                <a:latin typeface="Nanum SeongSirCe" panose="02000503000000000000" pitchFamily="2" charset="-127"/>
-                <a:ea typeface="Nanum SeongSirCe" panose="02000503000000000000" pitchFamily="2" charset="-127"/>
-              </a:rPr>
-              <a:t> </a:t>
-            </a:r>
-            <a:endParaRPr kumimoji="1" lang="en-US" altLang="ko-KR" sz="2800" b="1" dirty="0">
-              <a:latin typeface="Nanum SeongSirCe" panose="02000503000000000000" pitchFamily="2" charset="-127"/>
-              <a:ea typeface="Nanum SeongSirCe" panose="02000503000000000000" pitchFamily="2" charset="-127"/>
-            </a:endParaRPr>
-          </a:p>
-        </p:txBody>
-      </p:sp>
-      <p:cxnSp>
-        <p:nvCxnSpPr>
-          <p:cNvPr id="8" name="직선 화살표 연결선 7">
-            <a:extLst>
-              <a:ext uri="{FF2B5EF4-FFF2-40B4-BE49-F238E27FC236}">
-                <a16:creationId xmlns:a16="http://schemas.microsoft.com/office/drawing/2014/main" id="{4D5A4A9A-77B9-CE40-BE59-8875E806AB9A}"/>
-              </a:ext>
-            </a:extLst>
-          </p:cNvPr>
-          <p:cNvCxnSpPr/>
-          <p:nvPr/>
-        </p:nvCxnSpPr>
-        <p:spPr>
-          <a:xfrm flipV="1">
-            <a:off x="2125683" y="3087584"/>
-            <a:ext cx="3621974" cy="1829118"/>
-          </a:xfrm>
-          <a:prstGeom prst="straightConnector1">
-            <a:avLst/>
-          </a:prstGeom>
-          <a:ln w="28575">
-            <a:solidFill>
-              <a:srgbClr val="002060"/>
-            </a:solidFill>
-            <a:tailEnd type="triangle"/>
-          </a:ln>
-        </p:spPr>
-        <p:style>
-          <a:lnRef idx="1">
-            <a:schemeClr val="accent1"/>
-          </a:lnRef>
-          <a:fillRef idx="0">
-            <a:schemeClr val="accent1"/>
-          </a:fillRef>
-          <a:effectRef idx="0">
-            <a:schemeClr val="accent1"/>
-          </a:effectRef>
-          <a:fontRef idx="minor">
-            <a:schemeClr val="tx1"/>
-          </a:fontRef>
-        </p:style>
-      </p:cxnSp>
-      <p:cxnSp>
-        <p:nvCxnSpPr>
-          <p:cNvPr id="20" name="직선 화살표 연결선 19">
-            <a:extLst>
-              <a:ext uri="{FF2B5EF4-FFF2-40B4-BE49-F238E27FC236}">
-                <a16:creationId xmlns:a16="http://schemas.microsoft.com/office/drawing/2014/main" id="{66717AD2-A7D5-C648-8D37-D0579B89A78D}"/>
-              </a:ext>
-            </a:extLst>
-          </p:cNvPr>
-          <p:cNvCxnSpPr>
-            <a:cxnSpLocks/>
-          </p:cNvCxnSpPr>
-          <p:nvPr/>
-        </p:nvCxnSpPr>
-        <p:spPr>
-          <a:xfrm flipV="1">
-            <a:off x="8403639" y="4750445"/>
-            <a:ext cx="562891" cy="354971"/>
-          </a:xfrm>
-          <a:prstGeom prst="straightConnector1">
-            <a:avLst/>
-          </a:prstGeom>
-          <a:ln w="28575">
-            <a:solidFill>
-              <a:srgbClr val="002060"/>
-            </a:solidFill>
-            <a:tailEnd type="triangle"/>
-          </a:ln>
-        </p:spPr>
-        <p:style>
-          <a:lnRef idx="1">
-            <a:schemeClr val="accent1"/>
-          </a:lnRef>
-          <a:fillRef idx="0">
-            <a:schemeClr val="accent1"/>
-          </a:fillRef>
-          <a:effectRef idx="0">
-            <a:schemeClr val="accent1"/>
-          </a:effectRef>
-          <a:fontRef idx="minor">
-            <a:schemeClr val="tx1"/>
-          </a:fontRef>
-        </p:style>
-      </p:cxnSp>
-      <p:cxnSp>
-        <p:nvCxnSpPr>
-          <p:cNvPr id="18" name="직선 화살표 연결선 17">
-            <a:extLst>
-              <a:ext uri="{FF2B5EF4-FFF2-40B4-BE49-F238E27FC236}">
-                <a16:creationId xmlns:a16="http://schemas.microsoft.com/office/drawing/2014/main" id="{7113AA3F-D447-E54D-9176-5DE8F33A5A47}"/>
-              </a:ext>
-            </a:extLst>
-          </p:cNvPr>
-          <p:cNvCxnSpPr/>
-          <p:nvPr/>
-        </p:nvCxnSpPr>
-        <p:spPr>
-          <a:xfrm>
-            <a:off x="2125683" y="2758740"/>
-            <a:ext cx="4191990" cy="1979516"/>
-          </a:xfrm>
-          <a:prstGeom prst="straightConnector1">
-            <a:avLst/>
-          </a:prstGeom>
-          <a:ln w="28575">
-            <a:solidFill>
-              <a:srgbClr val="FF0000"/>
-            </a:solidFill>
-            <a:tailEnd type="triangle"/>
-          </a:ln>
-        </p:spPr>
-        <p:style>
-          <a:lnRef idx="1">
-            <a:schemeClr val="accent1"/>
-          </a:lnRef>
-          <a:fillRef idx="0">
-            <a:schemeClr val="accent1"/>
-          </a:fillRef>
-          <a:effectRef idx="0">
-            <a:schemeClr val="accent1"/>
-          </a:effectRef>
-          <a:fontRef idx="minor">
-            <a:schemeClr val="tx1"/>
-          </a:fontRef>
-        </p:style>
-      </p:cxnSp>
-      <p:cxnSp>
-        <p:nvCxnSpPr>
-          <p:cNvPr id="24" name="직선 화살표 연결선 23">
-            <a:extLst>
-              <a:ext uri="{FF2B5EF4-FFF2-40B4-BE49-F238E27FC236}">
-                <a16:creationId xmlns:a16="http://schemas.microsoft.com/office/drawing/2014/main" id="{CBEB0C20-8FD6-9448-BF22-5F2EBDD3AAC0}"/>
-              </a:ext>
-            </a:extLst>
-          </p:cNvPr>
-          <p:cNvCxnSpPr>
-            <a:cxnSpLocks/>
-          </p:cNvCxnSpPr>
-          <p:nvPr/>
-        </p:nvCxnSpPr>
-        <p:spPr>
-          <a:xfrm>
-            <a:off x="9698415" y="4750444"/>
-            <a:ext cx="398958" cy="284428"/>
-          </a:xfrm>
-          <a:prstGeom prst="straightConnector1">
-            <a:avLst/>
-          </a:prstGeom>
-          <a:ln w="28575">
-            <a:solidFill>
-              <a:srgbClr val="FF0000"/>
-            </a:solidFill>
-            <a:tailEnd type="triangle"/>
-          </a:ln>
-        </p:spPr>
-        <p:style>
-          <a:lnRef idx="1">
-            <a:schemeClr val="accent1"/>
-          </a:lnRef>
-          <a:fillRef idx="0">
-            <a:schemeClr val="accent1"/>
-          </a:fillRef>
-          <a:effectRef idx="0">
-            <a:schemeClr val="accent1"/>
-          </a:effectRef>
-          <a:fontRef idx="minor">
-            <a:schemeClr val="tx1"/>
-          </a:fontRef>
-        </p:style>
-      </p:cxnSp>
+      </p:pic>
     </p:spTree>
     <p:extLst>
       <p:ext uri="{BB962C8B-B14F-4D97-AF65-F5344CB8AC3E}">
-        <p14:creationId xmlns:p14="http://schemas.microsoft.com/office/powerpoint/2010/main" val="762762329"/>
+        <p14:creationId xmlns:p14="http://schemas.microsoft.com/office/powerpoint/2010/main" val="2024680193"/>
       </p:ext>
     </p:extLst>
   </p:cSld>
@@ -5658,10 +5247,10 @@
       </p:sp>
       <p:pic>
         <p:nvPicPr>
-          <p:cNvPr id="3078" name="Picture 6">
-            <a:extLst>
-              <a:ext uri="{FF2B5EF4-FFF2-40B4-BE49-F238E27FC236}">
-                <a16:creationId xmlns:a16="http://schemas.microsoft.com/office/drawing/2014/main" id="{18EF10BF-7FBF-D541-84F6-DC78E27856D5}"/>
+          <p:cNvPr id="2056" name="Picture 8">
+            <a:extLst>
+              <a:ext uri="{FF2B5EF4-FFF2-40B4-BE49-F238E27FC236}">
+                <a16:creationId xmlns:a16="http://schemas.microsoft.com/office/drawing/2014/main" id="{09D2596F-BF64-0244-90B4-1EB629DC127C}"/>
               </a:ext>
             </a:extLst>
           </p:cNvPr>
@@ -5685,8 +5274,8 @@
         </p:blipFill>
         <p:spPr bwMode="auto">
           <a:xfrm>
-            <a:off x="3334987" y="2146987"/>
-            <a:ext cx="5522026" cy="3856314"/>
+            <a:off x="1127497" y="2413578"/>
+            <a:ext cx="6061461" cy="3102511"/>
           </a:xfrm>
           <a:prstGeom prst="rect">
             <a:avLst/>
@@ -5705,60 +5294,420 @@
       </p:pic>
       <p:sp>
         <p:nvSpPr>
-          <p:cNvPr id="9" name="직사각형 8">
-            <a:extLst>
-              <a:ext uri="{FF2B5EF4-FFF2-40B4-BE49-F238E27FC236}">
-                <a16:creationId xmlns:a16="http://schemas.microsoft.com/office/drawing/2014/main" id="{E3F05B38-9434-284F-B75C-CCCD50254F45}"/>
-              </a:ext>
-            </a:extLst>
-          </p:cNvPr>
-          <p:cNvSpPr/>
+          <p:cNvPr id="17" name="TextBox 16">
+            <a:extLst>
+              <a:ext uri="{FF2B5EF4-FFF2-40B4-BE49-F238E27FC236}">
+                <a16:creationId xmlns:a16="http://schemas.microsoft.com/office/drawing/2014/main" id="{D6B09782-5D71-1E48-B303-49BEC8334A44}"/>
+              </a:ext>
+            </a:extLst>
+          </p:cNvPr>
+          <p:cNvSpPr txBox="1"/>
           <p:nvPr/>
         </p:nvSpPr>
         <p:spPr>
           <a:xfrm>
-            <a:off x="6612311" y="2218237"/>
-            <a:ext cx="489134" cy="3505668"/>
+            <a:off x="7671754" y="2473733"/>
+            <a:ext cx="3167119" cy="2677656"/>
           </a:xfrm>
           <a:prstGeom prst="rect">
             <a:avLst/>
           </a:prstGeom>
           <a:noFill/>
+        </p:spPr>
+        <p:txBody>
+          <a:bodyPr wrap="square" rtlCol="0">
+            <a:spAutoFit/>
+          </a:bodyPr>
+          <a:lstStyle/>
+          <a:p>
+            <a:r>
+              <a:rPr kumimoji="1" lang="ko-KR" altLang="en-US" sz="2800" b="1" dirty="0">
+                <a:latin typeface="Nanum SeongSirCe" panose="02000503000000000000" pitchFamily="2" charset="-127"/>
+                <a:ea typeface="Nanum SeongSirCe" panose="02000503000000000000" pitchFamily="2" charset="-127"/>
+              </a:rPr>
+              <a:t>변수간의 밀접한 정도</a:t>
+            </a:r>
+            <a:r>
+              <a:rPr kumimoji="1" lang="en-US" altLang="ko-KR" sz="2800" b="1" dirty="0">
+                <a:latin typeface="Nanum SeongSirCe" panose="02000503000000000000" pitchFamily="2" charset="-127"/>
+                <a:ea typeface="Nanum SeongSirCe" panose="02000503000000000000" pitchFamily="2" charset="-127"/>
+              </a:rPr>
+              <a:t>,</a:t>
+            </a:r>
+            <a:r>
+              <a:rPr kumimoji="1" lang="ko-KR" altLang="en-US" sz="2800" b="1" dirty="0">
+                <a:latin typeface="Nanum SeongSirCe" panose="02000503000000000000" pitchFamily="2" charset="-127"/>
+                <a:ea typeface="Nanum SeongSirCe" panose="02000503000000000000" pitchFamily="2" charset="-127"/>
+              </a:rPr>
+              <a:t> 즉</a:t>
+            </a:r>
+            <a:endParaRPr kumimoji="1" lang="en-US" altLang="ko-KR" sz="2800" b="1" dirty="0">
+              <a:latin typeface="Nanum SeongSirCe" panose="02000503000000000000" pitchFamily="2" charset="-127"/>
+              <a:ea typeface="Nanum SeongSirCe" panose="02000503000000000000" pitchFamily="2" charset="-127"/>
+            </a:endParaRPr>
+          </a:p>
+          <a:p>
+            <a:r>
+              <a:rPr kumimoji="1" lang="ko-KR" altLang="en-US" sz="2800" b="1" dirty="0">
+                <a:latin typeface="Nanum SeongSirCe" panose="02000503000000000000" pitchFamily="2" charset="-127"/>
+                <a:ea typeface="Nanum SeongSirCe" panose="02000503000000000000" pitchFamily="2" charset="-127"/>
+              </a:rPr>
+              <a:t>상관관계를 분석하는 통계적 분석 방법</a:t>
+            </a:r>
+            <a:r>
+              <a:rPr kumimoji="1" lang="en-US" altLang="ko-KR" sz="2800" b="1" dirty="0">
+                <a:latin typeface="Nanum SeongSirCe" panose="02000503000000000000" pitchFamily="2" charset="-127"/>
+                <a:ea typeface="Nanum SeongSirCe" panose="02000503000000000000" pitchFamily="2" charset="-127"/>
+              </a:rPr>
+              <a:t>.</a:t>
+            </a:r>
+          </a:p>
+          <a:p>
+            <a:endParaRPr kumimoji="1" lang="en-US" altLang="ko-KR" sz="2800" b="1" dirty="0">
+              <a:latin typeface="Nanum SeongSirCe" panose="02000503000000000000" pitchFamily="2" charset="-127"/>
+              <a:ea typeface="Nanum SeongSirCe" panose="02000503000000000000" pitchFamily="2" charset="-127"/>
+            </a:endParaRPr>
+          </a:p>
+          <a:p>
+            <a:r>
+              <a:rPr kumimoji="1" lang="ko-KR" altLang="en-US" sz="2800" b="1" dirty="0">
+                <a:latin typeface="Nanum SeongSirCe" panose="02000503000000000000" pitchFamily="2" charset="-127"/>
+                <a:ea typeface="Nanum SeongSirCe" panose="02000503000000000000" pitchFamily="2" charset="-127"/>
+              </a:rPr>
+              <a:t>값 </a:t>
+            </a:r>
+            <a:r>
+              <a:rPr kumimoji="1" lang="en-US" altLang="ko-KR" sz="2800" b="1" dirty="0">
+                <a:latin typeface="Nanum SeongSirCe" panose="02000503000000000000" pitchFamily="2" charset="-127"/>
+                <a:ea typeface="Nanum SeongSirCe" panose="02000503000000000000" pitchFamily="2" charset="-127"/>
+              </a:rPr>
+              <a:t>:</a:t>
+            </a:r>
+            <a:r>
+              <a:rPr kumimoji="1" lang="ko-KR" altLang="en-US" sz="2800" b="1" dirty="0">
+                <a:latin typeface="Nanum SeongSirCe" panose="02000503000000000000" pitchFamily="2" charset="-127"/>
+                <a:ea typeface="Nanum SeongSirCe" panose="02000503000000000000" pitchFamily="2" charset="-127"/>
+              </a:rPr>
+              <a:t> </a:t>
+            </a:r>
+            <a:r>
+              <a:rPr kumimoji="1" lang="en-US" altLang="ko-KR" sz="2800" b="1" dirty="0">
+                <a:latin typeface="Nanum SeongSirCe" panose="02000503000000000000" pitchFamily="2" charset="-127"/>
+                <a:ea typeface="Nanum SeongSirCe" panose="02000503000000000000" pitchFamily="2" charset="-127"/>
+              </a:rPr>
+              <a:t>-</a:t>
+            </a:r>
+            <a:r>
+              <a:rPr kumimoji="1" lang="ko-KR" altLang="en-US" sz="2800" b="1" dirty="0">
+                <a:latin typeface="Nanum SeongSirCe" panose="02000503000000000000" pitchFamily="2" charset="-127"/>
+                <a:ea typeface="Nanum SeongSirCe" panose="02000503000000000000" pitchFamily="2" charset="-127"/>
+              </a:rPr>
+              <a:t> </a:t>
+            </a:r>
+            <a:r>
+              <a:rPr kumimoji="1" lang="en-US" altLang="ko-KR" sz="2800" b="1" dirty="0">
+                <a:latin typeface="Nanum SeongSirCe" panose="02000503000000000000" pitchFamily="2" charset="-127"/>
+                <a:ea typeface="Nanum SeongSirCe" panose="02000503000000000000" pitchFamily="2" charset="-127"/>
+              </a:rPr>
+              <a:t>1</a:t>
+            </a:r>
+            <a:r>
+              <a:rPr kumimoji="1" lang="ko-KR" altLang="en-US" sz="2800" b="1" dirty="0">
+                <a:latin typeface="Nanum SeongSirCe" panose="02000503000000000000" pitchFamily="2" charset="-127"/>
+                <a:ea typeface="Nanum SeongSirCe" panose="02000503000000000000" pitchFamily="2" charset="-127"/>
+              </a:rPr>
+              <a:t> </a:t>
+            </a:r>
+            <a:r>
+              <a:rPr kumimoji="1" lang="en-US" altLang="ko-KR" sz="2800" b="1" dirty="0">
+                <a:latin typeface="Nanum SeongSirCe" panose="02000503000000000000" pitchFamily="2" charset="-127"/>
+                <a:ea typeface="Nanum SeongSirCe" panose="02000503000000000000" pitchFamily="2" charset="-127"/>
+              </a:rPr>
+              <a:t>~</a:t>
+            </a:r>
+            <a:r>
+              <a:rPr kumimoji="1" lang="ko-KR" altLang="en-US" sz="2800" b="1" dirty="0">
+                <a:latin typeface="Nanum SeongSirCe" panose="02000503000000000000" pitchFamily="2" charset="-127"/>
+                <a:ea typeface="Nanum SeongSirCe" panose="02000503000000000000" pitchFamily="2" charset="-127"/>
+              </a:rPr>
+              <a:t> </a:t>
+            </a:r>
+            <a:r>
+              <a:rPr kumimoji="1" lang="en-US" altLang="ko-KR" sz="2800" b="1" dirty="0">
+                <a:latin typeface="Nanum SeongSirCe" panose="02000503000000000000" pitchFamily="2" charset="-127"/>
+                <a:ea typeface="Nanum SeongSirCe" panose="02000503000000000000" pitchFamily="2" charset="-127"/>
+              </a:rPr>
+              <a:t>+</a:t>
+            </a:r>
+            <a:r>
+              <a:rPr kumimoji="1" lang="ko-KR" altLang="en-US" sz="2800" b="1" dirty="0">
+                <a:latin typeface="Nanum SeongSirCe" panose="02000503000000000000" pitchFamily="2" charset="-127"/>
+                <a:ea typeface="Nanum SeongSirCe" panose="02000503000000000000" pitchFamily="2" charset="-127"/>
+              </a:rPr>
+              <a:t> </a:t>
+            </a:r>
+            <a:r>
+              <a:rPr kumimoji="1" lang="en-US" altLang="ko-KR" sz="2800" b="1" dirty="0">
+                <a:latin typeface="Nanum SeongSirCe" panose="02000503000000000000" pitchFamily="2" charset="-127"/>
+                <a:ea typeface="Nanum SeongSirCe" panose="02000503000000000000" pitchFamily="2" charset="-127"/>
+              </a:rPr>
+              <a:t>1</a:t>
+            </a:r>
+          </a:p>
+          <a:p>
+            <a:r>
+              <a:rPr kumimoji="1" lang="en-US" altLang="ko-KR" sz="2800" b="1" dirty="0">
+                <a:latin typeface="Nanum SeongSirCe" panose="02000503000000000000" pitchFamily="2" charset="-127"/>
+                <a:ea typeface="Nanum SeongSirCe" panose="02000503000000000000" pitchFamily="2" charset="-127"/>
+              </a:rPr>
+              <a:t>+</a:t>
+            </a:r>
+            <a:r>
+              <a:rPr kumimoji="1" lang="ko-KR" altLang="en-US" sz="2800" b="1" dirty="0">
+                <a:latin typeface="Nanum SeongSirCe" panose="02000503000000000000" pitchFamily="2" charset="-127"/>
+                <a:ea typeface="Nanum SeongSirCe" panose="02000503000000000000" pitchFamily="2" charset="-127"/>
+              </a:rPr>
+              <a:t> </a:t>
+            </a:r>
+            <a:r>
+              <a:rPr kumimoji="1" lang="en-US" altLang="ko-KR" sz="2800" b="1" dirty="0">
+                <a:latin typeface="Nanum SeongSirCe" panose="02000503000000000000" pitchFamily="2" charset="-127"/>
+                <a:ea typeface="Nanum SeongSirCe" panose="02000503000000000000" pitchFamily="2" charset="-127"/>
+              </a:rPr>
+              <a:t>1</a:t>
+            </a:r>
+            <a:r>
+              <a:rPr kumimoji="1" lang="ko-KR" altLang="en-US" sz="2800" b="1" dirty="0">
+                <a:latin typeface="Nanum SeongSirCe" panose="02000503000000000000" pitchFamily="2" charset="-127"/>
+                <a:ea typeface="Nanum SeongSirCe" panose="02000503000000000000" pitchFamily="2" charset="-127"/>
+              </a:rPr>
+              <a:t> </a:t>
+            </a:r>
+            <a:r>
+              <a:rPr kumimoji="1" lang="en-US" altLang="ko-KR" sz="2800" b="1" dirty="0">
+                <a:latin typeface="Nanum SeongSirCe" panose="02000503000000000000" pitchFamily="2" charset="-127"/>
+                <a:ea typeface="Nanum SeongSirCe" panose="02000503000000000000" pitchFamily="2" charset="-127"/>
+              </a:rPr>
+              <a:t>:</a:t>
+            </a:r>
+            <a:r>
+              <a:rPr kumimoji="1" lang="ko-KR" altLang="en-US" sz="2800" b="1" dirty="0">
+                <a:latin typeface="Nanum SeongSirCe" panose="02000503000000000000" pitchFamily="2" charset="-127"/>
+                <a:ea typeface="Nanum SeongSirCe" panose="02000503000000000000" pitchFamily="2" charset="-127"/>
+              </a:rPr>
+              <a:t>       </a:t>
+            </a:r>
+            <a:r>
+              <a:rPr kumimoji="1" lang="en-US" altLang="ko-KR" sz="2800" b="1" dirty="0">
+                <a:latin typeface="Nanum SeongSirCe" panose="02000503000000000000" pitchFamily="2" charset="-127"/>
+                <a:ea typeface="Nanum SeongSirCe" panose="02000503000000000000" pitchFamily="2" charset="-127"/>
+              </a:rPr>
+              <a:t>-1</a:t>
+            </a:r>
+            <a:r>
+              <a:rPr kumimoji="1" lang="ko-KR" altLang="en-US" sz="2800" b="1" dirty="0">
+                <a:latin typeface="Nanum SeongSirCe" panose="02000503000000000000" pitchFamily="2" charset="-127"/>
+                <a:ea typeface="Nanum SeongSirCe" panose="02000503000000000000" pitchFamily="2" charset="-127"/>
+              </a:rPr>
+              <a:t> </a:t>
+            </a:r>
+            <a:r>
+              <a:rPr kumimoji="1" lang="en-US" altLang="ko-KR" sz="2800" b="1" dirty="0">
+                <a:latin typeface="Nanum SeongSirCe" panose="02000503000000000000" pitchFamily="2" charset="-127"/>
+                <a:ea typeface="Nanum SeongSirCe" panose="02000503000000000000" pitchFamily="2" charset="-127"/>
+              </a:rPr>
+              <a:t>:</a:t>
+            </a:r>
+            <a:r>
+              <a:rPr kumimoji="1" lang="ko-KR" altLang="en-US" sz="2800" b="1" dirty="0">
+                <a:latin typeface="Nanum SeongSirCe" panose="02000503000000000000" pitchFamily="2" charset="-127"/>
+                <a:ea typeface="Nanum SeongSirCe" panose="02000503000000000000" pitchFamily="2" charset="-127"/>
+              </a:rPr>
+              <a:t> </a:t>
+            </a:r>
+            <a:endParaRPr kumimoji="1" lang="en-US" altLang="ko-KR" sz="2800" b="1" dirty="0">
+              <a:latin typeface="Nanum SeongSirCe" panose="02000503000000000000" pitchFamily="2" charset="-127"/>
+              <a:ea typeface="Nanum SeongSirCe" panose="02000503000000000000" pitchFamily="2" charset="-127"/>
+            </a:endParaRPr>
+          </a:p>
+        </p:txBody>
+      </p:sp>
+      <p:cxnSp>
+        <p:nvCxnSpPr>
+          <p:cNvPr id="8" name="직선 화살표 연결선 7">
+            <a:extLst>
+              <a:ext uri="{FF2B5EF4-FFF2-40B4-BE49-F238E27FC236}">
+                <a16:creationId xmlns:a16="http://schemas.microsoft.com/office/drawing/2014/main" id="{4D5A4A9A-77B9-CE40-BE59-8875E806AB9A}"/>
+              </a:ext>
+            </a:extLst>
+          </p:cNvPr>
+          <p:cNvCxnSpPr/>
+          <p:nvPr/>
+        </p:nvCxnSpPr>
+        <p:spPr>
+          <a:xfrm flipV="1">
+            <a:off x="2125683" y="3087584"/>
+            <a:ext cx="3621974" cy="1829118"/>
+          </a:xfrm>
+          <a:prstGeom prst="straightConnector1">
+            <a:avLst/>
+          </a:prstGeom>
           <a:ln w="28575">
             <a:solidFill>
               <a:srgbClr val="002060"/>
             </a:solidFill>
+            <a:tailEnd type="triangle"/>
           </a:ln>
         </p:spPr>
         <p:style>
-          <a:lnRef idx="2">
-            <a:schemeClr val="accent1">
-              <a:shade val="50000"/>
-            </a:schemeClr>
+          <a:lnRef idx="1">
+            <a:schemeClr val="accent1"/>
           </a:lnRef>
-          <a:fillRef idx="1">
+          <a:fillRef idx="0">
             <a:schemeClr val="accent1"/>
           </a:fillRef>
           <a:effectRef idx="0">
             <a:schemeClr val="accent1"/>
           </a:effectRef>
           <a:fontRef idx="minor">
-            <a:schemeClr val="lt1"/>
+            <a:schemeClr val="tx1"/>
           </a:fontRef>
         </p:style>
-        <p:txBody>
-          <a:bodyPr rtlCol="0" anchor="ctr"/>
-          <a:lstStyle/>
-          <a:p>
-            <a:pPr algn="ctr"/>
-            <a:endParaRPr kumimoji="1" lang="ko-Kore-KR" altLang="en-US"/>
-          </a:p>
-        </p:txBody>
-      </p:sp>
+      </p:cxnSp>
+      <p:cxnSp>
+        <p:nvCxnSpPr>
+          <p:cNvPr id="20" name="직선 화살표 연결선 19">
+            <a:extLst>
+              <a:ext uri="{FF2B5EF4-FFF2-40B4-BE49-F238E27FC236}">
+                <a16:creationId xmlns:a16="http://schemas.microsoft.com/office/drawing/2014/main" id="{66717AD2-A7D5-C648-8D37-D0579B89A78D}"/>
+              </a:ext>
+            </a:extLst>
+          </p:cNvPr>
+          <p:cNvCxnSpPr>
+            <a:cxnSpLocks/>
+          </p:cNvCxnSpPr>
+          <p:nvPr/>
+        </p:nvCxnSpPr>
+        <p:spPr>
+          <a:xfrm flipV="1">
+            <a:off x="8403639" y="4750445"/>
+            <a:ext cx="562891" cy="354971"/>
+          </a:xfrm>
+          <a:prstGeom prst="straightConnector1">
+            <a:avLst/>
+          </a:prstGeom>
+          <a:ln w="28575">
+            <a:solidFill>
+              <a:srgbClr val="002060"/>
+            </a:solidFill>
+            <a:tailEnd type="triangle"/>
+          </a:ln>
+        </p:spPr>
+        <p:style>
+          <a:lnRef idx="1">
+            <a:schemeClr val="accent1"/>
+          </a:lnRef>
+          <a:fillRef idx="0">
+            <a:schemeClr val="accent1"/>
+          </a:fillRef>
+          <a:effectRef idx="0">
+            <a:schemeClr val="accent1"/>
+          </a:effectRef>
+          <a:fontRef idx="minor">
+            <a:schemeClr val="tx1"/>
+          </a:fontRef>
+        </p:style>
+      </p:cxnSp>
+      <p:cxnSp>
+        <p:nvCxnSpPr>
+          <p:cNvPr id="18" name="직선 화살표 연결선 17">
+            <a:extLst>
+              <a:ext uri="{FF2B5EF4-FFF2-40B4-BE49-F238E27FC236}">
+                <a16:creationId xmlns:a16="http://schemas.microsoft.com/office/drawing/2014/main" id="{7113AA3F-D447-E54D-9176-5DE8F33A5A47}"/>
+              </a:ext>
+            </a:extLst>
+          </p:cNvPr>
+          <p:cNvCxnSpPr/>
+          <p:nvPr/>
+        </p:nvCxnSpPr>
+        <p:spPr>
+          <a:xfrm>
+            <a:off x="2125683" y="2758740"/>
+            <a:ext cx="4191990" cy="1979516"/>
+          </a:xfrm>
+          <a:prstGeom prst="straightConnector1">
+            <a:avLst/>
+          </a:prstGeom>
+          <a:ln w="28575">
+            <a:solidFill>
+              <a:srgbClr val="FF0000"/>
+            </a:solidFill>
+            <a:tailEnd type="triangle"/>
+          </a:ln>
+        </p:spPr>
+        <p:style>
+          <a:lnRef idx="1">
+            <a:schemeClr val="accent1"/>
+          </a:lnRef>
+          <a:fillRef idx="0">
+            <a:schemeClr val="accent1"/>
+          </a:fillRef>
+          <a:effectRef idx="0">
+            <a:schemeClr val="accent1"/>
+          </a:effectRef>
+          <a:fontRef idx="minor">
+            <a:schemeClr val="tx1"/>
+          </a:fontRef>
+        </p:style>
+      </p:cxnSp>
+      <p:cxnSp>
+        <p:nvCxnSpPr>
+          <p:cNvPr id="24" name="직선 화살표 연결선 23">
+            <a:extLst>
+              <a:ext uri="{FF2B5EF4-FFF2-40B4-BE49-F238E27FC236}">
+                <a16:creationId xmlns:a16="http://schemas.microsoft.com/office/drawing/2014/main" id="{CBEB0C20-8FD6-9448-BF22-5F2EBDD3AAC0}"/>
+              </a:ext>
+            </a:extLst>
+          </p:cNvPr>
+          <p:cNvCxnSpPr>
+            <a:cxnSpLocks/>
+          </p:cNvCxnSpPr>
+          <p:nvPr/>
+        </p:nvCxnSpPr>
+        <p:spPr>
+          <a:xfrm>
+            <a:off x="9698415" y="4750444"/>
+            <a:ext cx="398958" cy="284428"/>
+          </a:xfrm>
+          <a:prstGeom prst="straightConnector1">
+            <a:avLst/>
+          </a:prstGeom>
+          <a:ln w="28575">
+            <a:solidFill>
+              <a:srgbClr val="FF0000"/>
+            </a:solidFill>
+            <a:tailEnd type="triangle"/>
+          </a:ln>
+        </p:spPr>
+        <p:style>
+          <a:lnRef idx="1">
+            <a:schemeClr val="accent1"/>
+          </a:lnRef>
+          <a:fillRef idx="0">
+            <a:schemeClr val="accent1"/>
+          </a:fillRef>
+          <a:effectRef idx="0">
+            <a:schemeClr val="accent1"/>
+          </a:effectRef>
+          <a:fontRef idx="minor">
+            <a:schemeClr val="tx1"/>
+          </a:fontRef>
+        </p:style>
+      </p:cxnSp>
     </p:spTree>
     <p:extLst>
       <p:ext uri="{BB962C8B-B14F-4D97-AF65-F5344CB8AC3E}">
-        <p14:creationId xmlns:p14="http://schemas.microsoft.com/office/powerpoint/2010/main" val="1683850259"/>
+        <p14:creationId xmlns:p14="http://schemas.microsoft.com/office/powerpoint/2010/main" val="762762329"/>
       </p:ext>
     </p:extLst>
   </p:cSld>
@@ -6037,6 +5986,403 @@
                 <a:latin typeface="Nanum SeongSirCe" panose="02000503000000000000" pitchFamily="2" charset="-127"/>
                 <a:ea typeface="Nanum SeongSirCe" panose="02000503000000000000" pitchFamily="2" charset="-127"/>
               </a:rPr>
+              <a:t> 상관 분석 </a:t>
+            </a:r>
+            <a:r>
+              <a:rPr lang="en-US" altLang="ko-KR" sz="2000" b="1" dirty="0">
+                <a:latin typeface="Nanum SeongSirCe" panose="02000503000000000000" pitchFamily="2" charset="-127"/>
+                <a:ea typeface="Nanum SeongSirCe" panose="02000503000000000000" pitchFamily="2" charset="-127"/>
+              </a:rPr>
+              <a:t>]</a:t>
+            </a:r>
+            <a:endParaRPr lang="ko-KR" altLang="en-US" sz="2000" b="1" dirty="0">
+              <a:latin typeface="Nanum SeongSirCe" panose="02000503000000000000" pitchFamily="2" charset="-127"/>
+              <a:ea typeface="Nanum SeongSirCe" panose="02000503000000000000" pitchFamily="2" charset="-127"/>
+            </a:endParaRPr>
+          </a:p>
+        </p:txBody>
+      </p:sp>
+      <p:pic>
+        <p:nvPicPr>
+          <p:cNvPr id="3078" name="Picture 6">
+            <a:extLst>
+              <a:ext uri="{FF2B5EF4-FFF2-40B4-BE49-F238E27FC236}">
+                <a16:creationId xmlns:a16="http://schemas.microsoft.com/office/drawing/2014/main" id="{18EF10BF-7FBF-D541-84F6-DC78E27856D5}"/>
+              </a:ext>
+            </a:extLst>
+          </p:cNvPr>
+          <p:cNvPicPr>
+            <a:picLocks noChangeAspect="1" noChangeArrowheads="1"/>
+          </p:cNvPicPr>
+          <p:nvPr/>
+        </p:nvPicPr>
+        <p:blipFill>
+          <a:blip r:embed="rId2">
+            <a:extLst>
+              <a:ext uri="{28A0092B-C50C-407E-A947-70E740481C1C}">
+                <a14:useLocalDpi xmlns:a14="http://schemas.microsoft.com/office/drawing/2010/main" val="0"/>
+              </a:ext>
+            </a:extLst>
+          </a:blip>
+          <a:srcRect/>
+          <a:stretch>
+            <a:fillRect/>
+          </a:stretch>
+        </p:blipFill>
+        <p:spPr bwMode="auto">
+          <a:xfrm>
+            <a:off x="3334987" y="2146987"/>
+            <a:ext cx="5522026" cy="3856314"/>
+          </a:xfrm>
+          <a:prstGeom prst="rect">
+            <a:avLst/>
+          </a:prstGeom>
+          <a:noFill/>
+          <a:extLst>
+            <a:ext uri="{909E8E84-426E-40DD-AFC4-6F175D3DCCD1}">
+              <a14:hiddenFill xmlns:a14="http://schemas.microsoft.com/office/drawing/2010/main">
+                <a:solidFill>
+                  <a:srgbClr val="FFFFFF"/>
+                </a:solidFill>
+              </a14:hiddenFill>
+            </a:ext>
+          </a:extLst>
+        </p:spPr>
+      </p:pic>
+      <p:sp>
+        <p:nvSpPr>
+          <p:cNvPr id="9" name="직사각형 8">
+            <a:extLst>
+              <a:ext uri="{FF2B5EF4-FFF2-40B4-BE49-F238E27FC236}">
+                <a16:creationId xmlns:a16="http://schemas.microsoft.com/office/drawing/2014/main" id="{E3F05B38-9434-284F-B75C-CCCD50254F45}"/>
+              </a:ext>
+            </a:extLst>
+          </p:cNvPr>
+          <p:cNvSpPr/>
+          <p:nvPr/>
+        </p:nvSpPr>
+        <p:spPr>
+          <a:xfrm>
+            <a:off x="6612311" y="2218237"/>
+            <a:ext cx="489134" cy="3505668"/>
+          </a:xfrm>
+          <a:prstGeom prst="rect">
+            <a:avLst/>
+          </a:prstGeom>
+          <a:noFill/>
+          <a:ln w="28575">
+            <a:solidFill>
+              <a:srgbClr val="002060"/>
+            </a:solidFill>
+          </a:ln>
+        </p:spPr>
+        <p:style>
+          <a:lnRef idx="2">
+            <a:schemeClr val="accent1">
+              <a:shade val="50000"/>
+            </a:schemeClr>
+          </a:lnRef>
+          <a:fillRef idx="1">
+            <a:schemeClr val="accent1"/>
+          </a:fillRef>
+          <a:effectRef idx="0">
+            <a:schemeClr val="accent1"/>
+          </a:effectRef>
+          <a:fontRef idx="minor">
+            <a:schemeClr val="lt1"/>
+          </a:fontRef>
+        </p:style>
+        <p:txBody>
+          <a:bodyPr rtlCol="0" anchor="ctr"/>
+          <a:lstStyle/>
+          <a:p>
+            <a:pPr algn="ctr"/>
+            <a:endParaRPr kumimoji="1" lang="ko-Kore-KR" altLang="en-US"/>
+          </a:p>
+        </p:txBody>
+      </p:sp>
+    </p:spTree>
+    <p:extLst>
+      <p:ext uri="{BB962C8B-B14F-4D97-AF65-F5344CB8AC3E}">
+        <p14:creationId xmlns:p14="http://schemas.microsoft.com/office/powerpoint/2010/main" val="1683850259"/>
+      </p:ext>
+    </p:extLst>
+  </p:cSld>
+  <p:clrMapOvr>
+    <a:masterClrMapping/>
+  </p:clrMapOvr>
+</p:sld>
+</file>
+
+<file path=ppt/slides/slide15.xml><?xml version="1.0" encoding="utf-8"?>
+<p:sld xmlns:a="http://schemas.openxmlformats.org/drawingml/2006/main" xmlns:r="http://schemas.openxmlformats.org/officeDocument/2006/relationships" xmlns:p="http://schemas.openxmlformats.org/presentationml/2006/main">
+  <p:cSld>
+    <p:spTree>
+      <p:nvGrpSpPr>
+        <p:cNvPr id="1" name=""/>
+        <p:cNvGrpSpPr/>
+        <p:nvPr/>
+      </p:nvGrpSpPr>
+      <p:grpSpPr>
+        <a:xfrm>
+          <a:off x="0" y="0"/>
+          <a:ext cx="0" cy="0"/>
+          <a:chOff x="0" y="0"/>
+          <a:chExt cx="0" cy="0"/>
+        </a:xfrm>
+      </p:grpSpPr>
+      <p:sp>
+        <p:nvSpPr>
+          <p:cNvPr id="2" name="TextBox 1">
+            <a:extLst>
+              <a:ext uri="{FF2B5EF4-FFF2-40B4-BE49-F238E27FC236}">
+                <a16:creationId xmlns:a16="http://schemas.microsoft.com/office/drawing/2014/main" id="{69AEA979-0E62-DD45-887E-0FDEE1D4DEAA}"/>
+              </a:ext>
+            </a:extLst>
+          </p:cNvPr>
+          <p:cNvSpPr txBox="1"/>
+          <p:nvPr/>
+        </p:nvSpPr>
+        <p:spPr>
+          <a:xfrm>
+            <a:off x="683173" y="567561"/>
+            <a:ext cx="540533" cy="369460"/>
+          </a:xfrm>
+          <a:prstGeom prst="rect">
+            <a:avLst/>
+          </a:prstGeom>
+          <a:noFill/>
+        </p:spPr>
+        <p:txBody>
+          <a:bodyPr wrap="none" rtlCol="0">
+            <a:spAutoFit/>
+          </a:bodyPr>
+          <a:lstStyle/>
+          <a:p>
+            <a:r>
+              <a:rPr kumimoji="1" lang="en-US" altLang="ko-Kore-KR" sz="1801" b="1" dirty="0">
+                <a:latin typeface="Nanum SeongSirCe" panose="02000503000000000000" pitchFamily="2" charset="-127"/>
+                <a:ea typeface="Nanum SeongSirCe" panose="02000503000000000000" pitchFamily="2" charset="-127"/>
+              </a:rPr>
+              <a:t>EDA</a:t>
+            </a:r>
+            <a:endParaRPr kumimoji="1" lang="ko-Kore-KR" altLang="en-US" sz="1801" b="1" dirty="0">
+              <a:latin typeface="Nanum SeongSirCe" panose="02000503000000000000" pitchFamily="2" charset="-127"/>
+              <a:ea typeface="Nanum SeongSirCe" panose="02000503000000000000" pitchFamily="2" charset="-127"/>
+            </a:endParaRPr>
+          </a:p>
+        </p:txBody>
+      </p:sp>
+      <p:sp>
+        <p:nvSpPr>
+          <p:cNvPr id="3" name="TextBox 2">
+            <a:extLst>
+              <a:ext uri="{FF2B5EF4-FFF2-40B4-BE49-F238E27FC236}">
+                <a16:creationId xmlns:a16="http://schemas.microsoft.com/office/drawing/2014/main" id="{103ED0F9-1B59-C641-AACC-CB2409DAE4F8}"/>
+              </a:ext>
+            </a:extLst>
+          </p:cNvPr>
+          <p:cNvSpPr txBox="1"/>
+          <p:nvPr/>
+        </p:nvSpPr>
+        <p:spPr>
+          <a:xfrm>
+            <a:off x="8776140" y="567562"/>
+            <a:ext cx="2732690" cy="369460"/>
+          </a:xfrm>
+          <a:prstGeom prst="rect">
+            <a:avLst/>
+          </a:prstGeom>
+          <a:noFill/>
+        </p:spPr>
+        <p:txBody>
+          <a:bodyPr wrap="square" rtlCol="0">
+            <a:spAutoFit/>
+          </a:bodyPr>
+          <a:lstStyle/>
+          <a:p>
+            <a:pPr algn="r"/>
+            <a:r>
+              <a:rPr kumimoji="1" lang="ko-KR" altLang="en-US" sz="1801" b="1" dirty="0" err="1">
+                <a:latin typeface="Nanum SeongSirCe" panose="02000503000000000000" pitchFamily="2" charset="-127"/>
+                <a:ea typeface="Nanum SeongSirCe" panose="02000503000000000000" pitchFamily="2" charset="-127"/>
+              </a:rPr>
+              <a:t>경돼</a:t>
+            </a:r>
+            <a:r>
+              <a:rPr kumimoji="1" lang="en-US" altLang="ko-KR" sz="1801" b="1" dirty="0">
+                <a:latin typeface="Nanum SeongSirCe" panose="02000503000000000000" pitchFamily="2" charset="-127"/>
+                <a:ea typeface="Nanum SeongSirCe" panose="02000503000000000000" pitchFamily="2" charset="-127"/>
+              </a:rPr>
+              <a:t>TV X Data Literacy</a:t>
+            </a:r>
+            <a:endParaRPr kumimoji="1" lang="ko-Kore-KR" altLang="en-US" sz="1801" b="1" dirty="0">
+              <a:latin typeface="Nanum SeongSirCe" panose="02000503000000000000" pitchFamily="2" charset="-127"/>
+              <a:ea typeface="Nanum SeongSirCe" panose="02000503000000000000" pitchFamily="2" charset="-127"/>
+            </a:endParaRPr>
+          </a:p>
+        </p:txBody>
+      </p:sp>
+      <p:grpSp>
+        <p:nvGrpSpPr>
+          <p:cNvPr id="10" name="그룹 9">
+            <a:extLst>
+              <a:ext uri="{FF2B5EF4-FFF2-40B4-BE49-F238E27FC236}">
+                <a16:creationId xmlns:a16="http://schemas.microsoft.com/office/drawing/2014/main" id="{6B718B83-4A99-8144-9C1A-F9CDBC1BC8AB}"/>
+              </a:ext>
+            </a:extLst>
+          </p:cNvPr>
+          <p:cNvGrpSpPr/>
+          <p:nvPr/>
+        </p:nvGrpSpPr>
+        <p:grpSpPr>
+          <a:xfrm>
+            <a:off x="5555940" y="399400"/>
+            <a:ext cx="1080121" cy="936105"/>
+            <a:chOff x="5425343" y="399400"/>
+            <a:chExt cx="1080120" cy="936104"/>
+          </a:xfrm>
+        </p:grpSpPr>
+        <p:sp>
+          <p:nvSpPr>
+            <p:cNvPr id="4" name="타원 3">
+              <a:extLst>
+                <a:ext uri="{FF2B5EF4-FFF2-40B4-BE49-F238E27FC236}">
+                  <a16:creationId xmlns:a16="http://schemas.microsoft.com/office/drawing/2014/main" id="{69503F5B-5964-9148-A6EE-CE129EB4FD59}"/>
+                </a:ext>
+              </a:extLst>
+            </p:cNvPr>
+            <p:cNvSpPr/>
+            <p:nvPr/>
+          </p:nvSpPr>
+          <p:spPr>
+            <a:xfrm>
+              <a:off x="5497351" y="399400"/>
+              <a:ext cx="936104" cy="936104"/>
+            </a:xfrm>
+            <a:prstGeom prst="ellipse">
+              <a:avLst/>
+            </a:prstGeom>
+            <a:solidFill>
+              <a:schemeClr val="bg1"/>
+            </a:solidFill>
+            <a:ln>
+              <a:noFill/>
+            </a:ln>
+          </p:spPr>
+          <p:style>
+            <a:lnRef idx="2">
+              <a:schemeClr val="accent1">
+                <a:shade val="50000"/>
+              </a:schemeClr>
+            </a:lnRef>
+            <a:fillRef idx="1">
+              <a:schemeClr val="accent1"/>
+            </a:fillRef>
+            <a:effectRef idx="0">
+              <a:schemeClr val="accent1"/>
+            </a:effectRef>
+            <a:fontRef idx="minor">
+              <a:schemeClr val="lt1"/>
+            </a:fontRef>
+          </p:style>
+          <p:txBody>
+            <a:bodyPr rtlCol="0" anchor="ctr"/>
+            <a:lstStyle/>
+            <a:p>
+              <a:pPr algn="ctr"/>
+              <a:endParaRPr lang="ko-KR" altLang="en-US" sz="1801">
+                <a:latin typeface="Nanum SeongSirCe" panose="02000503000000000000" pitchFamily="2" charset="-127"/>
+                <a:ea typeface="Nanum SeongSirCe" panose="02000503000000000000" pitchFamily="2" charset="-127"/>
+              </a:endParaRPr>
+            </a:p>
+          </p:txBody>
+        </p:sp>
+        <p:sp>
+          <p:nvSpPr>
+            <p:cNvPr id="5" name="TextBox 4">
+              <a:extLst>
+                <a:ext uri="{FF2B5EF4-FFF2-40B4-BE49-F238E27FC236}">
+                  <a16:creationId xmlns:a16="http://schemas.microsoft.com/office/drawing/2014/main" id="{6B1BF8DE-D704-6045-9CE9-8A0DD8BF6328}"/>
+                </a:ext>
+              </a:extLst>
+            </p:cNvPr>
+            <p:cNvSpPr txBox="1"/>
+            <p:nvPr/>
+          </p:nvSpPr>
+          <p:spPr>
+            <a:xfrm>
+              <a:off x="5425343" y="636620"/>
+              <a:ext cx="1080120" cy="461665"/>
+            </a:xfrm>
+            <a:prstGeom prst="rect">
+              <a:avLst/>
+            </a:prstGeom>
+            <a:noFill/>
+          </p:spPr>
+          <p:txBody>
+            <a:bodyPr wrap="square" rtlCol="0">
+              <a:spAutoFit/>
+            </a:bodyPr>
+            <a:lstStyle/>
+            <a:p>
+              <a:pPr algn="ctr"/>
+              <a:r>
+                <a:rPr lang="en-US" altLang="ko-KR" sz="2400" b="1" dirty="0">
+                  <a:latin typeface="Nanum SeongSirCe" panose="02000503000000000000" pitchFamily="2" charset="-127"/>
+                  <a:ea typeface="Nanum SeongSirCe" panose="02000503000000000000" pitchFamily="2" charset="-127"/>
+                </a:rPr>
+                <a:t>02</a:t>
+              </a:r>
+              <a:endParaRPr lang="ko-KR" altLang="en-US" sz="2400" b="1" dirty="0">
+                <a:latin typeface="Nanum SeongSirCe" panose="02000503000000000000" pitchFamily="2" charset="-127"/>
+                <a:ea typeface="Nanum SeongSirCe" panose="02000503000000000000" pitchFamily="2" charset="-127"/>
+              </a:endParaRPr>
+            </a:p>
+          </p:txBody>
+        </p:sp>
+      </p:grpSp>
+      <p:sp>
+        <p:nvSpPr>
+          <p:cNvPr id="13" name="TextBox 12">
+            <a:extLst>
+              <a:ext uri="{FF2B5EF4-FFF2-40B4-BE49-F238E27FC236}">
+                <a16:creationId xmlns:a16="http://schemas.microsoft.com/office/drawing/2014/main" id="{06917B87-0FC0-5549-8EAF-DA74E7440306}"/>
+              </a:ext>
+            </a:extLst>
+          </p:cNvPr>
+          <p:cNvSpPr txBox="1"/>
+          <p:nvPr/>
+        </p:nvSpPr>
+        <p:spPr>
+          <a:xfrm>
+            <a:off x="4403813" y="1541191"/>
+            <a:ext cx="3384374" cy="400110"/>
+          </a:xfrm>
+          <a:prstGeom prst="rect">
+            <a:avLst/>
+          </a:prstGeom>
+          <a:noFill/>
+        </p:spPr>
+        <p:txBody>
+          <a:bodyPr wrap="square" rtlCol="0">
+            <a:spAutoFit/>
+          </a:bodyPr>
+          <a:lstStyle/>
+          <a:p>
+            <a:pPr algn="ctr"/>
+            <a:r>
+              <a:rPr lang="en-US" altLang="ko-KR" sz="2000" b="1" dirty="0">
+                <a:latin typeface="Nanum SeongSirCe" panose="02000503000000000000" pitchFamily="2" charset="-127"/>
+                <a:ea typeface="Nanum SeongSirCe" panose="02000503000000000000" pitchFamily="2" charset="-127"/>
+              </a:rPr>
+              <a:t>[</a:t>
+            </a:r>
+            <a:r>
+              <a:rPr lang="ko-KR" altLang="en-US" sz="2000" b="1" dirty="0">
+                <a:latin typeface="Nanum SeongSirCe" panose="02000503000000000000" pitchFamily="2" charset="-127"/>
+                <a:ea typeface="Nanum SeongSirCe" panose="02000503000000000000" pitchFamily="2" charset="-127"/>
+              </a:rPr>
               <a:t> 업로드 횟수 </a:t>
             </a:r>
             <a:r>
@@ -6160,7 +6506,7 @@
 </p:sld>
 </file>
 
-<file path=ppt/slides/slide15.xml><?xml version="1.0" encoding="utf-8"?>
+<file path=ppt/slides/slide16.xml><?xml version="1.0" encoding="utf-8"?>
 <p:sld xmlns:a="http://schemas.openxmlformats.org/drawingml/2006/main" xmlns:r="http://schemas.openxmlformats.org/officeDocument/2006/relationships" xmlns:p="http://schemas.openxmlformats.org/presentationml/2006/main">
   <p:cSld>
     <p:spTree>
@@ -7825,7 +8171,7 @@
 </p:sld>
 </file>
 
-<file path=ppt/slides/slide16.xml><?xml version="1.0" encoding="utf-8"?>
+<file path=ppt/slides/slide17.xml><?xml version="1.0" encoding="utf-8"?>
 <p:sld xmlns:a="http://schemas.openxmlformats.org/drawingml/2006/main" xmlns:r="http://schemas.openxmlformats.org/officeDocument/2006/relationships" xmlns:p="http://schemas.openxmlformats.org/presentationml/2006/main">
   <p:cSld>
     <p:spTree>
@@ -8372,7 +8718,7 @@
 </p:sld>
 </file>
 
-<file path=ppt/slides/slide17.xml><?xml version="1.0" encoding="utf-8"?>
+<file path=ppt/slides/slide18.xml><?xml version="1.0" encoding="utf-8"?>
 <p:sld xmlns:a="http://schemas.openxmlformats.org/drawingml/2006/main" xmlns:r="http://schemas.openxmlformats.org/officeDocument/2006/relationships" xmlns:p="http://schemas.openxmlformats.org/presentationml/2006/main">
   <p:cSld>
     <p:spTree>
@@ -9404,7 +9750,7 @@
 </p:sld>
 </file>
 
-<file path=ppt/slides/slide18.xml><?xml version="1.0" encoding="utf-8"?>
+<file path=ppt/slides/slide19.xml><?xml version="1.0" encoding="utf-8"?>
 <p:sld xmlns:a="http://schemas.openxmlformats.org/drawingml/2006/main" xmlns:r="http://schemas.openxmlformats.org/officeDocument/2006/relationships" xmlns:p="http://schemas.openxmlformats.org/presentationml/2006/main">
   <p:cSld>
     <p:spTree>
@@ -9740,351 +10086,6 @@
     <p:extLst>
       <p:ext uri="{BB962C8B-B14F-4D97-AF65-F5344CB8AC3E}">
         <p14:creationId xmlns:p14="http://schemas.microsoft.com/office/powerpoint/2010/main" val="198510327"/>
-      </p:ext>
-    </p:extLst>
-  </p:cSld>
-  <p:clrMapOvr>
-    <a:masterClrMapping/>
-  </p:clrMapOvr>
-</p:sld>
-</file>
-
-<file path=ppt/slides/slide19.xml><?xml version="1.0" encoding="utf-8"?>
-<p:sld xmlns:a="http://schemas.openxmlformats.org/drawingml/2006/main" xmlns:r="http://schemas.openxmlformats.org/officeDocument/2006/relationships" xmlns:p="http://schemas.openxmlformats.org/presentationml/2006/main">
-  <p:cSld>
-    <p:spTree>
-      <p:nvGrpSpPr>
-        <p:cNvPr id="1" name=""/>
-        <p:cNvGrpSpPr/>
-        <p:nvPr/>
-      </p:nvGrpSpPr>
-      <p:grpSpPr>
-        <a:xfrm>
-          <a:off x="0" y="0"/>
-          <a:ext cx="0" cy="0"/>
-          <a:chOff x="0" y="0"/>
-          <a:chExt cx="0" cy="0"/>
-        </a:xfrm>
-      </p:grpSpPr>
-      <p:sp>
-        <p:nvSpPr>
-          <p:cNvPr id="2" name="TextBox 1">
-            <a:extLst>
-              <a:ext uri="{FF2B5EF4-FFF2-40B4-BE49-F238E27FC236}">
-                <a16:creationId xmlns:a16="http://schemas.microsoft.com/office/drawing/2014/main" id="{69AEA979-0E62-DD45-887E-0FDEE1D4DEAA}"/>
-              </a:ext>
-            </a:extLst>
-          </p:cNvPr>
-          <p:cNvSpPr txBox="1"/>
-          <p:nvPr/>
-        </p:nvSpPr>
-        <p:spPr>
-          <a:xfrm>
-            <a:off x="683173" y="567561"/>
-            <a:ext cx="540533" cy="369460"/>
-          </a:xfrm>
-          <a:prstGeom prst="rect">
-            <a:avLst/>
-          </a:prstGeom>
-          <a:noFill/>
-        </p:spPr>
-        <p:txBody>
-          <a:bodyPr wrap="none" rtlCol="0">
-            <a:spAutoFit/>
-          </a:bodyPr>
-          <a:lstStyle/>
-          <a:p>
-            <a:r>
-              <a:rPr kumimoji="1" lang="en-US" altLang="ko-Kore-KR" sz="1801" b="1" dirty="0">
-                <a:latin typeface="Nanum SeongSirCe" panose="02000503000000000000" pitchFamily="2" charset="-127"/>
-                <a:ea typeface="Nanum SeongSirCe" panose="02000503000000000000" pitchFamily="2" charset="-127"/>
-              </a:rPr>
-              <a:t>EDA</a:t>
-            </a:r>
-            <a:endParaRPr kumimoji="1" lang="ko-Kore-KR" altLang="en-US" sz="1801" b="1" dirty="0">
-              <a:latin typeface="Nanum SeongSirCe" panose="02000503000000000000" pitchFamily="2" charset="-127"/>
-              <a:ea typeface="Nanum SeongSirCe" panose="02000503000000000000" pitchFamily="2" charset="-127"/>
-            </a:endParaRPr>
-          </a:p>
-        </p:txBody>
-      </p:sp>
-      <p:sp>
-        <p:nvSpPr>
-          <p:cNvPr id="3" name="TextBox 2">
-            <a:extLst>
-              <a:ext uri="{FF2B5EF4-FFF2-40B4-BE49-F238E27FC236}">
-                <a16:creationId xmlns:a16="http://schemas.microsoft.com/office/drawing/2014/main" id="{103ED0F9-1B59-C641-AACC-CB2409DAE4F8}"/>
-              </a:ext>
-            </a:extLst>
-          </p:cNvPr>
-          <p:cNvSpPr txBox="1"/>
-          <p:nvPr/>
-        </p:nvSpPr>
-        <p:spPr>
-          <a:xfrm>
-            <a:off x="8776140" y="567562"/>
-            <a:ext cx="2732690" cy="369460"/>
-          </a:xfrm>
-          <a:prstGeom prst="rect">
-            <a:avLst/>
-          </a:prstGeom>
-          <a:noFill/>
-        </p:spPr>
-        <p:txBody>
-          <a:bodyPr wrap="square" rtlCol="0">
-            <a:spAutoFit/>
-          </a:bodyPr>
-          <a:lstStyle/>
-          <a:p>
-            <a:pPr algn="r"/>
-            <a:r>
-              <a:rPr kumimoji="1" lang="ko-KR" altLang="en-US" sz="1801" b="1" dirty="0" err="1">
-                <a:latin typeface="Nanum SeongSirCe" panose="02000503000000000000" pitchFamily="2" charset="-127"/>
-                <a:ea typeface="Nanum SeongSirCe" panose="02000503000000000000" pitchFamily="2" charset="-127"/>
-              </a:rPr>
-              <a:t>경돼</a:t>
-            </a:r>
-            <a:r>
-              <a:rPr kumimoji="1" lang="en-US" altLang="ko-KR" sz="1801" b="1" dirty="0">
-                <a:latin typeface="Nanum SeongSirCe" panose="02000503000000000000" pitchFamily="2" charset="-127"/>
-                <a:ea typeface="Nanum SeongSirCe" panose="02000503000000000000" pitchFamily="2" charset="-127"/>
-              </a:rPr>
-              <a:t>TV X Data Literacy</a:t>
-            </a:r>
-            <a:endParaRPr kumimoji="1" lang="ko-Kore-KR" altLang="en-US" sz="1801" b="1" dirty="0">
-              <a:latin typeface="Nanum SeongSirCe" panose="02000503000000000000" pitchFamily="2" charset="-127"/>
-              <a:ea typeface="Nanum SeongSirCe" panose="02000503000000000000" pitchFamily="2" charset="-127"/>
-            </a:endParaRPr>
-          </a:p>
-        </p:txBody>
-      </p:sp>
-      <p:grpSp>
-        <p:nvGrpSpPr>
-          <p:cNvPr id="10" name="그룹 9">
-            <a:extLst>
-              <a:ext uri="{FF2B5EF4-FFF2-40B4-BE49-F238E27FC236}">
-                <a16:creationId xmlns:a16="http://schemas.microsoft.com/office/drawing/2014/main" id="{6B718B83-4A99-8144-9C1A-F9CDBC1BC8AB}"/>
-              </a:ext>
-            </a:extLst>
-          </p:cNvPr>
-          <p:cNvGrpSpPr/>
-          <p:nvPr/>
-        </p:nvGrpSpPr>
-        <p:grpSpPr>
-          <a:xfrm>
-            <a:off x="5555940" y="399400"/>
-            <a:ext cx="1080121" cy="936105"/>
-            <a:chOff x="5425343" y="399400"/>
-            <a:chExt cx="1080120" cy="936104"/>
-          </a:xfrm>
-        </p:grpSpPr>
-        <p:sp>
-          <p:nvSpPr>
-            <p:cNvPr id="4" name="타원 3">
-              <a:extLst>
-                <a:ext uri="{FF2B5EF4-FFF2-40B4-BE49-F238E27FC236}">
-                  <a16:creationId xmlns:a16="http://schemas.microsoft.com/office/drawing/2014/main" id="{69503F5B-5964-9148-A6EE-CE129EB4FD59}"/>
-                </a:ext>
-              </a:extLst>
-            </p:cNvPr>
-            <p:cNvSpPr/>
-            <p:nvPr/>
-          </p:nvSpPr>
-          <p:spPr>
-            <a:xfrm>
-              <a:off x="5497351" y="399400"/>
-              <a:ext cx="936104" cy="936104"/>
-            </a:xfrm>
-            <a:prstGeom prst="ellipse">
-              <a:avLst/>
-            </a:prstGeom>
-            <a:solidFill>
-              <a:schemeClr val="bg1"/>
-            </a:solidFill>
-            <a:ln>
-              <a:noFill/>
-            </a:ln>
-          </p:spPr>
-          <p:style>
-            <a:lnRef idx="2">
-              <a:schemeClr val="accent1">
-                <a:shade val="50000"/>
-              </a:schemeClr>
-            </a:lnRef>
-            <a:fillRef idx="1">
-              <a:schemeClr val="accent1"/>
-            </a:fillRef>
-            <a:effectRef idx="0">
-              <a:schemeClr val="accent1"/>
-            </a:effectRef>
-            <a:fontRef idx="minor">
-              <a:schemeClr val="lt1"/>
-            </a:fontRef>
-          </p:style>
-          <p:txBody>
-            <a:bodyPr rtlCol="0" anchor="ctr"/>
-            <a:lstStyle/>
-            <a:p>
-              <a:pPr algn="ctr"/>
-              <a:endParaRPr lang="ko-KR" altLang="en-US" sz="1801">
-                <a:latin typeface="Nanum SeongSirCe" panose="02000503000000000000" pitchFamily="2" charset="-127"/>
-                <a:ea typeface="Nanum SeongSirCe" panose="02000503000000000000" pitchFamily="2" charset="-127"/>
-              </a:endParaRPr>
-            </a:p>
-          </p:txBody>
-        </p:sp>
-        <p:sp>
-          <p:nvSpPr>
-            <p:cNvPr id="5" name="TextBox 4">
-              <a:extLst>
-                <a:ext uri="{FF2B5EF4-FFF2-40B4-BE49-F238E27FC236}">
-                  <a16:creationId xmlns:a16="http://schemas.microsoft.com/office/drawing/2014/main" id="{6B1BF8DE-D704-6045-9CE9-8A0DD8BF6328}"/>
-                </a:ext>
-              </a:extLst>
-            </p:cNvPr>
-            <p:cNvSpPr txBox="1"/>
-            <p:nvPr/>
-          </p:nvSpPr>
-          <p:spPr>
-            <a:xfrm>
-              <a:off x="5425343" y="636620"/>
-              <a:ext cx="1080120" cy="461665"/>
-            </a:xfrm>
-            <a:prstGeom prst="rect">
-              <a:avLst/>
-            </a:prstGeom>
-            <a:noFill/>
-          </p:spPr>
-          <p:txBody>
-            <a:bodyPr wrap="square" rtlCol="0">
-              <a:spAutoFit/>
-            </a:bodyPr>
-            <a:lstStyle/>
-            <a:p>
-              <a:pPr algn="ctr"/>
-              <a:r>
-                <a:rPr lang="en-US" altLang="ko-KR" sz="2400" b="1" dirty="0">
-                  <a:latin typeface="Nanum SeongSirCe" panose="02000503000000000000" pitchFamily="2" charset="-127"/>
-                  <a:ea typeface="Nanum SeongSirCe" panose="02000503000000000000" pitchFamily="2" charset="-127"/>
-                </a:rPr>
-                <a:t>02</a:t>
-              </a:r>
-              <a:endParaRPr lang="ko-KR" altLang="en-US" sz="2400" b="1" dirty="0">
-                <a:latin typeface="Nanum SeongSirCe" panose="02000503000000000000" pitchFamily="2" charset="-127"/>
-                <a:ea typeface="Nanum SeongSirCe" panose="02000503000000000000" pitchFamily="2" charset="-127"/>
-              </a:endParaRPr>
-            </a:p>
-          </p:txBody>
-        </p:sp>
-      </p:grpSp>
-      <p:sp>
-        <p:nvSpPr>
-          <p:cNvPr id="13" name="TextBox 12">
-            <a:extLst>
-              <a:ext uri="{FF2B5EF4-FFF2-40B4-BE49-F238E27FC236}">
-                <a16:creationId xmlns:a16="http://schemas.microsoft.com/office/drawing/2014/main" id="{06917B87-0FC0-5549-8EAF-DA74E7440306}"/>
-              </a:ext>
-            </a:extLst>
-          </p:cNvPr>
-          <p:cNvSpPr txBox="1"/>
-          <p:nvPr/>
-        </p:nvSpPr>
-        <p:spPr>
-          <a:xfrm>
-            <a:off x="4403813" y="1541191"/>
-            <a:ext cx="3384374" cy="400110"/>
-          </a:xfrm>
-          <a:prstGeom prst="rect">
-            <a:avLst/>
-          </a:prstGeom>
-          <a:noFill/>
-        </p:spPr>
-        <p:txBody>
-          <a:bodyPr wrap="square" rtlCol="0">
-            <a:spAutoFit/>
-          </a:bodyPr>
-          <a:lstStyle/>
-          <a:p>
-            <a:pPr algn="ctr"/>
-            <a:r>
-              <a:rPr lang="en-US" altLang="ko-KR" sz="2000" b="1" dirty="0">
-                <a:latin typeface="Nanum SeongSirCe" panose="02000503000000000000" pitchFamily="2" charset="-127"/>
-                <a:ea typeface="Nanum SeongSirCe" panose="02000503000000000000" pitchFamily="2" charset="-127"/>
-              </a:rPr>
-              <a:t>[</a:t>
-            </a:r>
-            <a:r>
-              <a:rPr lang="ko-KR" altLang="en-US" sz="2000" b="1" dirty="0">
-                <a:latin typeface="Nanum SeongSirCe" panose="02000503000000000000" pitchFamily="2" charset="-127"/>
-                <a:ea typeface="Nanum SeongSirCe" panose="02000503000000000000" pitchFamily="2" charset="-127"/>
-              </a:rPr>
-              <a:t> 컨텐츠 유무 </a:t>
-            </a:r>
-            <a:r>
-              <a:rPr lang="en-US" altLang="ko-KR" sz="2000" b="1" dirty="0">
-                <a:latin typeface="Nanum SeongSirCe" panose="02000503000000000000" pitchFamily="2" charset="-127"/>
-                <a:ea typeface="Nanum SeongSirCe" panose="02000503000000000000" pitchFamily="2" charset="-127"/>
-              </a:rPr>
-              <a:t>]</a:t>
-            </a:r>
-            <a:endParaRPr lang="ko-KR" altLang="en-US" sz="2000" b="1" dirty="0">
-              <a:latin typeface="Nanum SeongSirCe" panose="02000503000000000000" pitchFamily="2" charset="-127"/>
-              <a:ea typeface="Nanum SeongSirCe" panose="02000503000000000000" pitchFamily="2" charset="-127"/>
-            </a:endParaRPr>
-          </a:p>
-        </p:txBody>
-      </p:sp>
-      <p:pic>
-        <p:nvPicPr>
-          <p:cNvPr id="14338" name="Picture 2">
-            <a:extLst>
-              <a:ext uri="{FF2B5EF4-FFF2-40B4-BE49-F238E27FC236}">
-                <a16:creationId xmlns:a16="http://schemas.microsoft.com/office/drawing/2014/main" id="{4CE490D7-DCB1-A848-94B3-3631CC0DE987}"/>
-              </a:ext>
-            </a:extLst>
-          </p:cNvPr>
-          <p:cNvPicPr>
-            <a:picLocks noChangeAspect="1" noChangeArrowheads="1"/>
-          </p:cNvPicPr>
-          <p:nvPr/>
-        </p:nvPicPr>
-        <p:blipFill>
-          <a:blip r:embed="rId2">
-            <a:extLst>
-              <a:ext uri="{28A0092B-C50C-407E-A947-70E740481C1C}">
-                <a14:useLocalDpi xmlns:a14="http://schemas.microsoft.com/office/drawing/2010/main" val="0"/>
-              </a:ext>
-            </a:extLst>
-          </a:blip>
-          <a:srcRect/>
-          <a:stretch>
-            <a:fillRect/>
-          </a:stretch>
-        </p:blipFill>
-        <p:spPr bwMode="auto">
-          <a:xfrm>
-            <a:off x="2978418" y="2042030"/>
-            <a:ext cx="6235164" cy="4179350"/>
-          </a:xfrm>
-          <a:prstGeom prst="rect">
-            <a:avLst/>
-          </a:prstGeom>
-          <a:noFill/>
-          <a:extLst>
-            <a:ext uri="{909E8E84-426E-40DD-AFC4-6F175D3DCCD1}">
-              <a14:hiddenFill xmlns:a14="http://schemas.microsoft.com/office/drawing/2010/main">
-                <a:solidFill>
-                  <a:srgbClr val="FFFFFF"/>
-                </a:solidFill>
-              </a14:hiddenFill>
-            </a:ext>
-          </a:extLst>
-        </p:spPr>
-      </p:pic>
-    </p:spTree>
-    <p:extLst>
-      <p:ext uri="{BB962C8B-B14F-4D97-AF65-F5344CB8AC3E}">
-        <p14:creationId xmlns:p14="http://schemas.microsoft.com/office/powerpoint/2010/main" val="4291780880"/>
       </p:ext>
     </p:extLst>
   </p:cSld>
@@ -11069,12 +11070,280 @@
           <a:chExt cx="0" cy="0"/>
         </a:xfrm>
       </p:grpSpPr>
+      <p:sp>
+        <p:nvSpPr>
+          <p:cNvPr id="2" name="TextBox 1">
+            <a:extLst>
+              <a:ext uri="{FF2B5EF4-FFF2-40B4-BE49-F238E27FC236}">
+                <a16:creationId xmlns:a16="http://schemas.microsoft.com/office/drawing/2014/main" id="{69AEA979-0E62-DD45-887E-0FDEE1D4DEAA}"/>
+              </a:ext>
+            </a:extLst>
+          </p:cNvPr>
+          <p:cNvSpPr txBox="1"/>
+          <p:nvPr/>
+        </p:nvSpPr>
+        <p:spPr>
+          <a:xfrm>
+            <a:off x="683173" y="567561"/>
+            <a:ext cx="540533" cy="369460"/>
+          </a:xfrm>
+          <a:prstGeom prst="rect">
+            <a:avLst/>
+          </a:prstGeom>
+          <a:noFill/>
+        </p:spPr>
+        <p:txBody>
+          <a:bodyPr wrap="none" rtlCol="0">
+            <a:spAutoFit/>
+          </a:bodyPr>
+          <a:lstStyle/>
+          <a:p>
+            <a:r>
+              <a:rPr kumimoji="1" lang="en-US" altLang="ko-Kore-KR" sz="1801" b="1" dirty="0">
+                <a:latin typeface="Nanum SeongSirCe" panose="02000503000000000000" pitchFamily="2" charset="-127"/>
+                <a:ea typeface="Nanum SeongSirCe" panose="02000503000000000000" pitchFamily="2" charset="-127"/>
+              </a:rPr>
+              <a:t>EDA</a:t>
+            </a:r>
+            <a:endParaRPr kumimoji="1" lang="ko-Kore-KR" altLang="en-US" sz="1801" b="1" dirty="0">
+              <a:latin typeface="Nanum SeongSirCe" panose="02000503000000000000" pitchFamily="2" charset="-127"/>
+              <a:ea typeface="Nanum SeongSirCe" panose="02000503000000000000" pitchFamily="2" charset="-127"/>
+            </a:endParaRPr>
+          </a:p>
+        </p:txBody>
+      </p:sp>
+      <p:sp>
+        <p:nvSpPr>
+          <p:cNvPr id="3" name="TextBox 2">
+            <a:extLst>
+              <a:ext uri="{FF2B5EF4-FFF2-40B4-BE49-F238E27FC236}">
+                <a16:creationId xmlns:a16="http://schemas.microsoft.com/office/drawing/2014/main" id="{103ED0F9-1B59-C641-AACC-CB2409DAE4F8}"/>
+              </a:ext>
+            </a:extLst>
+          </p:cNvPr>
+          <p:cNvSpPr txBox="1"/>
+          <p:nvPr/>
+        </p:nvSpPr>
+        <p:spPr>
+          <a:xfrm>
+            <a:off x="8776140" y="567562"/>
+            <a:ext cx="2732690" cy="369460"/>
+          </a:xfrm>
+          <a:prstGeom prst="rect">
+            <a:avLst/>
+          </a:prstGeom>
+          <a:noFill/>
+        </p:spPr>
+        <p:txBody>
+          <a:bodyPr wrap="square" rtlCol="0">
+            <a:spAutoFit/>
+          </a:bodyPr>
+          <a:lstStyle/>
+          <a:p>
+            <a:pPr algn="r"/>
+            <a:r>
+              <a:rPr kumimoji="1" lang="ko-KR" altLang="en-US" sz="1801" b="1" dirty="0" err="1">
+                <a:latin typeface="Nanum SeongSirCe" panose="02000503000000000000" pitchFamily="2" charset="-127"/>
+                <a:ea typeface="Nanum SeongSirCe" panose="02000503000000000000" pitchFamily="2" charset="-127"/>
+              </a:rPr>
+              <a:t>경돼</a:t>
+            </a:r>
+            <a:r>
+              <a:rPr kumimoji="1" lang="en-US" altLang="ko-KR" sz="1801" b="1" dirty="0">
+                <a:latin typeface="Nanum SeongSirCe" panose="02000503000000000000" pitchFamily="2" charset="-127"/>
+                <a:ea typeface="Nanum SeongSirCe" panose="02000503000000000000" pitchFamily="2" charset="-127"/>
+              </a:rPr>
+              <a:t>TV X Data Literacy</a:t>
+            </a:r>
+            <a:endParaRPr kumimoji="1" lang="ko-Kore-KR" altLang="en-US" sz="1801" b="1" dirty="0">
+              <a:latin typeface="Nanum SeongSirCe" panose="02000503000000000000" pitchFamily="2" charset="-127"/>
+              <a:ea typeface="Nanum SeongSirCe" panose="02000503000000000000" pitchFamily="2" charset="-127"/>
+            </a:endParaRPr>
+          </a:p>
+        </p:txBody>
+      </p:sp>
+      <p:grpSp>
+        <p:nvGrpSpPr>
+          <p:cNvPr id="10" name="그룹 9">
+            <a:extLst>
+              <a:ext uri="{FF2B5EF4-FFF2-40B4-BE49-F238E27FC236}">
+                <a16:creationId xmlns:a16="http://schemas.microsoft.com/office/drawing/2014/main" id="{6B718B83-4A99-8144-9C1A-F9CDBC1BC8AB}"/>
+              </a:ext>
+            </a:extLst>
+          </p:cNvPr>
+          <p:cNvGrpSpPr/>
+          <p:nvPr/>
+        </p:nvGrpSpPr>
+        <p:grpSpPr>
+          <a:xfrm>
+            <a:off x="5555940" y="399400"/>
+            <a:ext cx="1080121" cy="936105"/>
+            <a:chOff x="5425343" y="399400"/>
+            <a:chExt cx="1080120" cy="936104"/>
+          </a:xfrm>
+        </p:grpSpPr>
+        <p:sp>
+          <p:nvSpPr>
+            <p:cNvPr id="4" name="타원 3">
+              <a:extLst>
+                <a:ext uri="{FF2B5EF4-FFF2-40B4-BE49-F238E27FC236}">
+                  <a16:creationId xmlns:a16="http://schemas.microsoft.com/office/drawing/2014/main" id="{69503F5B-5964-9148-A6EE-CE129EB4FD59}"/>
+                </a:ext>
+              </a:extLst>
+            </p:cNvPr>
+            <p:cNvSpPr/>
+            <p:nvPr/>
+          </p:nvSpPr>
+          <p:spPr>
+            <a:xfrm>
+              <a:off x="5497351" y="399400"/>
+              <a:ext cx="936104" cy="936104"/>
+            </a:xfrm>
+            <a:prstGeom prst="ellipse">
+              <a:avLst/>
+            </a:prstGeom>
+            <a:solidFill>
+              <a:schemeClr val="bg1"/>
+            </a:solidFill>
+            <a:ln>
+              <a:noFill/>
+            </a:ln>
+          </p:spPr>
+          <p:style>
+            <a:lnRef idx="2">
+              <a:schemeClr val="accent1">
+                <a:shade val="50000"/>
+              </a:schemeClr>
+            </a:lnRef>
+            <a:fillRef idx="1">
+              <a:schemeClr val="accent1"/>
+            </a:fillRef>
+            <a:effectRef idx="0">
+              <a:schemeClr val="accent1"/>
+            </a:effectRef>
+            <a:fontRef idx="minor">
+              <a:schemeClr val="lt1"/>
+            </a:fontRef>
+          </p:style>
+          <p:txBody>
+            <a:bodyPr rtlCol="0" anchor="ctr"/>
+            <a:lstStyle/>
+            <a:p>
+              <a:pPr algn="ctr"/>
+              <a:endParaRPr lang="ko-KR" altLang="en-US" sz="1801">
+                <a:latin typeface="Nanum SeongSirCe" panose="02000503000000000000" pitchFamily="2" charset="-127"/>
+                <a:ea typeface="Nanum SeongSirCe" panose="02000503000000000000" pitchFamily="2" charset="-127"/>
+              </a:endParaRPr>
+            </a:p>
+          </p:txBody>
+        </p:sp>
+        <p:sp>
+          <p:nvSpPr>
+            <p:cNvPr id="5" name="TextBox 4">
+              <a:extLst>
+                <a:ext uri="{FF2B5EF4-FFF2-40B4-BE49-F238E27FC236}">
+                  <a16:creationId xmlns:a16="http://schemas.microsoft.com/office/drawing/2014/main" id="{6B1BF8DE-D704-6045-9CE9-8A0DD8BF6328}"/>
+                </a:ext>
+              </a:extLst>
+            </p:cNvPr>
+            <p:cNvSpPr txBox="1"/>
+            <p:nvPr/>
+          </p:nvSpPr>
+          <p:spPr>
+            <a:xfrm>
+              <a:off x="5425343" y="636620"/>
+              <a:ext cx="1080120" cy="461665"/>
+            </a:xfrm>
+            <a:prstGeom prst="rect">
+              <a:avLst/>
+            </a:prstGeom>
+            <a:noFill/>
+          </p:spPr>
+          <p:txBody>
+            <a:bodyPr wrap="square" rtlCol="0">
+              <a:spAutoFit/>
+            </a:bodyPr>
+            <a:lstStyle/>
+            <a:p>
+              <a:pPr algn="ctr"/>
+              <a:r>
+                <a:rPr lang="en-US" altLang="ko-KR" sz="2400" b="1" dirty="0">
+                  <a:latin typeface="Nanum SeongSirCe" panose="02000503000000000000" pitchFamily="2" charset="-127"/>
+                  <a:ea typeface="Nanum SeongSirCe" panose="02000503000000000000" pitchFamily="2" charset="-127"/>
+                </a:rPr>
+                <a:t>02</a:t>
+              </a:r>
+              <a:endParaRPr lang="ko-KR" altLang="en-US" sz="2400" b="1" dirty="0">
+                <a:latin typeface="Nanum SeongSirCe" panose="02000503000000000000" pitchFamily="2" charset="-127"/>
+                <a:ea typeface="Nanum SeongSirCe" panose="02000503000000000000" pitchFamily="2" charset="-127"/>
+              </a:endParaRPr>
+            </a:p>
+          </p:txBody>
+        </p:sp>
+      </p:grpSp>
+      <p:sp>
+        <p:nvSpPr>
+          <p:cNvPr id="13" name="TextBox 12">
+            <a:extLst>
+              <a:ext uri="{FF2B5EF4-FFF2-40B4-BE49-F238E27FC236}">
+                <a16:creationId xmlns:a16="http://schemas.microsoft.com/office/drawing/2014/main" id="{06917B87-0FC0-5549-8EAF-DA74E7440306}"/>
+              </a:ext>
+            </a:extLst>
+          </p:cNvPr>
+          <p:cNvSpPr txBox="1"/>
+          <p:nvPr/>
+        </p:nvSpPr>
+        <p:spPr>
+          <a:xfrm>
+            <a:off x="4403813" y="1541191"/>
+            <a:ext cx="3384374" cy="400110"/>
+          </a:xfrm>
+          <a:prstGeom prst="rect">
+            <a:avLst/>
+          </a:prstGeom>
+          <a:noFill/>
+        </p:spPr>
+        <p:txBody>
+          <a:bodyPr wrap="square" rtlCol="0">
+            <a:spAutoFit/>
+          </a:bodyPr>
+          <a:lstStyle/>
+          <a:p>
+            <a:pPr algn="ctr"/>
+            <a:r>
+              <a:rPr lang="en-US" altLang="ko-KR" sz="2000" b="1" dirty="0">
+                <a:latin typeface="Nanum SeongSirCe" panose="02000503000000000000" pitchFamily="2" charset="-127"/>
+                <a:ea typeface="Nanum SeongSirCe" panose="02000503000000000000" pitchFamily="2" charset="-127"/>
+              </a:rPr>
+              <a:t>[</a:t>
+            </a:r>
+            <a:r>
+              <a:rPr lang="ko-KR" altLang="en-US" sz="2000" b="1" dirty="0">
+                <a:latin typeface="Nanum SeongSirCe" panose="02000503000000000000" pitchFamily="2" charset="-127"/>
+                <a:ea typeface="Nanum SeongSirCe" panose="02000503000000000000" pitchFamily="2" charset="-127"/>
+              </a:rPr>
+              <a:t> 컨텐츠 유무 </a:t>
+            </a:r>
+            <a:r>
+              <a:rPr lang="en-US" altLang="ko-KR" sz="2000" b="1" dirty="0">
+                <a:latin typeface="Nanum SeongSirCe" panose="02000503000000000000" pitchFamily="2" charset="-127"/>
+                <a:ea typeface="Nanum SeongSirCe" panose="02000503000000000000" pitchFamily="2" charset="-127"/>
+              </a:rPr>
+              <a:t>]</a:t>
+            </a:r>
+            <a:endParaRPr lang="ko-KR" altLang="en-US" sz="2000" b="1" dirty="0">
+              <a:latin typeface="Nanum SeongSirCe" panose="02000503000000000000" pitchFamily="2" charset="-127"/>
+              <a:ea typeface="Nanum SeongSirCe" panose="02000503000000000000" pitchFamily="2" charset="-127"/>
+            </a:endParaRPr>
+          </a:p>
+        </p:txBody>
+      </p:sp>
       <p:pic>
         <p:nvPicPr>
-          <p:cNvPr id="2050" name="Picture 2">
-            <a:extLst>
-              <a:ext uri="{FF2B5EF4-FFF2-40B4-BE49-F238E27FC236}">
-                <a16:creationId xmlns:a16="http://schemas.microsoft.com/office/drawing/2014/main" id="{63BF04D3-0BD2-3841-87B8-9E671C3BB25D}"/>
+          <p:cNvPr id="14338" name="Picture 2">
+            <a:extLst>
+              <a:ext uri="{FF2B5EF4-FFF2-40B4-BE49-F238E27FC236}">
+                <a16:creationId xmlns:a16="http://schemas.microsoft.com/office/drawing/2014/main" id="{4CE490D7-DCB1-A848-94B3-3631CC0DE987}"/>
               </a:ext>
             </a:extLst>
           </p:cNvPr>
@@ -11098,8 +11367,8 @@
         </p:blipFill>
         <p:spPr bwMode="auto">
           <a:xfrm>
-            <a:off x="285750" y="171451"/>
-            <a:ext cx="11620500" cy="6515100"/>
+            <a:off x="2978418" y="2042030"/>
+            <a:ext cx="6235164" cy="4179350"/>
           </a:xfrm>
           <a:prstGeom prst="rect">
             <a:avLst/>
@@ -11119,7 +11388,7 @@
     </p:spTree>
     <p:extLst>
       <p:ext uri="{BB962C8B-B14F-4D97-AF65-F5344CB8AC3E}">
-        <p14:creationId xmlns:p14="http://schemas.microsoft.com/office/powerpoint/2010/main" val="2010326612"/>
+        <p14:creationId xmlns:p14="http://schemas.microsoft.com/office/powerpoint/2010/main" val="4291780880"/>
       </p:ext>
     </p:extLst>
   </p:cSld>
@@ -11146,57 +11415,298 @@
           <a:chExt cx="0" cy="0"/>
         </a:xfrm>
       </p:grpSpPr>
-      <p:pic>
-        <p:nvPicPr>
-          <p:cNvPr id="4098" name="Picture 2">
-            <a:extLst>
-              <a:ext uri="{FF2B5EF4-FFF2-40B4-BE49-F238E27FC236}">
-                <a16:creationId xmlns:a16="http://schemas.microsoft.com/office/drawing/2014/main" id="{2BB3FCA5-4FE4-B54E-A2D1-99A1A08E8C15}"/>
-              </a:ext>
-            </a:extLst>
-          </p:cNvPr>
-          <p:cNvPicPr>
-            <a:picLocks noChangeAspect="1" noChangeArrowheads="1"/>
-          </p:cNvPicPr>
+      <p:grpSp>
+        <p:nvGrpSpPr>
+          <p:cNvPr id="9" name="그룹 8">
+            <a:extLst>
+              <a:ext uri="{FF2B5EF4-FFF2-40B4-BE49-F238E27FC236}">
+                <a16:creationId xmlns:a16="http://schemas.microsoft.com/office/drawing/2014/main" id="{798E4C05-9F8E-2649-9234-9F13185D1B78}"/>
+              </a:ext>
+            </a:extLst>
+          </p:cNvPr>
+          <p:cNvGrpSpPr/>
           <p:nvPr/>
-        </p:nvPicPr>
-        <p:blipFill>
-          <a:blip r:embed="rId2">
-            <a:extLst>
-              <a:ext uri="{28A0092B-C50C-407E-A947-70E740481C1C}">
-                <a14:useLocalDpi xmlns:a14="http://schemas.microsoft.com/office/drawing/2010/main" val="0"/>
-              </a:ext>
-            </a:extLst>
-          </a:blip>
-          <a:srcRect/>
-          <a:stretch>
-            <a:fillRect/>
-          </a:stretch>
-        </p:blipFill>
-        <p:spPr bwMode="auto">
+        </p:nvGrpSpPr>
+        <p:grpSpPr>
           <a:xfrm>
-            <a:off x="980282" y="1"/>
-            <a:ext cx="10231438" cy="6858000"/>
+            <a:off x="4583833" y="1831867"/>
+            <a:ext cx="3024336" cy="3725854"/>
+            <a:chOff x="3059832" y="1831867"/>
+            <a:chExt cx="3024336" cy="3725854"/>
           </a:xfrm>
-          <a:prstGeom prst="rect">
-            <a:avLst/>
-          </a:prstGeom>
-          <a:noFill/>
-          <a:extLst>
-            <a:ext uri="{909E8E84-426E-40DD-AFC4-6F175D3DCCD1}">
-              <a14:hiddenFill xmlns:a14="http://schemas.microsoft.com/office/drawing/2010/main">
+        </p:grpSpPr>
+        <p:sp>
+          <p:nvSpPr>
+            <p:cNvPr id="4" name="TextBox 3">
+              <a:extLst>
+                <a:ext uri="{FF2B5EF4-FFF2-40B4-BE49-F238E27FC236}">
+                  <a16:creationId xmlns:a16="http://schemas.microsoft.com/office/drawing/2014/main" id="{9B5002CE-B0A2-B14B-B324-DE7AF10C1A8E}"/>
+                </a:ext>
+              </a:extLst>
+            </p:cNvPr>
+            <p:cNvSpPr txBox="1"/>
+            <p:nvPr/>
+          </p:nvSpPr>
+          <p:spPr>
+            <a:xfrm>
+              <a:off x="3658399" y="1831867"/>
+              <a:ext cx="1827202" cy="1108124"/>
+            </a:xfrm>
+            <a:prstGeom prst="rect">
+              <a:avLst/>
+            </a:prstGeom>
+            <a:noFill/>
+          </p:spPr>
+          <p:txBody>
+            <a:bodyPr wrap="square" rtlCol="0">
+              <a:spAutoFit/>
+            </a:bodyPr>
+            <a:lstStyle/>
+            <a:p>
+              <a:pPr algn="ctr"/>
+              <a:r>
+                <a:rPr lang="en-US" altLang="ko-KR" sz="6601" dirty="0">
+                  <a:latin typeface="Nanum SeongSirCe" panose="02000503000000000000" pitchFamily="2" charset="-127"/>
+                  <a:ea typeface="Nanum SeongSirCe" panose="02000503000000000000" pitchFamily="2" charset="-127"/>
+                </a:rPr>
+                <a:t>03</a:t>
+              </a:r>
+              <a:endParaRPr lang="ko-KR" altLang="en-US" sz="6601" dirty="0">
+                <a:latin typeface="Nanum SeongSirCe" panose="02000503000000000000" pitchFamily="2" charset="-127"/>
+                <a:ea typeface="Nanum SeongSirCe" panose="02000503000000000000" pitchFamily="2" charset="-127"/>
+              </a:endParaRPr>
+            </a:p>
+          </p:txBody>
+        </p:sp>
+        <p:cxnSp>
+          <p:nvCxnSpPr>
+            <p:cNvPr id="5" name="직선 연결선 10">
+              <a:extLst>
+                <a:ext uri="{FF2B5EF4-FFF2-40B4-BE49-F238E27FC236}">
+                  <a16:creationId xmlns:a16="http://schemas.microsoft.com/office/drawing/2014/main" id="{38D6386E-9F2E-224F-925E-D26419DAA5E6}"/>
+                </a:ext>
+              </a:extLst>
+            </p:cNvPr>
+            <p:cNvCxnSpPr>
+              <a:cxnSpLocks/>
+            </p:cNvCxnSpPr>
+            <p:nvPr/>
+          </p:nvCxnSpPr>
+          <p:spPr>
+            <a:xfrm>
+              <a:off x="3527884" y="2878997"/>
+              <a:ext cx="2088232" cy="0"/>
+            </a:xfrm>
+            <a:prstGeom prst="line">
+              <a:avLst/>
+            </a:prstGeom>
+            <a:ln>
+              <a:solidFill>
+                <a:schemeClr val="tx1"/>
+              </a:solidFill>
+            </a:ln>
+          </p:spPr>
+          <p:style>
+            <a:lnRef idx="1">
+              <a:schemeClr val="accent1"/>
+            </a:lnRef>
+            <a:fillRef idx="0">
+              <a:schemeClr val="accent1"/>
+            </a:fillRef>
+            <a:effectRef idx="0">
+              <a:schemeClr val="accent1"/>
+            </a:effectRef>
+            <a:fontRef idx="minor">
+              <a:schemeClr val="tx1"/>
+            </a:fontRef>
+          </p:style>
+        </p:cxnSp>
+        <p:sp>
+          <p:nvSpPr>
+            <p:cNvPr id="6" name="TextBox 5">
+              <a:extLst>
+                <a:ext uri="{FF2B5EF4-FFF2-40B4-BE49-F238E27FC236}">
+                  <a16:creationId xmlns:a16="http://schemas.microsoft.com/office/drawing/2014/main" id="{D6291640-1DD5-234A-912F-BDE007EEFBD3}"/>
+                </a:ext>
+              </a:extLst>
+            </p:cNvPr>
+            <p:cNvSpPr txBox="1"/>
+            <p:nvPr/>
+          </p:nvSpPr>
+          <p:spPr>
+            <a:xfrm>
+              <a:off x="3059832" y="3160923"/>
+              <a:ext cx="3024336" cy="646331"/>
+            </a:xfrm>
+            <a:prstGeom prst="rect">
+              <a:avLst/>
+            </a:prstGeom>
+            <a:noFill/>
+          </p:spPr>
+          <p:txBody>
+            <a:bodyPr wrap="square" rtlCol="0">
+              <a:spAutoFit/>
+            </a:bodyPr>
+            <a:lstStyle/>
+            <a:p>
+              <a:pPr algn="ctr"/>
+              <a:r>
+                <a:rPr lang="ko-KR" altLang="en-US" sz="3600" b="1" spc="-151" dirty="0">
+                  <a:latin typeface="Nanum SeongSirCe" panose="02000503000000000000" pitchFamily="2" charset="-127"/>
+                  <a:ea typeface="Nanum SeongSirCe" panose="02000503000000000000" pitchFamily="2" charset="-127"/>
+                </a:rPr>
+                <a:t>결론</a:t>
+              </a:r>
+            </a:p>
+          </p:txBody>
+        </p:sp>
+        <p:sp>
+          <p:nvSpPr>
+            <p:cNvPr id="7" name="직사각형 6">
+              <a:extLst>
+                <a:ext uri="{FF2B5EF4-FFF2-40B4-BE49-F238E27FC236}">
+                  <a16:creationId xmlns:a16="http://schemas.microsoft.com/office/drawing/2014/main" id="{3385A705-2609-1144-ACA6-AA166F5BDE31}"/>
+                </a:ext>
+              </a:extLst>
+            </p:cNvPr>
+            <p:cNvSpPr/>
+            <p:nvPr/>
+          </p:nvSpPr>
+          <p:spPr>
+            <a:xfrm>
+              <a:off x="3567828" y="3986996"/>
+              <a:ext cx="2008349" cy="1570725"/>
+            </a:xfrm>
+            <a:prstGeom prst="rect">
+              <a:avLst/>
+            </a:prstGeom>
+            <a:solidFill>
+              <a:schemeClr val="bg1">
+                <a:lumMod val="85000"/>
+              </a:schemeClr>
+            </a:solidFill>
+            <a:ln>
+              <a:noFill/>
+            </a:ln>
+          </p:spPr>
+          <p:style>
+            <a:lnRef idx="2">
+              <a:schemeClr val="accent1">
+                <a:shade val="50000"/>
+              </a:schemeClr>
+            </a:lnRef>
+            <a:fillRef idx="1">
+              <a:schemeClr val="accent1"/>
+            </a:fillRef>
+            <a:effectRef idx="0">
+              <a:schemeClr val="accent1"/>
+            </a:effectRef>
+            <a:fontRef idx="minor">
+              <a:schemeClr val="lt1"/>
+            </a:fontRef>
+          </p:style>
+          <p:txBody>
+            <a:bodyPr rtlCol="0" anchor="ctr"/>
+            <a:lstStyle/>
+            <a:p>
+              <a:pPr algn="ctr"/>
+              <a:endParaRPr lang="ko-KR" altLang="en-US" sz="1801" b="1">
                 <a:solidFill>
-                  <a:srgbClr val="FFFFFF"/>
+                  <a:schemeClr val="tx1"/>
                 </a:solidFill>
-              </a14:hiddenFill>
-            </a:ext>
-          </a:extLst>
-        </p:spPr>
-      </p:pic>
+                <a:latin typeface="Nanum SeongSirCe" panose="02000503000000000000" pitchFamily="2" charset="-127"/>
+                <a:ea typeface="Nanum SeongSirCe" panose="02000503000000000000" pitchFamily="2" charset="-127"/>
+              </a:endParaRPr>
+            </a:p>
+          </p:txBody>
+        </p:sp>
+        <p:sp>
+          <p:nvSpPr>
+            <p:cNvPr id="8" name="TextBox 7">
+              <a:extLst>
+                <a:ext uri="{FF2B5EF4-FFF2-40B4-BE49-F238E27FC236}">
+                  <a16:creationId xmlns:a16="http://schemas.microsoft.com/office/drawing/2014/main" id="{D57FFF27-7B08-A443-9C43-23695060CDEC}"/>
+                </a:ext>
+              </a:extLst>
+            </p:cNvPr>
+            <p:cNvSpPr txBox="1"/>
+            <p:nvPr/>
+          </p:nvSpPr>
+          <p:spPr>
+            <a:xfrm>
+              <a:off x="3640963" y="4171029"/>
+              <a:ext cx="1935215" cy="683264"/>
+            </a:xfrm>
+            <a:prstGeom prst="rect">
+              <a:avLst/>
+            </a:prstGeom>
+            <a:noFill/>
+          </p:spPr>
+          <p:txBody>
+            <a:bodyPr wrap="square" rtlCol="0">
+              <a:spAutoFit/>
+            </a:bodyPr>
+            <a:lstStyle/>
+            <a:p>
+              <a:pPr marL="285751" indent="-285751">
+                <a:lnSpc>
+                  <a:spcPct val="80000"/>
+                </a:lnSpc>
+                <a:buFontTx/>
+                <a:buChar char="-"/>
+              </a:pPr>
+              <a:r>
+                <a:rPr lang="ko-KR" altLang="en-US" sz="1600" b="1" spc="-151" dirty="0">
+                  <a:latin typeface="Nanum SeongSirCe" panose="02000503000000000000" pitchFamily="2" charset="-127"/>
+                  <a:ea typeface="Nanum SeongSirCe" panose="02000503000000000000" pitchFamily="2" charset="-127"/>
+                </a:rPr>
+                <a:t>솔루션</a:t>
+              </a:r>
+              <a:endParaRPr lang="en-US" altLang="ko-KR" sz="1600" b="1" spc="-151" dirty="0">
+                <a:latin typeface="Nanum SeongSirCe" panose="02000503000000000000" pitchFamily="2" charset="-127"/>
+                <a:ea typeface="Nanum SeongSirCe" panose="02000503000000000000" pitchFamily="2" charset="-127"/>
+              </a:endParaRPr>
+            </a:p>
+            <a:p>
+              <a:pPr marL="285751" indent="-285751">
+                <a:lnSpc>
+                  <a:spcPct val="80000"/>
+                </a:lnSpc>
+                <a:buFontTx/>
+                <a:buChar char="-"/>
+              </a:pPr>
+              <a:endParaRPr lang="en-US" altLang="ko-KR" sz="1600" b="1" spc="-151" dirty="0">
+                <a:latin typeface="Nanum SeongSirCe" panose="02000503000000000000" pitchFamily="2" charset="-127"/>
+                <a:ea typeface="Nanum SeongSirCe" panose="02000503000000000000" pitchFamily="2" charset="-127"/>
+              </a:endParaRPr>
+            </a:p>
+            <a:p>
+              <a:pPr marL="285751" indent="-285751">
+                <a:lnSpc>
+                  <a:spcPct val="80000"/>
+                </a:lnSpc>
+                <a:buFontTx/>
+                <a:buChar char="-"/>
+              </a:pPr>
+              <a:r>
+                <a:rPr lang="ko-KR" altLang="en-US" sz="1600" b="1" spc="-151" dirty="0" err="1">
+                  <a:latin typeface="Nanum SeongSirCe" panose="02000503000000000000" pitchFamily="2" charset="-127"/>
+                  <a:ea typeface="Nanum SeongSirCe" panose="02000503000000000000" pitchFamily="2" charset="-127"/>
+                </a:rPr>
+                <a:t>제한점</a:t>
+              </a:r>
+              <a:endParaRPr lang="en-US" altLang="ko-KR" sz="1600" b="1" spc="-151" dirty="0">
+                <a:latin typeface="Nanum SeongSirCe" panose="02000503000000000000" pitchFamily="2" charset="-127"/>
+                <a:ea typeface="Nanum SeongSirCe" panose="02000503000000000000" pitchFamily="2" charset="-127"/>
+              </a:endParaRPr>
+            </a:p>
+          </p:txBody>
+        </p:sp>
+      </p:grpSp>
     </p:spTree>
     <p:extLst>
       <p:ext uri="{BB962C8B-B14F-4D97-AF65-F5344CB8AC3E}">
-        <p14:creationId xmlns:p14="http://schemas.microsoft.com/office/powerpoint/2010/main" val="3532802235"/>
+        <p14:creationId xmlns:p14="http://schemas.microsoft.com/office/powerpoint/2010/main" val="3442080824"/>
       </p:ext>
     </p:extLst>
   </p:cSld>
@@ -11223,10 +11733,2598 @@
           <a:chExt cx="0" cy="0"/>
         </a:xfrm>
       </p:grpSpPr>
+      <p:sp>
+        <p:nvSpPr>
+          <p:cNvPr id="2" name="TextBox 1">
+            <a:extLst>
+              <a:ext uri="{FF2B5EF4-FFF2-40B4-BE49-F238E27FC236}">
+                <a16:creationId xmlns:a16="http://schemas.microsoft.com/office/drawing/2014/main" id="{69AEA979-0E62-DD45-887E-0FDEE1D4DEAA}"/>
+              </a:ext>
+            </a:extLst>
+          </p:cNvPr>
+          <p:cNvSpPr txBox="1"/>
+          <p:nvPr/>
+        </p:nvSpPr>
+        <p:spPr>
+          <a:xfrm>
+            <a:off x="683173" y="567561"/>
+            <a:ext cx="636713" cy="369460"/>
+          </a:xfrm>
+          <a:prstGeom prst="rect">
+            <a:avLst/>
+          </a:prstGeom>
+          <a:noFill/>
+        </p:spPr>
+        <p:txBody>
+          <a:bodyPr wrap="none" rtlCol="0">
+            <a:spAutoFit/>
+          </a:bodyPr>
+          <a:lstStyle/>
+          <a:p>
+            <a:r>
+              <a:rPr kumimoji="1" lang="ko-KR" altLang="en-US" sz="1801" b="1" dirty="0">
+                <a:latin typeface="Nanum SeongSirCe" panose="02000503000000000000" pitchFamily="2" charset="-127"/>
+                <a:ea typeface="Nanum SeongSirCe" panose="02000503000000000000" pitchFamily="2" charset="-127"/>
+              </a:rPr>
+              <a:t>솔루션</a:t>
+            </a:r>
+            <a:endParaRPr kumimoji="1" lang="ko-Kore-KR" altLang="en-US" sz="1801" b="1" dirty="0">
+              <a:latin typeface="Nanum SeongSirCe" panose="02000503000000000000" pitchFamily="2" charset="-127"/>
+              <a:ea typeface="Nanum SeongSirCe" panose="02000503000000000000" pitchFamily="2" charset="-127"/>
+            </a:endParaRPr>
+          </a:p>
+        </p:txBody>
+      </p:sp>
+      <p:sp>
+        <p:nvSpPr>
+          <p:cNvPr id="3" name="TextBox 2">
+            <a:extLst>
+              <a:ext uri="{FF2B5EF4-FFF2-40B4-BE49-F238E27FC236}">
+                <a16:creationId xmlns:a16="http://schemas.microsoft.com/office/drawing/2014/main" id="{103ED0F9-1B59-C641-AACC-CB2409DAE4F8}"/>
+              </a:ext>
+            </a:extLst>
+          </p:cNvPr>
+          <p:cNvSpPr txBox="1"/>
+          <p:nvPr/>
+        </p:nvSpPr>
+        <p:spPr>
+          <a:xfrm>
+            <a:off x="8776140" y="567562"/>
+            <a:ext cx="2732690" cy="369460"/>
+          </a:xfrm>
+          <a:prstGeom prst="rect">
+            <a:avLst/>
+          </a:prstGeom>
+          <a:noFill/>
+        </p:spPr>
+        <p:txBody>
+          <a:bodyPr wrap="square" rtlCol="0">
+            <a:spAutoFit/>
+          </a:bodyPr>
+          <a:lstStyle/>
+          <a:p>
+            <a:pPr algn="r"/>
+            <a:r>
+              <a:rPr kumimoji="1" lang="ko-KR" altLang="en-US" sz="1801" b="1" dirty="0" err="1">
+                <a:latin typeface="Nanum SeongSirCe" panose="02000503000000000000" pitchFamily="2" charset="-127"/>
+                <a:ea typeface="Nanum SeongSirCe" panose="02000503000000000000" pitchFamily="2" charset="-127"/>
+              </a:rPr>
+              <a:t>경돼</a:t>
+            </a:r>
+            <a:r>
+              <a:rPr kumimoji="1" lang="en-US" altLang="ko-KR" sz="1801" b="1" dirty="0">
+                <a:latin typeface="Nanum SeongSirCe" panose="02000503000000000000" pitchFamily="2" charset="-127"/>
+                <a:ea typeface="Nanum SeongSirCe" panose="02000503000000000000" pitchFamily="2" charset="-127"/>
+              </a:rPr>
+              <a:t>TV X Data Literacy</a:t>
+            </a:r>
+            <a:endParaRPr kumimoji="1" lang="ko-Kore-KR" altLang="en-US" sz="1801" b="1" dirty="0">
+              <a:latin typeface="Nanum SeongSirCe" panose="02000503000000000000" pitchFamily="2" charset="-127"/>
+              <a:ea typeface="Nanum SeongSirCe" panose="02000503000000000000" pitchFamily="2" charset="-127"/>
+            </a:endParaRPr>
+          </a:p>
+        </p:txBody>
+      </p:sp>
+      <p:grpSp>
+        <p:nvGrpSpPr>
+          <p:cNvPr id="10" name="그룹 9">
+            <a:extLst>
+              <a:ext uri="{FF2B5EF4-FFF2-40B4-BE49-F238E27FC236}">
+                <a16:creationId xmlns:a16="http://schemas.microsoft.com/office/drawing/2014/main" id="{6B718B83-4A99-8144-9C1A-F9CDBC1BC8AB}"/>
+              </a:ext>
+            </a:extLst>
+          </p:cNvPr>
+          <p:cNvGrpSpPr/>
+          <p:nvPr/>
+        </p:nvGrpSpPr>
+        <p:grpSpPr>
+          <a:xfrm>
+            <a:off x="5555940" y="399400"/>
+            <a:ext cx="1080121" cy="936105"/>
+            <a:chOff x="5425343" y="399400"/>
+            <a:chExt cx="1080120" cy="936104"/>
+          </a:xfrm>
+        </p:grpSpPr>
+        <p:sp>
+          <p:nvSpPr>
+            <p:cNvPr id="4" name="타원 3">
+              <a:extLst>
+                <a:ext uri="{FF2B5EF4-FFF2-40B4-BE49-F238E27FC236}">
+                  <a16:creationId xmlns:a16="http://schemas.microsoft.com/office/drawing/2014/main" id="{69503F5B-5964-9148-A6EE-CE129EB4FD59}"/>
+                </a:ext>
+              </a:extLst>
+            </p:cNvPr>
+            <p:cNvSpPr/>
+            <p:nvPr/>
+          </p:nvSpPr>
+          <p:spPr>
+            <a:xfrm>
+              <a:off x="5497351" y="399400"/>
+              <a:ext cx="936104" cy="936104"/>
+            </a:xfrm>
+            <a:prstGeom prst="ellipse">
+              <a:avLst/>
+            </a:prstGeom>
+            <a:solidFill>
+              <a:schemeClr val="bg1"/>
+            </a:solidFill>
+            <a:ln>
+              <a:noFill/>
+            </a:ln>
+          </p:spPr>
+          <p:style>
+            <a:lnRef idx="2">
+              <a:schemeClr val="accent1">
+                <a:shade val="50000"/>
+              </a:schemeClr>
+            </a:lnRef>
+            <a:fillRef idx="1">
+              <a:schemeClr val="accent1"/>
+            </a:fillRef>
+            <a:effectRef idx="0">
+              <a:schemeClr val="accent1"/>
+            </a:effectRef>
+            <a:fontRef idx="minor">
+              <a:schemeClr val="lt1"/>
+            </a:fontRef>
+          </p:style>
+          <p:txBody>
+            <a:bodyPr rtlCol="0" anchor="ctr"/>
+            <a:lstStyle/>
+            <a:p>
+              <a:pPr algn="ctr"/>
+              <a:endParaRPr lang="ko-KR" altLang="en-US" sz="1801">
+                <a:latin typeface="Nanum SeongSirCe" panose="02000503000000000000" pitchFamily="2" charset="-127"/>
+                <a:ea typeface="Nanum SeongSirCe" panose="02000503000000000000" pitchFamily="2" charset="-127"/>
+              </a:endParaRPr>
+            </a:p>
+          </p:txBody>
+        </p:sp>
+        <p:sp>
+          <p:nvSpPr>
+            <p:cNvPr id="5" name="TextBox 4">
+              <a:extLst>
+                <a:ext uri="{FF2B5EF4-FFF2-40B4-BE49-F238E27FC236}">
+                  <a16:creationId xmlns:a16="http://schemas.microsoft.com/office/drawing/2014/main" id="{6B1BF8DE-D704-6045-9CE9-8A0DD8BF6328}"/>
+                </a:ext>
+              </a:extLst>
+            </p:cNvPr>
+            <p:cNvSpPr txBox="1"/>
+            <p:nvPr/>
+          </p:nvSpPr>
+          <p:spPr>
+            <a:xfrm>
+              <a:off x="5425343" y="636620"/>
+              <a:ext cx="1080120" cy="461665"/>
+            </a:xfrm>
+            <a:prstGeom prst="rect">
+              <a:avLst/>
+            </a:prstGeom>
+            <a:noFill/>
+          </p:spPr>
+          <p:txBody>
+            <a:bodyPr wrap="square" rtlCol="0">
+              <a:spAutoFit/>
+            </a:bodyPr>
+            <a:lstStyle/>
+            <a:p>
+              <a:pPr algn="ctr"/>
+              <a:r>
+                <a:rPr lang="en-US" altLang="ko-KR" sz="2400" b="1" dirty="0">
+                  <a:latin typeface="Nanum SeongSirCe" panose="02000503000000000000" pitchFamily="2" charset="-127"/>
+                  <a:ea typeface="Nanum SeongSirCe" panose="02000503000000000000" pitchFamily="2" charset="-127"/>
+                </a:rPr>
+                <a:t>03</a:t>
+              </a:r>
+              <a:endParaRPr lang="ko-KR" altLang="en-US" sz="2400" b="1" dirty="0">
+                <a:latin typeface="Nanum SeongSirCe" panose="02000503000000000000" pitchFamily="2" charset="-127"/>
+                <a:ea typeface="Nanum SeongSirCe" panose="02000503000000000000" pitchFamily="2" charset="-127"/>
+              </a:endParaRPr>
+            </a:p>
+          </p:txBody>
+        </p:sp>
+      </p:grpSp>
+      <p:sp>
+        <p:nvSpPr>
+          <p:cNvPr id="13" name="TextBox 12">
+            <a:extLst>
+              <a:ext uri="{FF2B5EF4-FFF2-40B4-BE49-F238E27FC236}">
+                <a16:creationId xmlns:a16="http://schemas.microsoft.com/office/drawing/2014/main" id="{06917B87-0FC0-5549-8EAF-DA74E7440306}"/>
+              </a:ext>
+            </a:extLst>
+          </p:cNvPr>
+          <p:cNvSpPr txBox="1"/>
+          <p:nvPr/>
+        </p:nvSpPr>
+        <p:spPr>
+          <a:xfrm>
+            <a:off x="4403813" y="1541191"/>
+            <a:ext cx="3384374" cy="400110"/>
+          </a:xfrm>
+          <a:prstGeom prst="rect">
+            <a:avLst/>
+          </a:prstGeom>
+          <a:noFill/>
+        </p:spPr>
+        <p:txBody>
+          <a:bodyPr wrap="square" rtlCol="0">
+            <a:spAutoFit/>
+          </a:bodyPr>
+          <a:lstStyle/>
+          <a:p>
+            <a:pPr algn="ctr"/>
+            <a:r>
+              <a:rPr lang="en-US" altLang="ko-KR" sz="2000" b="1" dirty="0">
+                <a:latin typeface="Nanum SeongSirCe" panose="02000503000000000000" pitchFamily="2" charset="-127"/>
+                <a:ea typeface="Nanum SeongSirCe" panose="02000503000000000000" pitchFamily="2" charset="-127"/>
+              </a:rPr>
+              <a:t>[</a:t>
+            </a:r>
+            <a:r>
+              <a:rPr lang="ko-KR" altLang="en-US" sz="2000" b="1" dirty="0">
+                <a:latin typeface="Nanum SeongSirCe" panose="02000503000000000000" pitchFamily="2" charset="-127"/>
+                <a:ea typeface="Nanum SeongSirCe" panose="02000503000000000000" pitchFamily="2" charset="-127"/>
+              </a:rPr>
+              <a:t> 솔루션 </a:t>
+            </a:r>
+            <a:r>
+              <a:rPr lang="en-US" altLang="ko-KR" sz="2000" b="1" dirty="0">
+                <a:latin typeface="Nanum SeongSirCe" panose="02000503000000000000" pitchFamily="2" charset="-127"/>
+                <a:ea typeface="Nanum SeongSirCe" panose="02000503000000000000" pitchFamily="2" charset="-127"/>
+              </a:rPr>
+              <a:t>]</a:t>
+            </a:r>
+            <a:endParaRPr lang="ko-KR" altLang="en-US" sz="2000" b="1" dirty="0">
+              <a:latin typeface="Nanum SeongSirCe" panose="02000503000000000000" pitchFamily="2" charset="-127"/>
+              <a:ea typeface="Nanum SeongSirCe" panose="02000503000000000000" pitchFamily="2" charset="-127"/>
+            </a:endParaRPr>
+          </a:p>
+        </p:txBody>
+      </p:sp>
+      <p:sp>
+        <p:nvSpPr>
+          <p:cNvPr id="9" name="TextBox 8">
+            <a:extLst>
+              <a:ext uri="{FF2B5EF4-FFF2-40B4-BE49-F238E27FC236}">
+                <a16:creationId xmlns:a16="http://schemas.microsoft.com/office/drawing/2014/main" id="{A6CD36E7-C895-FF4E-B231-213BD3B5F00E}"/>
+              </a:ext>
+            </a:extLst>
+          </p:cNvPr>
+          <p:cNvSpPr txBox="1"/>
+          <p:nvPr/>
+        </p:nvSpPr>
+        <p:spPr>
+          <a:xfrm>
+            <a:off x="1488008" y="2497958"/>
+            <a:ext cx="9215984" cy="523220"/>
+          </a:xfrm>
+          <a:prstGeom prst="rect">
+            <a:avLst/>
+          </a:prstGeom>
+          <a:noFill/>
+        </p:spPr>
+        <p:txBody>
+          <a:bodyPr wrap="none" rtlCol="0">
+            <a:spAutoFit/>
+          </a:bodyPr>
+          <a:lstStyle/>
+          <a:p>
+            <a:r>
+              <a:rPr kumimoji="1" lang="ko-Kore-KR" altLang="en-US" sz="2800" b="1" dirty="0">
+                <a:latin typeface="Nanum SeongSirCe" panose="02000503000000000000" pitchFamily="2" charset="-127"/>
+                <a:ea typeface="Nanum SeongSirCe" panose="02000503000000000000" pitchFamily="2" charset="-127"/>
+              </a:rPr>
+              <a:t>업로드</a:t>
+            </a:r>
+            <a:r>
+              <a:rPr kumimoji="1" lang="ko-KR" altLang="en-US" sz="2800" b="1" dirty="0">
+                <a:latin typeface="Nanum SeongSirCe" panose="02000503000000000000" pitchFamily="2" charset="-127"/>
+                <a:ea typeface="Nanum SeongSirCe" panose="02000503000000000000" pitchFamily="2" charset="-127"/>
+              </a:rPr>
+              <a:t> 횟수</a:t>
+            </a:r>
+            <a:r>
+              <a:rPr kumimoji="1" lang="en-US" altLang="ko-KR" sz="2800" b="1" dirty="0">
+                <a:latin typeface="Nanum SeongSirCe" panose="02000503000000000000" pitchFamily="2" charset="-127"/>
+                <a:ea typeface="Nanum SeongSirCe" panose="02000503000000000000" pitchFamily="2" charset="-127"/>
+              </a:rPr>
+              <a:t>(4</a:t>
+            </a:r>
+            <a:r>
+              <a:rPr kumimoji="1" lang="ko-KR" altLang="en-US" sz="2800" b="1" dirty="0">
+                <a:latin typeface="Nanum SeongSirCe" panose="02000503000000000000" pitchFamily="2" charset="-127"/>
+                <a:ea typeface="Nanum SeongSirCe" panose="02000503000000000000" pitchFamily="2" charset="-127"/>
+              </a:rPr>
+              <a:t>회 이하</a:t>
+            </a:r>
+            <a:r>
+              <a:rPr kumimoji="1" lang="en-US" altLang="ko-KR" sz="2800" b="1" dirty="0">
+                <a:latin typeface="Nanum SeongSirCe" panose="02000503000000000000" pitchFamily="2" charset="-127"/>
+                <a:ea typeface="Nanum SeongSirCe" panose="02000503000000000000" pitchFamily="2" charset="-127"/>
+              </a:rPr>
+              <a:t>,</a:t>
+            </a:r>
+            <a:r>
+              <a:rPr kumimoji="1" lang="ko-KR" altLang="en-US" sz="2800" b="1" dirty="0">
+                <a:latin typeface="Nanum SeongSirCe" panose="02000503000000000000" pitchFamily="2" charset="-127"/>
+                <a:ea typeface="Nanum SeongSirCe" panose="02000503000000000000" pitchFamily="2" charset="-127"/>
+              </a:rPr>
+              <a:t> </a:t>
+            </a:r>
+            <a:r>
+              <a:rPr kumimoji="1" lang="en-US" altLang="ko-KR" sz="2800" b="1" dirty="0">
+                <a:latin typeface="Nanum SeongSirCe" panose="02000503000000000000" pitchFamily="2" charset="-127"/>
+                <a:ea typeface="Nanum SeongSirCe" panose="02000503000000000000" pitchFamily="2" charset="-127"/>
+              </a:rPr>
+              <a:t>5</a:t>
+            </a:r>
+            <a:r>
+              <a:rPr kumimoji="1" lang="ko-KR" altLang="en-US" sz="2800" b="1" dirty="0">
+                <a:latin typeface="Nanum SeongSirCe" panose="02000503000000000000" pitchFamily="2" charset="-127"/>
+                <a:ea typeface="Nanum SeongSirCe" panose="02000503000000000000" pitchFamily="2" charset="-127"/>
+              </a:rPr>
+              <a:t>회 이상</a:t>
+            </a:r>
+            <a:r>
+              <a:rPr kumimoji="1" lang="en-US" altLang="ko-KR" sz="2800" b="1" dirty="0">
+                <a:latin typeface="Nanum SeongSirCe" panose="02000503000000000000" pitchFamily="2" charset="-127"/>
+                <a:ea typeface="Nanum SeongSirCe" panose="02000503000000000000" pitchFamily="2" charset="-127"/>
+              </a:rPr>
+              <a:t>)</a:t>
+            </a:r>
+            <a:r>
+              <a:rPr kumimoji="1" lang="ko-KR" altLang="en-US" sz="2800" b="1" dirty="0">
+                <a:latin typeface="Nanum SeongSirCe" panose="02000503000000000000" pitchFamily="2" charset="-127"/>
+                <a:ea typeface="Nanum SeongSirCe" panose="02000503000000000000" pitchFamily="2" charset="-127"/>
+              </a:rPr>
+              <a:t>에 따른 평균 업로드 조회수는 차이가 있을 것이다</a:t>
+            </a:r>
+            <a:r>
+              <a:rPr kumimoji="1" lang="en-US" altLang="ko-KR" sz="2800" b="1" dirty="0">
+                <a:latin typeface="Nanum SeongSirCe" panose="02000503000000000000" pitchFamily="2" charset="-127"/>
+                <a:ea typeface="Nanum SeongSirCe" panose="02000503000000000000" pitchFamily="2" charset="-127"/>
+              </a:rPr>
+              <a:t>.</a:t>
+            </a:r>
+            <a:endParaRPr kumimoji="1" lang="ko-Kore-KR" altLang="en-US" sz="2800" b="1" dirty="0">
+              <a:latin typeface="Nanum SeongSirCe" panose="02000503000000000000" pitchFamily="2" charset="-127"/>
+              <a:ea typeface="Nanum SeongSirCe" panose="02000503000000000000" pitchFamily="2" charset="-127"/>
+            </a:endParaRPr>
+          </a:p>
+        </p:txBody>
+      </p:sp>
+      <p:sp>
+        <p:nvSpPr>
+          <p:cNvPr id="11" name="TextBox 10">
+            <a:extLst>
+              <a:ext uri="{FF2B5EF4-FFF2-40B4-BE49-F238E27FC236}">
+                <a16:creationId xmlns:a16="http://schemas.microsoft.com/office/drawing/2014/main" id="{FBEE4EE5-E411-504B-80F5-B88EE3FABB36}"/>
+              </a:ext>
+            </a:extLst>
+          </p:cNvPr>
+          <p:cNvSpPr txBox="1"/>
+          <p:nvPr/>
+        </p:nvSpPr>
+        <p:spPr>
+          <a:xfrm>
+            <a:off x="2620529" y="4286749"/>
+            <a:ext cx="6950942" cy="523220"/>
+          </a:xfrm>
+          <a:prstGeom prst="rect">
+            <a:avLst/>
+          </a:prstGeom>
+          <a:noFill/>
+        </p:spPr>
+        <p:txBody>
+          <a:bodyPr wrap="none" rtlCol="0">
+            <a:spAutoFit/>
+          </a:bodyPr>
+          <a:lstStyle/>
+          <a:p>
+            <a:r>
+              <a:rPr kumimoji="1" lang="ko-Kore-KR" altLang="en-US" sz="2800" b="1" dirty="0">
+                <a:latin typeface="Nanum SeongSirCe" panose="02000503000000000000" pitchFamily="2" charset="-127"/>
+                <a:ea typeface="Nanum SeongSirCe" panose="02000503000000000000" pitchFamily="2" charset="-127"/>
+              </a:rPr>
+              <a:t>컨텐츠</a:t>
+            </a:r>
+            <a:r>
+              <a:rPr kumimoji="1" lang="ko-KR" altLang="en-US" sz="2800" b="1" dirty="0">
+                <a:latin typeface="Nanum SeongSirCe" panose="02000503000000000000" pitchFamily="2" charset="-127"/>
+                <a:ea typeface="Nanum SeongSirCe" panose="02000503000000000000" pitchFamily="2" charset="-127"/>
+              </a:rPr>
+              <a:t> 유무에 따른 평균 업로드 조회수는 차이가 있을 것이다</a:t>
+            </a:r>
+            <a:r>
+              <a:rPr kumimoji="1" lang="en-US" altLang="ko-KR" sz="2800" b="1" dirty="0">
+                <a:latin typeface="Nanum SeongSirCe" panose="02000503000000000000" pitchFamily="2" charset="-127"/>
+                <a:ea typeface="Nanum SeongSirCe" panose="02000503000000000000" pitchFamily="2" charset="-127"/>
+              </a:rPr>
+              <a:t>.</a:t>
+            </a:r>
+            <a:endParaRPr kumimoji="1" lang="ko-Kore-KR" altLang="en-US" sz="2800" b="1" dirty="0">
+              <a:latin typeface="Nanum SeongSirCe" panose="02000503000000000000" pitchFamily="2" charset="-127"/>
+              <a:ea typeface="Nanum SeongSirCe" panose="02000503000000000000" pitchFamily="2" charset="-127"/>
+            </a:endParaRPr>
+          </a:p>
+        </p:txBody>
+      </p:sp>
+      <p:sp>
+        <p:nvSpPr>
+          <p:cNvPr id="12" name="톱니 모양의 오른쪽 화살표[N] 41">
+            <a:extLst>
+              <a:ext uri="{FF2B5EF4-FFF2-40B4-BE49-F238E27FC236}">
+                <a16:creationId xmlns:a16="http://schemas.microsoft.com/office/drawing/2014/main" id="{0239317D-8C89-1B4C-BED3-ACC8BAA9B0FD}"/>
+              </a:ext>
+            </a:extLst>
+          </p:cNvPr>
+          <p:cNvSpPr/>
+          <p:nvPr/>
+        </p:nvSpPr>
+        <p:spPr>
+          <a:xfrm rot="5400000">
+            <a:off x="5951983" y="3226624"/>
+            <a:ext cx="288034" cy="180020"/>
+          </a:xfrm>
+          <a:prstGeom prst="notchedRightArrow">
+            <a:avLst/>
+          </a:prstGeom>
+          <a:solidFill>
+            <a:schemeClr val="tx1"/>
+          </a:solidFill>
+          <a:ln>
+            <a:solidFill>
+              <a:schemeClr val="tx1"/>
+            </a:solidFill>
+          </a:ln>
+        </p:spPr>
+        <p:style>
+          <a:lnRef idx="2">
+            <a:schemeClr val="accent1">
+              <a:shade val="50000"/>
+            </a:schemeClr>
+          </a:lnRef>
+          <a:fillRef idx="1">
+            <a:schemeClr val="accent1"/>
+          </a:fillRef>
+          <a:effectRef idx="0">
+            <a:schemeClr val="accent1"/>
+          </a:effectRef>
+          <a:fontRef idx="minor">
+            <a:schemeClr val="lt1"/>
+          </a:fontRef>
+        </p:style>
+        <p:txBody>
+          <a:bodyPr rtlCol="0" anchor="ctr"/>
+          <a:lstStyle/>
+          <a:p>
+            <a:pPr algn="ctr"/>
+            <a:endParaRPr kumimoji="1" lang="ko-KR" altLang="en-US" sz="1801"/>
+          </a:p>
+        </p:txBody>
+      </p:sp>
+      <p:sp>
+        <p:nvSpPr>
+          <p:cNvPr id="14" name="TextBox 13">
+            <a:extLst>
+              <a:ext uri="{FF2B5EF4-FFF2-40B4-BE49-F238E27FC236}">
+                <a16:creationId xmlns:a16="http://schemas.microsoft.com/office/drawing/2014/main" id="{F690132B-3A82-4846-B3F2-A145948AC477}"/>
+              </a:ext>
+            </a:extLst>
+          </p:cNvPr>
+          <p:cNvSpPr txBox="1"/>
+          <p:nvPr/>
+        </p:nvSpPr>
+        <p:spPr>
+          <a:xfrm>
+            <a:off x="4692411" y="3612090"/>
+            <a:ext cx="2807179" cy="523220"/>
+          </a:xfrm>
+          <a:prstGeom prst="rect">
+            <a:avLst/>
+          </a:prstGeom>
+          <a:noFill/>
+        </p:spPr>
+        <p:txBody>
+          <a:bodyPr wrap="none" rtlCol="0">
+            <a:spAutoFit/>
+          </a:bodyPr>
+          <a:lstStyle/>
+          <a:p>
+            <a:r>
+              <a:rPr kumimoji="1" lang="ko-KR" altLang="en-US" sz="2800" b="1" dirty="0">
+                <a:latin typeface="Nanum SeongSirCe" panose="02000503000000000000" pitchFamily="2" charset="-127"/>
+                <a:ea typeface="Nanum SeongSirCe" panose="02000503000000000000" pitchFamily="2" charset="-127"/>
+              </a:rPr>
+              <a:t>주 </a:t>
+            </a:r>
+            <a:r>
+              <a:rPr kumimoji="1" lang="en-US" altLang="ko-KR" sz="2800" b="1" dirty="0">
+                <a:latin typeface="Nanum SeongSirCe" panose="02000503000000000000" pitchFamily="2" charset="-127"/>
+                <a:ea typeface="Nanum SeongSirCe" panose="02000503000000000000" pitchFamily="2" charset="-127"/>
+              </a:rPr>
+              <a:t>1</a:t>
+            </a:r>
+            <a:r>
+              <a:rPr kumimoji="1" lang="ko-KR" altLang="en-US" sz="2800" b="1" dirty="0">
+                <a:latin typeface="Nanum SeongSirCe" panose="02000503000000000000" pitchFamily="2" charset="-127"/>
+                <a:ea typeface="Nanum SeongSirCe" panose="02000503000000000000" pitchFamily="2" charset="-127"/>
+              </a:rPr>
+              <a:t>회 이상 업로드 필요</a:t>
+            </a:r>
+            <a:r>
+              <a:rPr kumimoji="1" lang="en-US" altLang="ko-KR" sz="2800" b="1" dirty="0">
+                <a:latin typeface="Nanum SeongSirCe" panose="02000503000000000000" pitchFamily="2" charset="-127"/>
+                <a:ea typeface="Nanum SeongSirCe" panose="02000503000000000000" pitchFamily="2" charset="-127"/>
+              </a:rPr>
+              <a:t>!</a:t>
+            </a:r>
+            <a:endParaRPr kumimoji="1" lang="ko-Kore-KR" altLang="en-US" sz="2800" b="1" dirty="0">
+              <a:latin typeface="Nanum SeongSirCe" panose="02000503000000000000" pitchFamily="2" charset="-127"/>
+              <a:ea typeface="Nanum SeongSirCe" panose="02000503000000000000" pitchFamily="2" charset="-127"/>
+            </a:endParaRPr>
+          </a:p>
+        </p:txBody>
+      </p:sp>
+      <p:sp>
+        <p:nvSpPr>
+          <p:cNvPr id="15" name="톱니 모양의 오른쪽 화살표[N] 41">
+            <a:extLst>
+              <a:ext uri="{FF2B5EF4-FFF2-40B4-BE49-F238E27FC236}">
+                <a16:creationId xmlns:a16="http://schemas.microsoft.com/office/drawing/2014/main" id="{B45821BD-04B6-2A49-A60C-BF7BD0A62FCD}"/>
+              </a:ext>
+            </a:extLst>
+          </p:cNvPr>
+          <p:cNvSpPr/>
+          <p:nvPr/>
+        </p:nvSpPr>
+        <p:spPr>
+          <a:xfrm rot="5400000">
+            <a:off x="5951982" y="5015415"/>
+            <a:ext cx="288034" cy="180020"/>
+          </a:xfrm>
+          <a:prstGeom prst="notchedRightArrow">
+            <a:avLst/>
+          </a:prstGeom>
+          <a:solidFill>
+            <a:schemeClr val="tx1"/>
+          </a:solidFill>
+          <a:ln>
+            <a:solidFill>
+              <a:schemeClr val="tx1"/>
+            </a:solidFill>
+          </a:ln>
+        </p:spPr>
+        <p:style>
+          <a:lnRef idx="2">
+            <a:schemeClr val="accent1">
+              <a:shade val="50000"/>
+            </a:schemeClr>
+          </a:lnRef>
+          <a:fillRef idx="1">
+            <a:schemeClr val="accent1"/>
+          </a:fillRef>
+          <a:effectRef idx="0">
+            <a:schemeClr val="accent1"/>
+          </a:effectRef>
+          <a:fontRef idx="minor">
+            <a:schemeClr val="lt1"/>
+          </a:fontRef>
+        </p:style>
+        <p:txBody>
+          <a:bodyPr rtlCol="0" anchor="ctr"/>
+          <a:lstStyle/>
+          <a:p>
+            <a:pPr algn="ctr"/>
+            <a:endParaRPr kumimoji="1" lang="ko-KR" altLang="en-US" sz="1801"/>
+          </a:p>
+        </p:txBody>
+      </p:sp>
+      <p:sp>
+        <p:nvSpPr>
+          <p:cNvPr id="16" name="TextBox 15">
+            <a:extLst>
+              <a:ext uri="{FF2B5EF4-FFF2-40B4-BE49-F238E27FC236}">
+                <a16:creationId xmlns:a16="http://schemas.microsoft.com/office/drawing/2014/main" id="{82402007-F354-BA4F-B3B0-AAD3115A2E5D}"/>
+              </a:ext>
+            </a:extLst>
+          </p:cNvPr>
+          <p:cNvSpPr txBox="1"/>
+          <p:nvPr/>
+        </p:nvSpPr>
+        <p:spPr>
+          <a:xfrm>
+            <a:off x="4686800" y="5400880"/>
+            <a:ext cx="2818400" cy="523220"/>
+          </a:xfrm>
+          <a:prstGeom prst="rect">
+            <a:avLst/>
+          </a:prstGeom>
+          <a:noFill/>
+        </p:spPr>
+        <p:txBody>
+          <a:bodyPr wrap="none" rtlCol="0">
+            <a:spAutoFit/>
+          </a:bodyPr>
+          <a:lstStyle/>
+          <a:p>
+            <a:r>
+              <a:rPr kumimoji="1" lang="ko-KR" altLang="en-US" sz="2800" b="1" dirty="0">
+                <a:latin typeface="Nanum SeongSirCe" panose="02000503000000000000" pitchFamily="2" charset="-127"/>
+                <a:ea typeface="Nanum SeongSirCe" panose="02000503000000000000" pitchFamily="2" charset="-127"/>
+              </a:rPr>
+              <a:t>컨텐츠 영상 업로드 필요</a:t>
+            </a:r>
+            <a:r>
+              <a:rPr kumimoji="1" lang="en-US" altLang="ko-KR" sz="2800" b="1" dirty="0">
+                <a:latin typeface="Nanum SeongSirCe" panose="02000503000000000000" pitchFamily="2" charset="-127"/>
+                <a:ea typeface="Nanum SeongSirCe" panose="02000503000000000000" pitchFamily="2" charset="-127"/>
+              </a:rPr>
+              <a:t>!</a:t>
+            </a:r>
+            <a:endParaRPr kumimoji="1" lang="ko-Kore-KR" altLang="en-US" sz="2800" b="1" dirty="0">
+              <a:latin typeface="Nanum SeongSirCe" panose="02000503000000000000" pitchFamily="2" charset="-127"/>
+              <a:ea typeface="Nanum SeongSirCe" panose="02000503000000000000" pitchFamily="2" charset="-127"/>
+            </a:endParaRPr>
+          </a:p>
+        </p:txBody>
+      </p:sp>
+      <p:sp>
+        <p:nvSpPr>
+          <p:cNvPr id="17" name="TextBox 16">
+            <a:extLst>
+              <a:ext uri="{FF2B5EF4-FFF2-40B4-BE49-F238E27FC236}">
+                <a16:creationId xmlns:a16="http://schemas.microsoft.com/office/drawing/2014/main" id="{18E4605A-C22B-024F-ABB7-B81A8A9EC416}"/>
+              </a:ext>
+            </a:extLst>
+          </p:cNvPr>
+          <p:cNvSpPr txBox="1"/>
+          <p:nvPr/>
+        </p:nvSpPr>
+        <p:spPr>
+          <a:xfrm>
+            <a:off x="10142485" y="7953889"/>
+            <a:ext cx="5344733" cy="523220"/>
+          </a:xfrm>
+          <a:prstGeom prst="rect">
+            <a:avLst/>
+          </a:prstGeom>
+          <a:noFill/>
+        </p:spPr>
+        <p:txBody>
+          <a:bodyPr wrap="none" rtlCol="0">
+            <a:spAutoFit/>
+          </a:bodyPr>
+          <a:lstStyle/>
+          <a:p>
+            <a:pPr algn="ctr"/>
+            <a:r>
+              <a:rPr kumimoji="1" lang="ko-KR" altLang="en-US" sz="2800" b="1" dirty="0">
+                <a:latin typeface="Nanum SeongSirCe" panose="02000503000000000000" pitchFamily="2" charset="-127"/>
+                <a:ea typeface="Nanum SeongSirCe" panose="02000503000000000000" pitchFamily="2" charset="-127"/>
+              </a:rPr>
+              <a:t>주 </a:t>
+            </a:r>
+            <a:r>
+              <a:rPr kumimoji="1" lang="en-US" altLang="ko-KR" sz="2800" b="1" dirty="0">
+                <a:latin typeface="Nanum SeongSirCe" panose="02000503000000000000" pitchFamily="2" charset="-127"/>
+                <a:ea typeface="Nanum SeongSirCe" panose="02000503000000000000" pitchFamily="2" charset="-127"/>
+              </a:rPr>
+              <a:t>1</a:t>
+            </a:r>
+            <a:r>
+              <a:rPr kumimoji="1" lang="ko-KR" altLang="en-US" sz="2800" b="1" dirty="0">
+                <a:latin typeface="Nanum SeongSirCe" panose="02000503000000000000" pitchFamily="2" charset="-127"/>
+                <a:ea typeface="Nanum SeongSirCe" panose="02000503000000000000" pitchFamily="2" charset="-127"/>
+              </a:rPr>
+              <a:t>회 이상 제목에 컨텐츠를 포함한 영상 업로드</a:t>
+            </a:r>
+            <a:r>
+              <a:rPr kumimoji="1" lang="en-US" altLang="ko-KR" sz="2800" b="1" dirty="0">
+                <a:latin typeface="Nanum SeongSirCe" panose="02000503000000000000" pitchFamily="2" charset="-127"/>
+                <a:ea typeface="Nanum SeongSirCe" panose="02000503000000000000" pitchFamily="2" charset="-127"/>
+              </a:rPr>
+              <a:t>!</a:t>
+            </a:r>
+            <a:endParaRPr kumimoji="1" lang="ko-Kore-KR" altLang="en-US" sz="2800" b="1" dirty="0">
+              <a:latin typeface="Nanum SeongSirCe" panose="02000503000000000000" pitchFamily="2" charset="-127"/>
+              <a:ea typeface="Nanum SeongSirCe" panose="02000503000000000000" pitchFamily="2" charset="-127"/>
+            </a:endParaRPr>
+          </a:p>
+        </p:txBody>
+      </p:sp>
     </p:spTree>
     <p:extLst>
       <p:ext uri="{BB962C8B-B14F-4D97-AF65-F5344CB8AC3E}">
-        <p14:creationId xmlns:p14="http://schemas.microsoft.com/office/powerpoint/2010/main" val="1975328630"/>
+        <p14:creationId xmlns:p14="http://schemas.microsoft.com/office/powerpoint/2010/main" val="2703978703"/>
+      </p:ext>
+    </p:extLst>
+  </p:cSld>
+  <p:clrMapOvr>
+    <a:masterClrMapping/>
+  </p:clrMapOvr>
+  <p:timing>
+    <p:tnLst>
+      <p:par>
+        <p:cTn id="1" dur="indefinite" restart="never" nodeType="tmRoot">
+          <p:childTnLst>
+            <p:seq concurrent="1" nextAc="seek">
+              <p:cTn id="2" dur="indefinite" nodeType="mainSeq">
+                <p:childTnLst>
+                  <p:par>
+                    <p:cTn id="3" fill="hold">
+                      <p:stCondLst>
+                        <p:cond delay="indefinite"/>
+                      </p:stCondLst>
+                      <p:childTnLst>
+                        <p:par>
+                          <p:cTn id="4" fill="hold">
+                            <p:stCondLst>
+                              <p:cond delay="0"/>
+                            </p:stCondLst>
+                            <p:childTnLst>
+                              <p:par>
+                                <p:cTn id="5" presetID="1" presetClass="entr" presetSubtype="0" fill="hold" grpId="0" nodeType="clickEffect">
+                                  <p:stCondLst>
+                                    <p:cond delay="0"/>
+                                  </p:stCondLst>
+                                  <p:childTnLst>
+                                    <p:set>
+                                      <p:cBhvr>
+                                        <p:cTn id="6" dur="1" fill="hold">
+                                          <p:stCondLst>
+                                            <p:cond delay="0"/>
+                                          </p:stCondLst>
+                                        </p:cTn>
+                                        <p:tgtEl>
+                                          <p:spTgt spid="9"/>
+                                        </p:tgtEl>
+                                        <p:attrNameLst>
+                                          <p:attrName>style.visibility</p:attrName>
+                                        </p:attrNameLst>
+                                      </p:cBhvr>
+                                      <p:to>
+                                        <p:strVal val="visible"/>
+                                      </p:to>
+                                    </p:set>
+                                  </p:childTnLst>
+                                </p:cTn>
+                              </p:par>
+                            </p:childTnLst>
+                          </p:cTn>
+                        </p:par>
+                      </p:childTnLst>
+                    </p:cTn>
+                  </p:par>
+                  <p:par>
+                    <p:cTn id="7" fill="hold">
+                      <p:stCondLst>
+                        <p:cond delay="indefinite"/>
+                      </p:stCondLst>
+                      <p:childTnLst>
+                        <p:par>
+                          <p:cTn id="8" fill="hold">
+                            <p:stCondLst>
+                              <p:cond delay="0"/>
+                            </p:stCondLst>
+                            <p:childTnLst>
+                              <p:par>
+                                <p:cTn id="9" presetID="1" presetClass="entr" presetSubtype="0" fill="hold" grpId="0" nodeType="clickEffect">
+                                  <p:stCondLst>
+                                    <p:cond delay="0"/>
+                                  </p:stCondLst>
+                                  <p:childTnLst>
+                                    <p:set>
+                                      <p:cBhvr>
+                                        <p:cTn id="10" dur="1" fill="hold">
+                                          <p:stCondLst>
+                                            <p:cond delay="0"/>
+                                          </p:stCondLst>
+                                        </p:cTn>
+                                        <p:tgtEl>
+                                          <p:spTgt spid="12"/>
+                                        </p:tgtEl>
+                                        <p:attrNameLst>
+                                          <p:attrName>style.visibility</p:attrName>
+                                        </p:attrNameLst>
+                                      </p:cBhvr>
+                                      <p:to>
+                                        <p:strVal val="visible"/>
+                                      </p:to>
+                                    </p:set>
+                                  </p:childTnLst>
+                                </p:cTn>
+                              </p:par>
+                            </p:childTnLst>
+                          </p:cTn>
+                        </p:par>
+                      </p:childTnLst>
+                    </p:cTn>
+                  </p:par>
+                  <p:par>
+                    <p:cTn id="11" fill="hold">
+                      <p:stCondLst>
+                        <p:cond delay="indefinite"/>
+                      </p:stCondLst>
+                      <p:childTnLst>
+                        <p:par>
+                          <p:cTn id="12" fill="hold">
+                            <p:stCondLst>
+                              <p:cond delay="0"/>
+                            </p:stCondLst>
+                            <p:childTnLst>
+                              <p:par>
+                                <p:cTn id="13" presetID="1" presetClass="entr" presetSubtype="0" fill="hold" grpId="0" nodeType="clickEffect">
+                                  <p:stCondLst>
+                                    <p:cond delay="0"/>
+                                  </p:stCondLst>
+                                  <p:childTnLst>
+                                    <p:set>
+                                      <p:cBhvr>
+                                        <p:cTn id="14" dur="1" fill="hold">
+                                          <p:stCondLst>
+                                            <p:cond delay="0"/>
+                                          </p:stCondLst>
+                                        </p:cTn>
+                                        <p:tgtEl>
+                                          <p:spTgt spid="14"/>
+                                        </p:tgtEl>
+                                        <p:attrNameLst>
+                                          <p:attrName>style.visibility</p:attrName>
+                                        </p:attrNameLst>
+                                      </p:cBhvr>
+                                      <p:to>
+                                        <p:strVal val="visible"/>
+                                      </p:to>
+                                    </p:set>
+                                  </p:childTnLst>
+                                </p:cTn>
+                              </p:par>
+                            </p:childTnLst>
+                          </p:cTn>
+                        </p:par>
+                      </p:childTnLst>
+                    </p:cTn>
+                  </p:par>
+                  <p:par>
+                    <p:cTn id="15" fill="hold">
+                      <p:stCondLst>
+                        <p:cond delay="indefinite"/>
+                      </p:stCondLst>
+                      <p:childTnLst>
+                        <p:par>
+                          <p:cTn id="16" fill="hold">
+                            <p:stCondLst>
+                              <p:cond delay="0"/>
+                            </p:stCondLst>
+                            <p:childTnLst>
+                              <p:par>
+                                <p:cTn id="17" presetID="1" presetClass="entr" presetSubtype="0" fill="hold" grpId="0" nodeType="clickEffect">
+                                  <p:stCondLst>
+                                    <p:cond delay="0"/>
+                                  </p:stCondLst>
+                                  <p:childTnLst>
+                                    <p:set>
+                                      <p:cBhvr>
+                                        <p:cTn id="18" dur="1" fill="hold">
+                                          <p:stCondLst>
+                                            <p:cond delay="0"/>
+                                          </p:stCondLst>
+                                        </p:cTn>
+                                        <p:tgtEl>
+                                          <p:spTgt spid="11"/>
+                                        </p:tgtEl>
+                                        <p:attrNameLst>
+                                          <p:attrName>style.visibility</p:attrName>
+                                        </p:attrNameLst>
+                                      </p:cBhvr>
+                                      <p:to>
+                                        <p:strVal val="visible"/>
+                                      </p:to>
+                                    </p:set>
+                                  </p:childTnLst>
+                                </p:cTn>
+                              </p:par>
+                            </p:childTnLst>
+                          </p:cTn>
+                        </p:par>
+                      </p:childTnLst>
+                    </p:cTn>
+                  </p:par>
+                  <p:par>
+                    <p:cTn id="19" fill="hold">
+                      <p:stCondLst>
+                        <p:cond delay="indefinite"/>
+                      </p:stCondLst>
+                      <p:childTnLst>
+                        <p:par>
+                          <p:cTn id="20" fill="hold">
+                            <p:stCondLst>
+                              <p:cond delay="0"/>
+                            </p:stCondLst>
+                            <p:childTnLst>
+                              <p:par>
+                                <p:cTn id="21" presetID="1" presetClass="entr" presetSubtype="0" fill="hold" grpId="0" nodeType="clickEffect">
+                                  <p:stCondLst>
+                                    <p:cond delay="0"/>
+                                  </p:stCondLst>
+                                  <p:childTnLst>
+                                    <p:set>
+                                      <p:cBhvr>
+                                        <p:cTn id="22" dur="1" fill="hold">
+                                          <p:stCondLst>
+                                            <p:cond delay="0"/>
+                                          </p:stCondLst>
+                                        </p:cTn>
+                                        <p:tgtEl>
+                                          <p:spTgt spid="15"/>
+                                        </p:tgtEl>
+                                        <p:attrNameLst>
+                                          <p:attrName>style.visibility</p:attrName>
+                                        </p:attrNameLst>
+                                      </p:cBhvr>
+                                      <p:to>
+                                        <p:strVal val="visible"/>
+                                      </p:to>
+                                    </p:set>
+                                  </p:childTnLst>
+                                </p:cTn>
+                              </p:par>
+                            </p:childTnLst>
+                          </p:cTn>
+                        </p:par>
+                      </p:childTnLst>
+                    </p:cTn>
+                  </p:par>
+                  <p:par>
+                    <p:cTn id="23" fill="hold">
+                      <p:stCondLst>
+                        <p:cond delay="indefinite"/>
+                      </p:stCondLst>
+                      <p:childTnLst>
+                        <p:par>
+                          <p:cTn id="24" fill="hold">
+                            <p:stCondLst>
+                              <p:cond delay="0"/>
+                            </p:stCondLst>
+                            <p:childTnLst>
+                              <p:par>
+                                <p:cTn id="25" presetID="1" presetClass="entr" presetSubtype="0" fill="hold" grpId="0" nodeType="clickEffect">
+                                  <p:stCondLst>
+                                    <p:cond delay="0"/>
+                                  </p:stCondLst>
+                                  <p:childTnLst>
+                                    <p:set>
+                                      <p:cBhvr>
+                                        <p:cTn id="26" dur="1" fill="hold">
+                                          <p:stCondLst>
+                                            <p:cond delay="0"/>
+                                          </p:stCondLst>
+                                        </p:cTn>
+                                        <p:tgtEl>
+                                          <p:spTgt spid="16"/>
+                                        </p:tgtEl>
+                                        <p:attrNameLst>
+                                          <p:attrName>style.visibility</p:attrName>
+                                        </p:attrNameLst>
+                                      </p:cBhvr>
+                                      <p:to>
+                                        <p:strVal val="visible"/>
+                                      </p:to>
+                                    </p:set>
+                                  </p:childTnLst>
+                                </p:cTn>
+                              </p:par>
+                            </p:childTnLst>
+                          </p:cTn>
+                        </p:par>
+                      </p:childTnLst>
+                    </p:cTn>
+                  </p:par>
+                  <p:par>
+                    <p:cTn id="27" fill="hold">
+                      <p:stCondLst>
+                        <p:cond delay="indefinite"/>
+                      </p:stCondLst>
+                      <p:childTnLst>
+                        <p:par>
+                          <p:cTn id="28" fill="hold">
+                            <p:stCondLst>
+                              <p:cond delay="0"/>
+                            </p:stCondLst>
+                            <p:childTnLst>
+                              <p:par>
+                                <p:cTn id="29" presetID="1" presetClass="exit" presetSubtype="0" fill="hold" grpId="1" nodeType="clickEffect">
+                                  <p:stCondLst>
+                                    <p:cond delay="0"/>
+                                  </p:stCondLst>
+                                  <p:childTnLst>
+                                    <p:set>
+                                      <p:cBhvr>
+                                        <p:cTn id="30" dur="1" fill="hold">
+                                          <p:stCondLst>
+                                            <p:cond delay="0"/>
+                                          </p:stCondLst>
+                                        </p:cTn>
+                                        <p:tgtEl>
+                                          <p:spTgt spid="9"/>
+                                        </p:tgtEl>
+                                        <p:attrNameLst>
+                                          <p:attrName>style.visibility</p:attrName>
+                                        </p:attrNameLst>
+                                      </p:cBhvr>
+                                      <p:to>
+                                        <p:strVal val="hidden"/>
+                                      </p:to>
+                                    </p:set>
+                                  </p:childTnLst>
+                                </p:cTn>
+                              </p:par>
+                              <p:par>
+                                <p:cTn id="31" presetID="1" presetClass="exit" presetSubtype="0" fill="hold" grpId="1" nodeType="withEffect">
+                                  <p:stCondLst>
+                                    <p:cond delay="0"/>
+                                  </p:stCondLst>
+                                  <p:childTnLst>
+                                    <p:set>
+                                      <p:cBhvr>
+                                        <p:cTn id="32" dur="1" fill="hold">
+                                          <p:stCondLst>
+                                            <p:cond delay="0"/>
+                                          </p:stCondLst>
+                                        </p:cTn>
+                                        <p:tgtEl>
+                                          <p:spTgt spid="11"/>
+                                        </p:tgtEl>
+                                        <p:attrNameLst>
+                                          <p:attrName>style.visibility</p:attrName>
+                                        </p:attrNameLst>
+                                      </p:cBhvr>
+                                      <p:to>
+                                        <p:strVal val="hidden"/>
+                                      </p:to>
+                                    </p:set>
+                                  </p:childTnLst>
+                                </p:cTn>
+                              </p:par>
+                              <p:par>
+                                <p:cTn id="33" presetID="1" presetClass="exit" presetSubtype="0" fill="hold" grpId="1" nodeType="withEffect">
+                                  <p:stCondLst>
+                                    <p:cond delay="0"/>
+                                  </p:stCondLst>
+                                  <p:childTnLst>
+                                    <p:set>
+                                      <p:cBhvr>
+                                        <p:cTn id="34" dur="1" fill="hold">
+                                          <p:stCondLst>
+                                            <p:cond delay="0"/>
+                                          </p:stCondLst>
+                                        </p:cTn>
+                                        <p:tgtEl>
+                                          <p:spTgt spid="12"/>
+                                        </p:tgtEl>
+                                        <p:attrNameLst>
+                                          <p:attrName>style.visibility</p:attrName>
+                                        </p:attrNameLst>
+                                      </p:cBhvr>
+                                      <p:to>
+                                        <p:strVal val="hidden"/>
+                                      </p:to>
+                                    </p:set>
+                                  </p:childTnLst>
+                                </p:cTn>
+                              </p:par>
+                              <p:par>
+                                <p:cTn id="35" presetID="1" presetClass="exit" presetSubtype="0" fill="hold" grpId="1" nodeType="withEffect">
+                                  <p:stCondLst>
+                                    <p:cond delay="0"/>
+                                  </p:stCondLst>
+                                  <p:childTnLst>
+                                    <p:set>
+                                      <p:cBhvr>
+                                        <p:cTn id="36" dur="1" fill="hold">
+                                          <p:stCondLst>
+                                            <p:cond delay="0"/>
+                                          </p:stCondLst>
+                                        </p:cTn>
+                                        <p:tgtEl>
+                                          <p:spTgt spid="14"/>
+                                        </p:tgtEl>
+                                        <p:attrNameLst>
+                                          <p:attrName>style.visibility</p:attrName>
+                                        </p:attrNameLst>
+                                      </p:cBhvr>
+                                      <p:to>
+                                        <p:strVal val="hidden"/>
+                                      </p:to>
+                                    </p:set>
+                                  </p:childTnLst>
+                                </p:cTn>
+                              </p:par>
+                              <p:par>
+                                <p:cTn id="37" presetID="1" presetClass="exit" presetSubtype="0" fill="hold" grpId="1" nodeType="withEffect">
+                                  <p:stCondLst>
+                                    <p:cond delay="0"/>
+                                  </p:stCondLst>
+                                  <p:childTnLst>
+                                    <p:set>
+                                      <p:cBhvr>
+                                        <p:cTn id="38" dur="1" fill="hold">
+                                          <p:stCondLst>
+                                            <p:cond delay="0"/>
+                                          </p:stCondLst>
+                                        </p:cTn>
+                                        <p:tgtEl>
+                                          <p:spTgt spid="15"/>
+                                        </p:tgtEl>
+                                        <p:attrNameLst>
+                                          <p:attrName>style.visibility</p:attrName>
+                                        </p:attrNameLst>
+                                      </p:cBhvr>
+                                      <p:to>
+                                        <p:strVal val="hidden"/>
+                                      </p:to>
+                                    </p:set>
+                                  </p:childTnLst>
+                                </p:cTn>
+                              </p:par>
+                              <p:par>
+                                <p:cTn id="39" presetID="1" presetClass="exit" presetSubtype="0" fill="hold" grpId="1" nodeType="withEffect">
+                                  <p:stCondLst>
+                                    <p:cond delay="0"/>
+                                  </p:stCondLst>
+                                  <p:childTnLst>
+                                    <p:set>
+                                      <p:cBhvr>
+                                        <p:cTn id="40" dur="1" fill="hold">
+                                          <p:stCondLst>
+                                            <p:cond delay="0"/>
+                                          </p:stCondLst>
+                                        </p:cTn>
+                                        <p:tgtEl>
+                                          <p:spTgt spid="16"/>
+                                        </p:tgtEl>
+                                        <p:attrNameLst>
+                                          <p:attrName>style.visibility</p:attrName>
+                                        </p:attrNameLst>
+                                      </p:cBhvr>
+                                      <p:to>
+                                        <p:strVal val="hidden"/>
+                                      </p:to>
+                                    </p:set>
+                                  </p:childTnLst>
+                                </p:cTn>
+                              </p:par>
+                            </p:childTnLst>
+                          </p:cTn>
+                        </p:par>
+                      </p:childTnLst>
+                    </p:cTn>
+                  </p:par>
+                  <p:par>
+                    <p:cTn id="41" fill="hold">
+                      <p:stCondLst>
+                        <p:cond delay="indefinite"/>
+                      </p:stCondLst>
+                      <p:childTnLst>
+                        <p:par>
+                          <p:cTn id="42" fill="hold">
+                            <p:stCondLst>
+                              <p:cond delay="0"/>
+                            </p:stCondLst>
+                            <p:childTnLst>
+                              <p:par>
+                                <p:cTn id="43" presetID="0" presetClass="path" presetSubtype="0" accel="50000" decel="50000" fill="hold" grpId="0" nodeType="clickEffect">
+                                  <p:stCondLst>
+                                    <p:cond delay="0"/>
+                                  </p:stCondLst>
+                                  <p:childTnLst>
+                                    <p:animMotion origin="layout" path="M -1.66667E-6 3.33333E-6 L -0.55846 -0.63843 " pathEditMode="relative" rAng="0" ptsTypes="AA">
+                                      <p:cBhvr>
+                                        <p:cTn id="44" dur="1000" fill="hold"/>
+                                        <p:tgtEl>
+                                          <p:spTgt spid="17"/>
+                                        </p:tgtEl>
+                                        <p:attrNameLst>
+                                          <p:attrName>ppt_x</p:attrName>
+                                          <p:attrName>ppt_y</p:attrName>
+                                        </p:attrNameLst>
+                                      </p:cBhvr>
+                                      <p:rCtr x="-27930" y="-31921"/>
+                                    </p:animMotion>
+                                  </p:childTnLst>
+                                </p:cTn>
+                              </p:par>
+                            </p:childTnLst>
+                          </p:cTn>
+                        </p:par>
+                      </p:childTnLst>
+                    </p:cTn>
+                  </p:par>
+                </p:childTnLst>
+              </p:cTn>
+              <p:prevCondLst>
+                <p:cond evt="onPrev" delay="0">
+                  <p:tgtEl>
+                    <p:sldTgt/>
+                  </p:tgtEl>
+                </p:cond>
+              </p:prevCondLst>
+              <p:nextCondLst>
+                <p:cond evt="onNext" delay="0">
+                  <p:tgtEl>
+                    <p:sldTgt/>
+                  </p:tgtEl>
+                </p:cond>
+              </p:nextCondLst>
+            </p:seq>
+          </p:childTnLst>
+        </p:cTn>
+      </p:par>
+    </p:tnLst>
+    <p:bldLst>
+      <p:bldP spid="9" grpId="0"/>
+      <p:bldP spid="9" grpId="1"/>
+      <p:bldP spid="11" grpId="0"/>
+      <p:bldP spid="11" grpId="1"/>
+      <p:bldP spid="12" grpId="0" animBg="1"/>
+      <p:bldP spid="12" grpId="1" animBg="1"/>
+      <p:bldP spid="14" grpId="0"/>
+      <p:bldP spid="14" grpId="1"/>
+      <p:bldP spid="15" grpId="0" animBg="1"/>
+      <p:bldP spid="15" grpId="1" animBg="1"/>
+      <p:bldP spid="16" grpId="0"/>
+      <p:bldP spid="16" grpId="1"/>
+      <p:bldP spid="17" grpId="0"/>
+    </p:bldLst>
+  </p:timing>
+</p:sld>
+</file>
+
+<file path=ppt/slides/slide23.xml><?xml version="1.0" encoding="utf-8"?>
+<p:sld xmlns:a="http://schemas.openxmlformats.org/drawingml/2006/main" xmlns:r="http://schemas.openxmlformats.org/officeDocument/2006/relationships" xmlns:p="http://schemas.openxmlformats.org/presentationml/2006/main">
+  <p:cSld>
+    <p:spTree>
+      <p:nvGrpSpPr>
+        <p:cNvPr id="1" name=""/>
+        <p:cNvGrpSpPr/>
+        <p:nvPr/>
+      </p:nvGrpSpPr>
+      <p:grpSpPr>
+        <a:xfrm>
+          <a:off x="0" y="0"/>
+          <a:ext cx="0" cy="0"/>
+          <a:chOff x="0" y="0"/>
+          <a:chExt cx="0" cy="0"/>
+        </a:xfrm>
+      </p:grpSpPr>
+      <p:sp>
+        <p:nvSpPr>
+          <p:cNvPr id="2" name="TextBox 1">
+            <a:extLst>
+              <a:ext uri="{FF2B5EF4-FFF2-40B4-BE49-F238E27FC236}">
+                <a16:creationId xmlns:a16="http://schemas.microsoft.com/office/drawing/2014/main" id="{69AEA979-0E62-DD45-887E-0FDEE1D4DEAA}"/>
+              </a:ext>
+            </a:extLst>
+          </p:cNvPr>
+          <p:cNvSpPr txBox="1"/>
+          <p:nvPr/>
+        </p:nvSpPr>
+        <p:spPr>
+          <a:xfrm>
+            <a:off x="683173" y="567561"/>
+            <a:ext cx="636713" cy="369460"/>
+          </a:xfrm>
+          <a:prstGeom prst="rect">
+            <a:avLst/>
+          </a:prstGeom>
+          <a:noFill/>
+        </p:spPr>
+        <p:txBody>
+          <a:bodyPr wrap="none" rtlCol="0">
+            <a:spAutoFit/>
+          </a:bodyPr>
+          <a:lstStyle/>
+          <a:p>
+            <a:r>
+              <a:rPr kumimoji="1" lang="ko-KR" altLang="en-US" sz="1801" b="1" dirty="0">
+                <a:latin typeface="Nanum SeongSirCe" panose="02000503000000000000" pitchFamily="2" charset="-127"/>
+                <a:ea typeface="Nanum SeongSirCe" panose="02000503000000000000" pitchFamily="2" charset="-127"/>
+              </a:rPr>
+              <a:t>솔루션</a:t>
+            </a:r>
+            <a:endParaRPr kumimoji="1" lang="ko-Kore-KR" altLang="en-US" sz="1801" b="1" dirty="0">
+              <a:latin typeface="Nanum SeongSirCe" panose="02000503000000000000" pitchFamily="2" charset="-127"/>
+              <a:ea typeface="Nanum SeongSirCe" panose="02000503000000000000" pitchFamily="2" charset="-127"/>
+            </a:endParaRPr>
+          </a:p>
+        </p:txBody>
+      </p:sp>
+      <p:sp>
+        <p:nvSpPr>
+          <p:cNvPr id="3" name="TextBox 2">
+            <a:extLst>
+              <a:ext uri="{FF2B5EF4-FFF2-40B4-BE49-F238E27FC236}">
+                <a16:creationId xmlns:a16="http://schemas.microsoft.com/office/drawing/2014/main" id="{103ED0F9-1B59-C641-AACC-CB2409DAE4F8}"/>
+              </a:ext>
+            </a:extLst>
+          </p:cNvPr>
+          <p:cNvSpPr txBox="1"/>
+          <p:nvPr/>
+        </p:nvSpPr>
+        <p:spPr>
+          <a:xfrm>
+            <a:off x="8776140" y="567562"/>
+            <a:ext cx="2732690" cy="369460"/>
+          </a:xfrm>
+          <a:prstGeom prst="rect">
+            <a:avLst/>
+          </a:prstGeom>
+          <a:noFill/>
+        </p:spPr>
+        <p:txBody>
+          <a:bodyPr wrap="square" rtlCol="0">
+            <a:spAutoFit/>
+          </a:bodyPr>
+          <a:lstStyle/>
+          <a:p>
+            <a:pPr algn="r"/>
+            <a:r>
+              <a:rPr kumimoji="1" lang="ko-KR" altLang="en-US" sz="1801" b="1" dirty="0" err="1">
+                <a:latin typeface="Nanum SeongSirCe" panose="02000503000000000000" pitchFamily="2" charset="-127"/>
+                <a:ea typeface="Nanum SeongSirCe" panose="02000503000000000000" pitchFamily="2" charset="-127"/>
+              </a:rPr>
+              <a:t>경돼</a:t>
+            </a:r>
+            <a:r>
+              <a:rPr kumimoji="1" lang="en-US" altLang="ko-KR" sz="1801" b="1" dirty="0">
+                <a:latin typeface="Nanum SeongSirCe" panose="02000503000000000000" pitchFamily="2" charset="-127"/>
+                <a:ea typeface="Nanum SeongSirCe" panose="02000503000000000000" pitchFamily="2" charset="-127"/>
+              </a:rPr>
+              <a:t>TV X Data Literacy</a:t>
+            </a:r>
+            <a:endParaRPr kumimoji="1" lang="ko-Kore-KR" altLang="en-US" sz="1801" b="1" dirty="0">
+              <a:latin typeface="Nanum SeongSirCe" panose="02000503000000000000" pitchFamily="2" charset="-127"/>
+              <a:ea typeface="Nanum SeongSirCe" panose="02000503000000000000" pitchFamily="2" charset="-127"/>
+            </a:endParaRPr>
+          </a:p>
+        </p:txBody>
+      </p:sp>
+      <p:grpSp>
+        <p:nvGrpSpPr>
+          <p:cNvPr id="10" name="그룹 9">
+            <a:extLst>
+              <a:ext uri="{FF2B5EF4-FFF2-40B4-BE49-F238E27FC236}">
+                <a16:creationId xmlns:a16="http://schemas.microsoft.com/office/drawing/2014/main" id="{6B718B83-4A99-8144-9C1A-F9CDBC1BC8AB}"/>
+              </a:ext>
+            </a:extLst>
+          </p:cNvPr>
+          <p:cNvGrpSpPr/>
+          <p:nvPr/>
+        </p:nvGrpSpPr>
+        <p:grpSpPr>
+          <a:xfrm>
+            <a:off x="5555940" y="399400"/>
+            <a:ext cx="1080121" cy="936105"/>
+            <a:chOff x="5425343" y="399400"/>
+            <a:chExt cx="1080120" cy="936104"/>
+          </a:xfrm>
+        </p:grpSpPr>
+        <p:sp>
+          <p:nvSpPr>
+            <p:cNvPr id="4" name="타원 3">
+              <a:extLst>
+                <a:ext uri="{FF2B5EF4-FFF2-40B4-BE49-F238E27FC236}">
+                  <a16:creationId xmlns:a16="http://schemas.microsoft.com/office/drawing/2014/main" id="{69503F5B-5964-9148-A6EE-CE129EB4FD59}"/>
+                </a:ext>
+              </a:extLst>
+            </p:cNvPr>
+            <p:cNvSpPr/>
+            <p:nvPr/>
+          </p:nvSpPr>
+          <p:spPr>
+            <a:xfrm>
+              <a:off x="5497351" y="399400"/>
+              <a:ext cx="936104" cy="936104"/>
+            </a:xfrm>
+            <a:prstGeom prst="ellipse">
+              <a:avLst/>
+            </a:prstGeom>
+            <a:solidFill>
+              <a:schemeClr val="bg1"/>
+            </a:solidFill>
+            <a:ln>
+              <a:noFill/>
+            </a:ln>
+          </p:spPr>
+          <p:style>
+            <a:lnRef idx="2">
+              <a:schemeClr val="accent1">
+                <a:shade val="50000"/>
+              </a:schemeClr>
+            </a:lnRef>
+            <a:fillRef idx="1">
+              <a:schemeClr val="accent1"/>
+            </a:fillRef>
+            <a:effectRef idx="0">
+              <a:schemeClr val="accent1"/>
+            </a:effectRef>
+            <a:fontRef idx="minor">
+              <a:schemeClr val="lt1"/>
+            </a:fontRef>
+          </p:style>
+          <p:txBody>
+            <a:bodyPr rtlCol="0" anchor="ctr"/>
+            <a:lstStyle/>
+            <a:p>
+              <a:pPr algn="ctr"/>
+              <a:endParaRPr lang="ko-KR" altLang="en-US" sz="1801">
+                <a:latin typeface="Nanum SeongSirCe" panose="02000503000000000000" pitchFamily="2" charset="-127"/>
+                <a:ea typeface="Nanum SeongSirCe" panose="02000503000000000000" pitchFamily="2" charset="-127"/>
+              </a:endParaRPr>
+            </a:p>
+          </p:txBody>
+        </p:sp>
+        <p:sp>
+          <p:nvSpPr>
+            <p:cNvPr id="5" name="TextBox 4">
+              <a:extLst>
+                <a:ext uri="{FF2B5EF4-FFF2-40B4-BE49-F238E27FC236}">
+                  <a16:creationId xmlns:a16="http://schemas.microsoft.com/office/drawing/2014/main" id="{6B1BF8DE-D704-6045-9CE9-8A0DD8BF6328}"/>
+                </a:ext>
+              </a:extLst>
+            </p:cNvPr>
+            <p:cNvSpPr txBox="1"/>
+            <p:nvPr/>
+          </p:nvSpPr>
+          <p:spPr>
+            <a:xfrm>
+              <a:off x="5425343" y="636620"/>
+              <a:ext cx="1080120" cy="461665"/>
+            </a:xfrm>
+            <a:prstGeom prst="rect">
+              <a:avLst/>
+            </a:prstGeom>
+            <a:noFill/>
+          </p:spPr>
+          <p:txBody>
+            <a:bodyPr wrap="square" rtlCol="0">
+              <a:spAutoFit/>
+            </a:bodyPr>
+            <a:lstStyle/>
+            <a:p>
+              <a:pPr algn="ctr"/>
+              <a:r>
+                <a:rPr lang="en-US" altLang="ko-KR" sz="2400" b="1" dirty="0">
+                  <a:latin typeface="Nanum SeongSirCe" panose="02000503000000000000" pitchFamily="2" charset="-127"/>
+                  <a:ea typeface="Nanum SeongSirCe" panose="02000503000000000000" pitchFamily="2" charset="-127"/>
+                </a:rPr>
+                <a:t>03</a:t>
+              </a:r>
+              <a:endParaRPr lang="ko-KR" altLang="en-US" sz="2400" b="1" dirty="0">
+                <a:latin typeface="Nanum SeongSirCe" panose="02000503000000000000" pitchFamily="2" charset="-127"/>
+                <a:ea typeface="Nanum SeongSirCe" panose="02000503000000000000" pitchFamily="2" charset="-127"/>
+              </a:endParaRPr>
+            </a:p>
+          </p:txBody>
+        </p:sp>
+      </p:grpSp>
+      <p:sp>
+        <p:nvSpPr>
+          <p:cNvPr id="13" name="TextBox 12">
+            <a:extLst>
+              <a:ext uri="{FF2B5EF4-FFF2-40B4-BE49-F238E27FC236}">
+                <a16:creationId xmlns:a16="http://schemas.microsoft.com/office/drawing/2014/main" id="{06917B87-0FC0-5549-8EAF-DA74E7440306}"/>
+              </a:ext>
+            </a:extLst>
+          </p:cNvPr>
+          <p:cNvSpPr txBox="1"/>
+          <p:nvPr/>
+        </p:nvSpPr>
+        <p:spPr>
+          <a:xfrm>
+            <a:off x="4403813" y="1541191"/>
+            <a:ext cx="3384374" cy="400110"/>
+          </a:xfrm>
+          <a:prstGeom prst="rect">
+            <a:avLst/>
+          </a:prstGeom>
+          <a:noFill/>
+        </p:spPr>
+        <p:txBody>
+          <a:bodyPr wrap="square" rtlCol="0">
+            <a:spAutoFit/>
+          </a:bodyPr>
+          <a:lstStyle/>
+          <a:p>
+            <a:pPr algn="ctr"/>
+            <a:r>
+              <a:rPr lang="en-US" altLang="ko-KR" sz="2000" b="1" dirty="0">
+                <a:latin typeface="Nanum SeongSirCe" panose="02000503000000000000" pitchFamily="2" charset="-127"/>
+                <a:ea typeface="Nanum SeongSirCe" panose="02000503000000000000" pitchFamily="2" charset="-127"/>
+              </a:rPr>
+              <a:t>[</a:t>
+            </a:r>
+            <a:r>
+              <a:rPr lang="ko-KR" altLang="en-US" sz="2000" b="1" dirty="0">
+                <a:latin typeface="Nanum SeongSirCe" panose="02000503000000000000" pitchFamily="2" charset="-127"/>
+                <a:ea typeface="Nanum SeongSirCe" panose="02000503000000000000" pitchFamily="2" charset="-127"/>
+              </a:rPr>
+              <a:t> 솔루션 </a:t>
+            </a:r>
+            <a:r>
+              <a:rPr lang="en-US" altLang="ko-KR" sz="2000" b="1" dirty="0">
+                <a:latin typeface="Nanum SeongSirCe" panose="02000503000000000000" pitchFamily="2" charset="-127"/>
+                <a:ea typeface="Nanum SeongSirCe" panose="02000503000000000000" pitchFamily="2" charset="-127"/>
+              </a:rPr>
+              <a:t>]</a:t>
+            </a:r>
+            <a:endParaRPr lang="ko-KR" altLang="en-US" sz="2000" b="1" dirty="0">
+              <a:latin typeface="Nanum SeongSirCe" panose="02000503000000000000" pitchFamily="2" charset="-127"/>
+              <a:ea typeface="Nanum SeongSirCe" panose="02000503000000000000" pitchFamily="2" charset="-127"/>
+            </a:endParaRPr>
+          </a:p>
+        </p:txBody>
+      </p:sp>
+      <p:sp>
+        <p:nvSpPr>
+          <p:cNvPr id="9" name="TextBox 8">
+            <a:extLst>
+              <a:ext uri="{FF2B5EF4-FFF2-40B4-BE49-F238E27FC236}">
+                <a16:creationId xmlns:a16="http://schemas.microsoft.com/office/drawing/2014/main" id="{A6CD36E7-C895-FF4E-B231-213BD3B5F00E}"/>
+              </a:ext>
+            </a:extLst>
+          </p:cNvPr>
+          <p:cNvSpPr txBox="1"/>
+          <p:nvPr/>
+        </p:nvSpPr>
+        <p:spPr>
+          <a:xfrm>
+            <a:off x="3191198" y="2438583"/>
+            <a:ext cx="5809604" cy="523220"/>
+          </a:xfrm>
+          <a:prstGeom prst="rect">
+            <a:avLst/>
+          </a:prstGeom>
+          <a:noFill/>
+        </p:spPr>
+        <p:txBody>
+          <a:bodyPr wrap="none" rtlCol="0">
+            <a:spAutoFit/>
+          </a:bodyPr>
+          <a:lstStyle/>
+          <a:p>
+            <a:r>
+              <a:rPr kumimoji="1" lang="ko-Kore-KR" altLang="en-US" sz="2800" b="1" dirty="0">
+                <a:latin typeface="Nanum SeongSirCe" panose="02000503000000000000" pitchFamily="2" charset="-127"/>
+                <a:ea typeface="Nanum SeongSirCe" panose="02000503000000000000" pitchFamily="2" charset="-127"/>
+                <a:hlinkClick r:id="rId2"/>
+              </a:rPr>
+              <a:t>유튜브</a:t>
+            </a:r>
+            <a:r>
+              <a:rPr kumimoji="1" lang="ko-KR" altLang="en-US" sz="2800" b="1" dirty="0">
+                <a:latin typeface="Nanum SeongSirCe" panose="02000503000000000000" pitchFamily="2" charset="-127"/>
+                <a:ea typeface="Nanum SeongSirCe" panose="02000503000000000000" pitchFamily="2" charset="-127"/>
+                <a:hlinkClick r:id="rId2"/>
+              </a:rPr>
+              <a:t> 시청 </a:t>
+            </a:r>
+            <a:r>
+              <a:rPr kumimoji="1" lang="en-US" altLang="ko-KR" sz="2800" b="1" dirty="0">
+                <a:latin typeface="Nanum SeongSirCe" panose="02000503000000000000" pitchFamily="2" charset="-127"/>
+                <a:ea typeface="Nanum SeongSirCe" panose="02000503000000000000" pitchFamily="2" charset="-127"/>
+                <a:hlinkClick r:id="rId2"/>
+              </a:rPr>
+              <a:t>Retention</a:t>
+            </a:r>
+            <a:r>
+              <a:rPr kumimoji="1" lang="ko-KR" altLang="en-US" sz="2800" b="1" dirty="0">
+                <a:latin typeface="Nanum SeongSirCe" panose="02000503000000000000" pitchFamily="2" charset="-127"/>
+                <a:ea typeface="Nanum SeongSirCe" panose="02000503000000000000" pitchFamily="2" charset="-127"/>
+                <a:hlinkClick r:id="rId2"/>
+              </a:rPr>
+              <a:t>을 늘리기 위한 </a:t>
+            </a:r>
+            <a:r>
+              <a:rPr kumimoji="1" lang="en-US" altLang="ko-KR" sz="2800" b="1" dirty="0">
+                <a:latin typeface="Nanum SeongSirCe" panose="02000503000000000000" pitchFamily="2" charset="-127"/>
+                <a:ea typeface="Nanum SeongSirCe" panose="02000503000000000000" pitchFamily="2" charset="-127"/>
+                <a:hlinkClick r:id="rId2"/>
+              </a:rPr>
+              <a:t>9</a:t>
+            </a:r>
+            <a:r>
+              <a:rPr kumimoji="1" lang="ko-KR" altLang="en-US" sz="2800" b="1" dirty="0">
+                <a:latin typeface="Nanum SeongSirCe" panose="02000503000000000000" pitchFamily="2" charset="-127"/>
+                <a:ea typeface="Nanum SeongSirCe" panose="02000503000000000000" pitchFamily="2" charset="-127"/>
+                <a:hlinkClick r:id="rId2"/>
+              </a:rPr>
+              <a:t>가지 방법</a:t>
+            </a:r>
+            <a:endParaRPr kumimoji="1" lang="ko-Kore-KR" altLang="en-US" sz="2800" b="1" dirty="0">
+              <a:latin typeface="Nanum SeongSirCe" panose="02000503000000000000" pitchFamily="2" charset="-127"/>
+              <a:ea typeface="Nanum SeongSirCe" panose="02000503000000000000" pitchFamily="2" charset="-127"/>
+            </a:endParaRPr>
+          </a:p>
+        </p:txBody>
+      </p:sp>
+      <p:sp>
+        <p:nvSpPr>
+          <p:cNvPr id="17" name="TextBox 16">
+            <a:extLst>
+              <a:ext uri="{FF2B5EF4-FFF2-40B4-BE49-F238E27FC236}">
+                <a16:creationId xmlns:a16="http://schemas.microsoft.com/office/drawing/2014/main" id="{7DC915AB-FF62-A440-991B-021433D42E37}"/>
+              </a:ext>
+            </a:extLst>
+          </p:cNvPr>
+          <p:cNvSpPr txBox="1"/>
+          <p:nvPr/>
+        </p:nvSpPr>
+        <p:spPr>
+          <a:xfrm>
+            <a:off x="2423851" y="3428018"/>
+            <a:ext cx="2826415" cy="461665"/>
+          </a:xfrm>
+          <a:prstGeom prst="rect">
+            <a:avLst/>
+          </a:prstGeom>
+          <a:noFill/>
+        </p:spPr>
+        <p:txBody>
+          <a:bodyPr wrap="none" rtlCol="0">
+            <a:spAutoFit/>
+          </a:bodyPr>
+          <a:lstStyle/>
+          <a:p>
+            <a:r>
+              <a:rPr kumimoji="1" lang="ko-Kore-KR" altLang="en-US" sz="2400" b="1" dirty="0">
+                <a:latin typeface="Nanum SeongSirCe" panose="02000503000000000000" pitchFamily="2" charset="-127"/>
+                <a:ea typeface="Nanum SeongSirCe" panose="02000503000000000000" pitchFamily="2" charset="-127"/>
+              </a:rPr>
+              <a:t>운동</a:t>
+            </a:r>
+            <a:r>
+              <a:rPr kumimoji="1" lang="ko-KR" altLang="en-US" sz="2400" b="1" dirty="0">
+                <a:latin typeface="Nanum SeongSirCe" panose="02000503000000000000" pitchFamily="2" charset="-127"/>
+                <a:ea typeface="Nanum SeongSirCe" panose="02000503000000000000" pitchFamily="2" charset="-127"/>
+              </a:rPr>
+              <a:t> </a:t>
+            </a:r>
+            <a:r>
+              <a:rPr kumimoji="1" lang="en-US" altLang="ko-KR" sz="2400" b="1" dirty="0">
+                <a:latin typeface="Nanum SeongSirCe" panose="02000503000000000000" pitchFamily="2" charset="-127"/>
+                <a:ea typeface="Nanum SeongSirCe" panose="02000503000000000000" pitchFamily="2" charset="-127"/>
+              </a:rPr>
+              <a:t>with </a:t>
+            </a:r>
+            <a:r>
+              <a:rPr kumimoji="1" lang="ko-KR" altLang="en-US" sz="2400" b="1" dirty="0" err="1">
+                <a:latin typeface="Nanum SeongSirCe" panose="02000503000000000000" pitchFamily="2" charset="-127"/>
+                <a:ea typeface="Nanum SeongSirCe" panose="02000503000000000000" pitchFamily="2" charset="-127"/>
+              </a:rPr>
+              <a:t>브이로그</a:t>
+            </a:r>
+            <a:r>
+              <a:rPr kumimoji="1" lang="ko-KR" altLang="en-US" sz="2400" b="1" dirty="0">
+                <a:latin typeface="Nanum SeongSirCe" panose="02000503000000000000" pitchFamily="2" charset="-127"/>
+                <a:ea typeface="Nanum SeongSirCe" panose="02000503000000000000" pitchFamily="2" charset="-127"/>
+              </a:rPr>
+              <a:t> </a:t>
+            </a:r>
+            <a:r>
+              <a:rPr kumimoji="1" lang="en-US" altLang="ko-KR" sz="2400" b="1" dirty="0">
+                <a:latin typeface="Nanum SeongSirCe" panose="02000503000000000000" pitchFamily="2" charset="-127"/>
+                <a:ea typeface="Nanum SeongSirCe" panose="02000503000000000000" pitchFamily="2" charset="-127"/>
+              </a:rPr>
+              <a:t>,</a:t>
+            </a:r>
+            <a:r>
+              <a:rPr kumimoji="1" lang="ko-KR" altLang="en-US" sz="2400" b="1" dirty="0">
+                <a:latin typeface="Nanum SeongSirCe" panose="02000503000000000000" pitchFamily="2" charset="-127"/>
+                <a:ea typeface="Nanum SeongSirCe" panose="02000503000000000000" pitchFamily="2" charset="-127"/>
+              </a:rPr>
+              <a:t>자극</a:t>
+            </a:r>
+            <a:endParaRPr kumimoji="1" lang="ko-Kore-KR" altLang="en-US" sz="2400" b="1" dirty="0">
+              <a:latin typeface="Nanum SeongSirCe" panose="02000503000000000000" pitchFamily="2" charset="-127"/>
+              <a:ea typeface="Nanum SeongSirCe" panose="02000503000000000000" pitchFamily="2" charset="-127"/>
+            </a:endParaRPr>
+          </a:p>
+        </p:txBody>
+      </p:sp>
+      <p:sp>
+        <p:nvSpPr>
+          <p:cNvPr id="18" name="TextBox 17">
+            <a:extLst>
+              <a:ext uri="{FF2B5EF4-FFF2-40B4-BE49-F238E27FC236}">
+                <a16:creationId xmlns:a16="http://schemas.microsoft.com/office/drawing/2014/main" id="{0B7A59E4-B489-C545-BC7B-2C29A1DE9066}"/>
+              </a:ext>
+            </a:extLst>
+          </p:cNvPr>
+          <p:cNvSpPr txBox="1"/>
+          <p:nvPr/>
+        </p:nvSpPr>
+        <p:spPr>
+          <a:xfrm>
+            <a:off x="6229215" y="4001699"/>
+            <a:ext cx="3937296" cy="461665"/>
+          </a:xfrm>
+          <a:prstGeom prst="rect">
+            <a:avLst/>
+          </a:prstGeom>
+          <a:noFill/>
+        </p:spPr>
+        <p:txBody>
+          <a:bodyPr wrap="none" rtlCol="0">
+            <a:spAutoFit/>
+          </a:bodyPr>
+          <a:lstStyle/>
+          <a:p>
+            <a:r>
+              <a:rPr kumimoji="1" lang="ko-KR" altLang="en-US" sz="2400" b="1" dirty="0">
+                <a:latin typeface="Nanum SeongSirCe" panose="02000503000000000000" pitchFamily="2" charset="-127"/>
+                <a:ea typeface="Nanum SeongSirCe" panose="02000503000000000000" pitchFamily="2" charset="-127"/>
+              </a:rPr>
+              <a:t>직장인 운동 </a:t>
+            </a:r>
+            <a:r>
+              <a:rPr kumimoji="1" lang="en-US" altLang="ko-KR" sz="2400" b="1" dirty="0">
+                <a:latin typeface="Nanum SeongSirCe" panose="02000503000000000000" pitchFamily="2" charset="-127"/>
+                <a:ea typeface="Nanum SeongSirCe" panose="02000503000000000000" pitchFamily="2" charset="-127"/>
+              </a:rPr>
+              <a:t>with </a:t>
+            </a:r>
+            <a:r>
+              <a:rPr kumimoji="1" lang="ko-KR" altLang="en-US" sz="2400" b="1" dirty="0" err="1">
+                <a:latin typeface="Nanum SeongSirCe" panose="02000503000000000000" pitchFamily="2" charset="-127"/>
+                <a:ea typeface="Nanum SeongSirCe" panose="02000503000000000000" pitchFamily="2" charset="-127"/>
+              </a:rPr>
+              <a:t>브이로그</a:t>
+            </a:r>
+            <a:r>
+              <a:rPr kumimoji="1" lang="en-US" altLang="ko-KR" sz="2400" b="1" dirty="0">
+                <a:latin typeface="Nanum SeongSirCe" panose="02000503000000000000" pitchFamily="2" charset="-127"/>
+                <a:ea typeface="Nanum SeongSirCe" panose="02000503000000000000" pitchFamily="2" charset="-127"/>
+              </a:rPr>
+              <a:t>,</a:t>
+            </a:r>
+            <a:r>
+              <a:rPr kumimoji="1" lang="ko-KR" altLang="en-US" sz="2400" b="1" dirty="0">
+                <a:latin typeface="Nanum SeongSirCe" panose="02000503000000000000" pitchFamily="2" charset="-127"/>
+                <a:ea typeface="Nanum SeongSirCe" panose="02000503000000000000" pitchFamily="2" charset="-127"/>
+              </a:rPr>
+              <a:t> 루틴</a:t>
+            </a:r>
+            <a:r>
+              <a:rPr kumimoji="1" lang="en-US" altLang="ko-KR" sz="2400" b="1" dirty="0">
+                <a:latin typeface="Nanum SeongSirCe" panose="02000503000000000000" pitchFamily="2" charset="-127"/>
+                <a:ea typeface="Nanum SeongSirCe" panose="02000503000000000000" pitchFamily="2" charset="-127"/>
+              </a:rPr>
+              <a:t>,</a:t>
+            </a:r>
+            <a:r>
+              <a:rPr kumimoji="1" lang="ko-KR" altLang="en-US" sz="2400" b="1" dirty="0">
+                <a:latin typeface="Nanum SeongSirCe" panose="02000503000000000000" pitchFamily="2" charset="-127"/>
+                <a:ea typeface="Nanum SeongSirCe" panose="02000503000000000000" pitchFamily="2" charset="-127"/>
+              </a:rPr>
+              <a:t> 식단</a:t>
+            </a:r>
+            <a:endParaRPr kumimoji="1" lang="ko-Kore-KR" altLang="en-US" sz="2400" b="1" dirty="0">
+              <a:latin typeface="Nanum SeongSirCe" panose="02000503000000000000" pitchFamily="2" charset="-127"/>
+              <a:ea typeface="Nanum SeongSirCe" panose="02000503000000000000" pitchFamily="2" charset="-127"/>
+            </a:endParaRPr>
+          </a:p>
+        </p:txBody>
+      </p:sp>
+      <p:sp>
+        <p:nvSpPr>
+          <p:cNvPr id="19" name="TextBox 18">
+            <a:extLst>
+              <a:ext uri="{FF2B5EF4-FFF2-40B4-BE49-F238E27FC236}">
+                <a16:creationId xmlns:a16="http://schemas.microsoft.com/office/drawing/2014/main" id="{3D78F352-9F43-7B41-A0DB-8511B7CA9DC6}"/>
+              </a:ext>
+            </a:extLst>
+          </p:cNvPr>
+          <p:cNvSpPr txBox="1"/>
+          <p:nvPr/>
+        </p:nvSpPr>
+        <p:spPr>
+          <a:xfrm>
+            <a:off x="2729525" y="5085976"/>
+            <a:ext cx="4588115" cy="461665"/>
+          </a:xfrm>
+          <a:prstGeom prst="rect">
+            <a:avLst/>
+          </a:prstGeom>
+          <a:noFill/>
+        </p:spPr>
+        <p:txBody>
+          <a:bodyPr wrap="none" rtlCol="0">
+            <a:spAutoFit/>
+          </a:bodyPr>
+          <a:lstStyle/>
+          <a:p>
+            <a:r>
+              <a:rPr kumimoji="1" lang="ko-Kore-KR" altLang="en-US" sz="2400" b="1" dirty="0">
+                <a:latin typeface="Nanum SeongSirCe" panose="02000503000000000000" pitchFamily="2" charset="-127"/>
+                <a:ea typeface="Nanum SeongSirCe" panose="02000503000000000000" pitchFamily="2" charset="-127"/>
+              </a:rPr>
+              <a:t>경돼</a:t>
+            </a:r>
+            <a:r>
+              <a:rPr kumimoji="1" lang="ko-KR" altLang="en-US" sz="2400" b="1" dirty="0">
+                <a:latin typeface="Nanum SeongSirCe" panose="02000503000000000000" pitchFamily="2" charset="-127"/>
+                <a:ea typeface="Nanum SeongSirCe" panose="02000503000000000000" pitchFamily="2" charset="-127"/>
+              </a:rPr>
+              <a:t> </a:t>
+            </a:r>
+            <a:r>
+              <a:rPr kumimoji="1" lang="en-US" altLang="ko-KR" sz="2400" b="1" dirty="0">
+                <a:latin typeface="Nanum SeongSirCe" panose="02000503000000000000" pitchFamily="2" charset="-127"/>
+                <a:ea typeface="Nanum SeongSirCe" panose="02000503000000000000" pitchFamily="2" charset="-127"/>
+              </a:rPr>
+              <a:t>with </a:t>
+            </a:r>
+            <a:r>
+              <a:rPr kumimoji="1" lang="ko-KR" altLang="en-US" sz="2400" b="1" dirty="0">
+                <a:latin typeface="Nanum SeongSirCe" panose="02000503000000000000" pitchFamily="2" charset="-127"/>
+                <a:ea typeface="Nanum SeongSirCe" panose="02000503000000000000" pitchFamily="2" charset="-127"/>
+              </a:rPr>
+              <a:t>다이어트</a:t>
+            </a:r>
+            <a:r>
+              <a:rPr kumimoji="1" lang="en-US" altLang="ko-KR" sz="2400" b="1" dirty="0">
+                <a:latin typeface="Nanum SeongSirCe" panose="02000503000000000000" pitchFamily="2" charset="-127"/>
+                <a:ea typeface="Nanum SeongSirCe" panose="02000503000000000000" pitchFamily="2" charset="-127"/>
+              </a:rPr>
+              <a:t>,</a:t>
+            </a:r>
+            <a:r>
+              <a:rPr kumimoji="1" lang="ko-KR" altLang="en-US" sz="2400" b="1" dirty="0">
+                <a:latin typeface="Nanum SeongSirCe" panose="02000503000000000000" pitchFamily="2" charset="-127"/>
+                <a:ea typeface="Nanum SeongSirCe" panose="02000503000000000000" pitchFamily="2" charset="-127"/>
+              </a:rPr>
+              <a:t> 벤치프레스</a:t>
+            </a:r>
+            <a:r>
+              <a:rPr kumimoji="1" lang="en-US" altLang="ko-KR" sz="2400" b="1" dirty="0">
+                <a:latin typeface="Nanum SeongSirCe" panose="02000503000000000000" pitchFamily="2" charset="-127"/>
+                <a:ea typeface="Nanum SeongSirCe" panose="02000503000000000000" pitchFamily="2" charset="-127"/>
+              </a:rPr>
+              <a:t>,</a:t>
+            </a:r>
+            <a:r>
+              <a:rPr kumimoji="1" lang="ko-KR" altLang="en-US" sz="2400" b="1" dirty="0">
+                <a:latin typeface="Nanum SeongSirCe" panose="02000503000000000000" pitchFamily="2" charset="-127"/>
+                <a:ea typeface="Nanum SeongSirCe" panose="02000503000000000000" pitchFamily="2" charset="-127"/>
+              </a:rPr>
+              <a:t> </a:t>
+            </a:r>
+            <a:r>
+              <a:rPr kumimoji="1" lang="ko-KR" altLang="en-US" sz="2400" b="1" dirty="0" err="1">
+                <a:latin typeface="Nanum SeongSirCe" panose="02000503000000000000" pitchFamily="2" charset="-127"/>
+                <a:ea typeface="Nanum SeongSirCe" panose="02000503000000000000" pitchFamily="2" charset="-127"/>
+              </a:rPr>
+              <a:t>스쿼트</a:t>
+            </a:r>
+            <a:r>
+              <a:rPr kumimoji="1" lang="en-US" altLang="ko-KR" sz="2400" b="1" dirty="0">
+                <a:latin typeface="Nanum SeongSirCe" panose="02000503000000000000" pitchFamily="2" charset="-127"/>
+                <a:ea typeface="Nanum SeongSirCe" panose="02000503000000000000" pitchFamily="2" charset="-127"/>
+              </a:rPr>
+              <a:t>,</a:t>
+            </a:r>
+            <a:r>
+              <a:rPr kumimoji="1" lang="ko-KR" altLang="en-US" sz="2400" b="1" dirty="0">
+                <a:latin typeface="Nanum SeongSirCe" panose="02000503000000000000" pitchFamily="2" charset="-127"/>
+                <a:ea typeface="Nanum SeongSirCe" panose="02000503000000000000" pitchFamily="2" charset="-127"/>
+              </a:rPr>
+              <a:t> </a:t>
+            </a:r>
+            <a:r>
+              <a:rPr kumimoji="1" lang="en-US" altLang="ko-KR" sz="2400" b="1" dirty="0">
+                <a:latin typeface="Nanum SeongSirCe" panose="02000503000000000000" pitchFamily="2" charset="-127"/>
+                <a:ea typeface="Nanum SeongSirCe" panose="02000503000000000000" pitchFamily="2" charset="-127"/>
+              </a:rPr>
+              <a:t>3</a:t>
+            </a:r>
+            <a:r>
+              <a:rPr kumimoji="1" lang="ko-KR" altLang="en-US" sz="2400" b="1" dirty="0">
+                <a:latin typeface="Nanum SeongSirCe" panose="02000503000000000000" pitchFamily="2" charset="-127"/>
+                <a:ea typeface="Nanum SeongSirCe" panose="02000503000000000000" pitchFamily="2" charset="-127"/>
+              </a:rPr>
+              <a:t>대</a:t>
+            </a:r>
+            <a:endParaRPr kumimoji="1" lang="ko-Kore-KR" altLang="en-US" sz="2400" b="1" dirty="0">
+              <a:latin typeface="Nanum SeongSirCe" panose="02000503000000000000" pitchFamily="2" charset="-127"/>
+              <a:ea typeface="Nanum SeongSirCe" panose="02000503000000000000" pitchFamily="2" charset="-127"/>
+            </a:endParaRPr>
+          </a:p>
+        </p:txBody>
+      </p:sp>
+    </p:spTree>
+    <p:extLst>
+      <p:ext uri="{BB962C8B-B14F-4D97-AF65-F5344CB8AC3E}">
+        <p14:creationId xmlns:p14="http://schemas.microsoft.com/office/powerpoint/2010/main" val="724555774"/>
+      </p:ext>
+    </p:extLst>
+  </p:cSld>
+  <p:clrMapOvr>
+    <a:masterClrMapping/>
+  </p:clrMapOvr>
+  <p:timing>
+    <p:tnLst>
+      <p:par>
+        <p:cTn id="1" dur="indefinite" restart="never" nodeType="tmRoot">
+          <p:childTnLst>
+            <p:seq concurrent="1" nextAc="seek">
+              <p:cTn id="2" dur="indefinite" nodeType="mainSeq">
+                <p:childTnLst>
+                  <p:par>
+                    <p:cTn id="3" fill="hold">
+                      <p:stCondLst>
+                        <p:cond delay="indefinite"/>
+                      </p:stCondLst>
+                      <p:childTnLst>
+                        <p:par>
+                          <p:cTn id="4" fill="hold">
+                            <p:stCondLst>
+                              <p:cond delay="0"/>
+                            </p:stCondLst>
+                            <p:childTnLst>
+                              <p:par>
+                                <p:cTn id="5" presetID="1" presetClass="entr" presetSubtype="0" fill="hold" grpId="0" nodeType="clickEffect">
+                                  <p:stCondLst>
+                                    <p:cond delay="0"/>
+                                  </p:stCondLst>
+                                  <p:childTnLst>
+                                    <p:set>
+                                      <p:cBhvr>
+                                        <p:cTn id="6" dur="1" fill="hold">
+                                          <p:stCondLst>
+                                            <p:cond delay="0"/>
+                                          </p:stCondLst>
+                                        </p:cTn>
+                                        <p:tgtEl>
+                                          <p:spTgt spid="9"/>
+                                        </p:tgtEl>
+                                        <p:attrNameLst>
+                                          <p:attrName>style.visibility</p:attrName>
+                                        </p:attrNameLst>
+                                      </p:cBhvr>
+                                      <p:to>
+                                        <p:strVal val="visible"/>
+                                      </p:to>
+                                    </p:set>
+                                  </p:childTnLst>
+                                </p:cTn>
+                              </p:par>
+                            </p:childTnLst>
+                          </p:cTn>
+                        </p:par>
+                      </p:childTnLst>
+                    </p:cTn>
+                  </p:par>
+                  <p:par>
+                    <p:cTn id="7" fill="hold">
+                      <p:stCondLst>
+                        <p:cond delay="indefinite"/>
+                      </p:stCondLst>
+                      <p:childTnLst>
+                        <p:par>
+                          <p:cTn id="8" fill="hold">
+                            <p:stCondLst>
+                              <p:cond delay="0"/>
+                            </p:stCondLst>
+                            <p:childTnLst>
+                              <p:par>
+                                <p:cTn id="9" presetID="1" presetClass="entr" presetSubtype="0" fill="hold" grpId="0" nodeType="clickEffect">
+                                  <p:stCondLst>
+                                    <p:cond delay="0"/>
+                                  </p:stCondLst>
+                                  <p:childTnLst>
+                                    <p:set>
+                                      <p:cBhvr>
+                                        <p:cTn id="10" dur="1" fill="hold">
+                                          <p:stCondLst>
+                                            <p:cond delay="0"/>
+                                          </p:stCondLst>
+                                        </p:cTn>
+                                        <p:tgtEl>
+                                          <p:spTgt spid="17"/>
+                                        </p:tgtEl>
+                                        <p:attrNameLst>
+                                          <p:attrName>style.visibility</p:attrName>
+                                        </p:attrNameLst>
+                                      </p:cBhvr>
+                                      <p:to>
+                                        <p:strVal val="visible"/>
+                                      </p:to>
+                                    </p:set>
+                                  </p:childTnLst>
+                                </p:cTn>
+                              </p:par>
+                            </p:childTnLst>
+                          </p:cTn>
+                        </p:par>
+                      </p:childTnLst>
+                    </p:cTn>
+                  </p:par>
+                  <p:par>
+                    <p:cTn id="11" fill="hold">
+                      <p:stCondLst>
+                        <p:cond delay="indefinite"/>
+                      </p:stCondLst>
+                      <p:childTnLst>
+                        <p:par>
+                          <p:cTn id="12" fill="hold">
+                            <p:stCondLst>
+                              <p:cond delay="0"/>
+                            </p:stCondLst>
+                            <p:childTnLst>
+                              <p:par>
+                                <p:cTn id="13" presetID="1" presetClass="entr" presetSubtype="0" fill="hold" grpId="0" nodeType="clickEffect">
+                                  <p:stCondLst>
+                                    <p:cond delay="0"/>
+                                  </p:stCondLst>
+                                  <p:childTnLst>
+                                    <p:set>
+                                      <p:cBhvr>
+                                        <p:cTn id="14" dur="1" fill="hold">
+                                          <p:stCondLst>
+                                            <p:cond delay="0"/>
+                                          </p:stCondLst>
+                                        </p:cTn>
+                                        <p:tgtEl>
+                                          <p:spTgt spid="18"/>
+                                        </p:tgtEl>
+                                        <p:attrNameLst>
+                                          <p:attrName>style.visibility</p:attrName>
+                                        </p:attrNameLst>
+                                      </p:cBhvr>
+                                      <p:to>
+                                        <p:strVal val="visible"/>
+                                      </p:to>
+                                    </p:set>
+                                  </p:childTnLst>
+                                </p:cTn>
+                              </p:par>
+                            </p:childTnLst>
+                          </p:cTn>
+                        </p:par>
+                      </p:childTnLst>
+                    </p:cTn>
+                  </p:par>
+                  <p:par>
+                    <p:cTn id="15" fill="hold">
+                      <p:stCondLst>
+                        <p:cond delay="indefinite"/>
+                      </p:stCondLst>
+                      <p:childTnLst>
+                        <p:par>
+                          <p:cTn id="16" fill="hold">
+                            <p:stCondLst>
+                              <p:cond delay="0"/>
+                            </p:stCondLst>
+                            <p:childTnLst>
+                              <p:par>
+                                <p:cTn id="17" presetID="1" presetClass="entr" presetSubtype="0" fill="hold" grpId="0" nodeType="clickEffect">
+                                  <p:stCondLst>
+                                    <p:cond delay="0"/>
+                                  </p:stCondLst>
+                                  <p:childTnLst>
+                                    <p:set>
+                                      <p:cBhvr>
+                                        <p:cTn id="18" dur="1" fill="hold">
+                                          <p:stCondLst>
+                                            <p:cond delay="0"/>
+                                          </p:stCondLst>
+                                        </p:cTn>
+                                        <p:tgtEl>
+                                          <p:spTgt spid="19"/>
+                                        </p:tgtEl>
+                                        <p:attrNameLst>
+                                          <p:attrName>style.visibility</p:attrName>
+                                        </p:attrNameLst>
+                                      </p:cBhvr>
+                                      <p:to>
+                                        <p:strVal val="visible"/>
+                                      </p:to>
+                                    </p:set>
+                                  </p:childTnLst>
+                                </p:cTn>
+                              </p:par>
+                            </p:childTnLst>
+                          </p:cTn>
+                        </p:par>
+                      </p:childTnLst>
+                    </p:cTn>
+                  </p:par>
+                </p:childTnLst>
+              </p:cTn>
+              <p:prevCondLst>
+                <p:cond evt="onPrev" delay="0">
+                  <p:tgtEl>
+                    <p:sldTgt/>
+                  </p:tgtEl>
+                </p:cond>
+              </p:prevCondLst>
+              <p:nextCondLst>
+                <p:cond evt="onNext" delay="0">
+                  <p:tgtEl>
+                    <p:sldTgt/>
+                  </p:tgtEl>
+                </p:cond>
+              </p:nextCondLst>
+            </p:seq>
+          </p:childTnLst>
+        </p:cTn>
+      </p:par>
+    </p:tnLst>
+    <p:bldLst>
+      <p:bldP spid="9" grpId="0"/>
+      <p:bldP spid="17" grpId="0"/>
+      <p:bldP spid="18" grpId="0"/>
+      <p:bldP spid="19" grpId="0"/>
+    </p:bldLst>
+  </p:timing>
+</p:sld>
+</file>
+
+<file path=ppt/slides/slide24.xml><?xml version="1.0" encoding="utf-8"?>
+<p:sld xmlns:a="http://schemas.openxmlformats.org/drawingml/2006/main" xmlns:r="http://schemas.openxmlformats.org/officeDocument/2006/relationships" xmlns:p="http://schemas.openxmlformats.org/presentationml/2006/main">
+  <p:cSld>
+    <p:spTree>
+      <p:nvGrpSpPr>
+        <p:cNvPr id="1" name=""/>
+        <p:cNvGrpSpPr/>
+        <p:nvPr/>
+      </p:nvGrpSpPr>
+      <p:grpSpPr>
+        <a:xfrm>
+          <a:off x="0" y="0"/>
+          <a:ext cx="0" cy="0"/>
+          <a:chOff x="0" y="0"/>
+          <a:chExt cx="0" cy="0"/>
+        </a:xfrm>
+      </p:grpSpPr>
+      <p:sp>
+        <p:nvSpPr>
+          <p:cNvPr id="2" name="TextBox 1">
+            <a:extLst>
+              <a:ext uri="{FF2B5EF4-FFF2-40B4-BE49-F238E27FC236}">
+                <a16:creationId xmlns:a16="http://schemas.microsoft.com/office/drawing/2014/main" id="{69AEA979-0E62-DD45-887E-0FDEE1D4DEAA}"/>
+              </a:ext>
+            </a:extLst>
+          </p:cNvPr>
+          <p:cNvSpPr txBox="1"/>
+          <p:nvPr/>
+        </p:nvSpPr>
+        <p:spPr>
+          <a:xfrm>
+            <a:off x="683173" y="567561"/>
+            <a:ext cx="593432" cy="369460"/>
+          </a:xfrm>
+          <a:prstGeom prst="rect">
+            <a:avLst/>
+          </a:prstGeom>
+          <a:noFill/>
+        </p:spPr>
+        <p:txBody>
+          <a:bodyPr wrap="none" rtlCol="0">
+            <a:spAutoFit/>
+          </a:bodyPr>
+          <a:lstStyle/>
+          <a:p>
+            <a:r>
+              <a:rPr kumimoji="1" lang="ko-KR" altLang="en-US" sz="1801" b="1" dirty="0" err="1">
+                <a:latin typeface="Nanum SeongSirCe" panose="02000503000000000000" pitchFamily="2" charset="-127"/>
+                <a:ea typeface="Nanum SeongSirCe" panose="02000503000000000000" pitchFamily="2" charset="-127"/>
+              </a:rPr>
+              <a:t>제한점</a:t>
+            </a:r>
+            <a:endParaRPr kumimoji="1" lang="ko-Kore-KR" altLang="en-US" sz="1801" b="1" dirty="0">
+              <a:latin typeface="Nanum SeongSirCe" panose="02000503000000000000" pitchFamily="2" charset="-127"/>
+              <a:ea typeface="Nanum SeongSirCe" panose="02000503000000000000" pitchFamily="2" charset="-127"/>
+            </a:endParaRPr>
+          </a:p>
+        </p:txBody>
+      </p:sp>
+      <p:sp>
+        <p:nvSpPr>
+          <p:cNvPr id="3" name="TextBox 2">
+            <a:extLst>
+              <a:ext uri="{FF2B5EF4-FFF2-40B4-BE49-F238E27FC236}">
+                <a16:creationId xmlns:a16="http://schemas.microsoft.com/office/drawing/2014/main" id="{103ED0F9-1B59-C641-AACC-CB2409DAE4F8}"/>
+              </a:ext>
+            </a:extLst>
+          </p:cNvPr>
+          <p:cNvSpPr txBox="1"/>
+          <p:nvPr/>
+        </p:nvSpPr>
+        <p:spPr>
+          <a:xfrm>
+            <a:off x="8776140" y="567562"/>
+            <a:ext cx="2732690" cy="369460"/>
+          </a:xfrm>
+          <a:prstGeom prst="rect">
+            <a:avLst/>
+          </a:prstGeom>
+          <a:noFill/>
+        </p:spPr>
+        <p:txBody>
+          <a:bodyPr wrap="square" rtlCol="0">
+            <a:spAutoFit/>
+          </a:bodyPr>
+          <a:lstStyle/>
+          <a:p>
+            <a:pPr algn="r"/>
+            <a:r>
+              <a:rPr kumimoji="1" lang="ko-KR" altLang="en-US" sz="1801" b="1" dirty="0" err="1">
+                <a:latin typeface="Nanum SeongSirCe" panose="02000503000000000000" pitchFamily="2" charset="-127"/>
+                <a:ea typeface="Nanum SeongSirCe" panose="02000503000000000000" pitchFamily="2" charset="-127"/>
+              </a:rPr>
+              <a:t>경돼</a:t>
+            </a:r>
+            <a:r>
+              <a:rPr kumimoji="1" lang="en-US" altLang="ko-KR" sz="1801" b="1" dirty="0">
+                <a:latin typeface="Nanum SeongSirCe" panose="02000503000000000000" pitchFamily="2" charset="-127"/>
+                <a:ea typeface="Nanum SeongSirCe" panose="02000503000000000000" pitchFamily="2" charset="-127"/>
+              </a:rPr>
+              <a:t>TV X Data Literacy</a:t>
+            </a:r>
+            <a:endParaRPr kumimoji="1" lang="ko-Kore-KR" altLang="en-US" sz="1801" b="1" dirty="0">
+              <a:latin typeface="Nanum SeongSirCe" panose="02000503000000000000" pitchFamily="2" charset="-127"/>
+              <a:ea typeface="Nanum SeongSirCe" panose="02000503000000000000" pitchFamily="2" charset="-127"/>
+            </a:endParaRPr>
+          </a:p>
+        </p:txBody>
+      </p:sp>
+      <p:grpSp>
+        <p:nvGrpSpPr>
+          <p:cNvPr id="10" name="그룹 9">
+            <a:extLst>
+              <a:ext uri="{FF2B5EF4-FFF2-40B4-BE49-F238E27FC236}">
+                <a16:creationId xmlns:a16="http://schemas.microsoft.com/office/drawing/2014/main" id="{6B718B83-4A99-8144-9C1A-F9CDBC1BC8AB}"/>
+              </a:ext>
+            </a:extLst>
+          </p:cNvPr>
+          <p:cNvGrpSpPr/>
+          <p:nvPr/>
+        </p:nvGrpSpPr>
+        <p:grpSpPr>
+          <a:xfrm>
+            <a:off x="5555940" y="399400"/>
+            <a:ext cx="1080121" cy="936105"/>
+            <a:chOff x="5425343" y="399400"/>
+            <a:chExt cx="1080120" cy="936104"/>
+          </a:xfrm>
+        </p:grpSpPr>
+        <p:sp>
+          <p:nvSpPr>
+            <p:cNvPr id="4" name="타원 3">
+              <a:extLst>
+                <a:ext uri="{FF2B5EF4-FFF2-40B4-BE49-F238E27FC236}">
+                  <a16:creationId xmlns:a16="http://schemas.microsoft.com/office/drawing/2014/main" id="{69503F5B-5964-9148-A6EE-CE129EB4FD59}"/>
+                </a:ext>
+              </a:extLst>
+            </p:cNvPr>
+            <p:cNvSpPr/>
+            <p:nvPr/>
+          </p:nvSpPr>
+          <p:spPr>
+            <a:xfrm>
+              <a:off x="5497351" y="399400"/>
+              <a:ext cx="936104" cy="936104"/>
+            </a:xfrm>
+            <a:prstGeom prst="ellipse">
+              <a:avLst/>
+            </a:prstGeom>
+            <a:solidFill>
+              <a:schemeClr val="bg1"/>
+            </a:solidFill>
+            <a:ln>
+              <a:noFill/>
+            </a:ln>
+          </p:spPr>
+          <p:style>
+            <a:lnRef idx="2">
+              <a:schemeClr val="accent1">
+                <a:shade val="50000"/>
+              </a:schemeClr>
+            </a:lnRef>
+            <a:fillRef idx="1">
+              <a:schemeClr val="accent1"/>
+            </a:fillRef>
+            <a:effectRef idx="0">
+              <a:schemeClr val="accent1"/>
+            </a:effectRef>
+            <a:fontRef idx="minor">
+              <a:schemeClr val="lt1"/>
+            </a:fontRef>
+          </p:style>
+          <p:txBody>
+            <a:bodyPr rtlCol="0" anchor="ctr"/>
+            <a:lstStyle/>
+            <a:p>
+              <a:pPr algn="ctr"/>
+              <a:endParaRPr lang="ko-KR" altLang="en-US" sz="1801">
+                <a:latin typeface="Nanum SeongSirCe" panose="02000503000000000000" pitchFamily="2" charset="-127"/>
+                <a:ea typeface="Nanum SeongSirCe" panose="02000503000000000000" pitchFamily="2" charset="-127"/>
+              </a:endParaRPr>
+            </a:p>
+          </p:txBody>
+        </p:sp>
+        <p:sp>
+          <p:nvSpPr>
+            <p:cNvPr id="5" name="TextBox 4">
+              <a:extLst>
+                <a:ext uri="{FF2B5EF4-FFF2-40B4-BE49-F238E27FC236}">
+                  <a16:creationId xmlns:a16="http://schemas.microsoft.com/office/drawing/2014/main" id="{6B1BF8DE-D704-6045-9CE9-8A0DD8BF6328}"/>
+                </a:ext>
+              </a:extLst>
+            </p:cNvPr>
+            <p:cNvSpPr txBox="1"/>
+            <p:nvPr/>
+          </p:nvSpPr>
+          <p:spPr>
+            <a:xfrm>
+              <a:off x="5425343" y="636620"/>
+              <a:ext cx="1080120" cy="461665"/>
+            </a:xfrm>
+            <a:prstGeom prst="rect">
+              <a:avLst/>
+            </a:prstGeom>
+            <a:noFill/>
+          </p:spPr>
+          <p:txBody>
+            <a:bodyPr wrap="square" rtlCol="0">
+              <a:spAutoFit/>
+            </a:bodyPr>
+            <a:lstStyle/>
+            <a:p>
+              <a:pPr algn="ctr"/>
+              <a:r>
+                <a:rPr lang="en-US" altLang="ko-KR" sz="2400" b="1" dirty="0">
+                  <a:latin typeface="Nanum SeongSirCe" panose="02000503000000000000" pitchFamily="2" charset="-127"/>
+                  <a:ea typeface="Nanum SeongSirCe" panose="02000503000000000000" pitchFamily="2" charset="-127"/>
+                </a:rPr>
+                <a:t>03</a:t>
+              </a:r>
+              <a:endParaRPr lang="ko-KR" altLang="en-US" sz="2400" b="1" dirty="0">
+                <a:latin typeface="Nanum SeongSirCe" panose="02000503000000000000" pitchFamily="2" charset="-127"/>
+                <a:ea typeface="Nanum SeongSirCe" panose="02000503000000000000" pitchFamily="2" charset="-127"/>
+              </a:endParaRPr>
+            </a:p>
+          </p:txBody>
+        </p:sp>
+      </p:grpSp>
+      <p:sp>
+        <p:nvSpPr>
+          <p:cNvPr id="13" name="TextBox 12">
+            <a:extLst>
+              <a:ext uri="{FF2B5EF4-FFF2-40B4-BE49-F238E27FC236}">
+                <a16:creationId xmlns:a16="http://schemas.microsoft.com/office/drawing/2014/main" id="{06917B87-0FC0-5549-8EAF-DA74E7440306}"/>
+              </a:ext>
+            </a:extLst>
+          </p:cNvPr>
+          <p:cNvSpPr txBox="1"/>
+          <p:nvPr/>
+        </p:nvSpPr>
+        <p:spPr>
+          <a:xfrm>
+            <a:off x="4403813" y="1541191"/>
+            <a:ext cx="3384374" cy="400110"/>
+          </a:xfrm>
+          <a:prstGeom prst="rect">
+            <a:avLst/>
+          </a:prstGeom>
+          <a:noFill/>
+        </p:spPr>
+        <p:txBody>
+          <a:bodyPr wrap="square" rtlCol="0">
+            <a:spAutoFit/>
+          </a:bodyPr>
+          <a:lstStyle/>
+          <a:p>
+            <a:pPr algn="ctr"/>
+            <a:r>
+              <a:rPr lang="en-US" altLang="ko-KR" sz="2000" b="1" dirty="0">
+                <a:latin typeface="Nanum SeongSirCe" panose="02000503000000000000" pitchFamily="2" charset="-127"/>
+                <a:ea typeface="Nanum SeongSirCe" panose="02000503000000000000" pitchFamily="2" charset="-127"/>
+              </a:rPr>
+              <a:t>[</a:t>
+            </a:r>
+            <a:r>
+              <a:rPr lang="ko-KR" altLang="en-US" sz="2000" b="1" dirty="0">
+                <a:latin typeface="Nanum SeongSirCe" panose="02000503000000000000" pitchFamily="2" charset="-127"/>
+                <a:ea typeface="Nanum SeongSirCe" panose="02000503000000000000" pitchFamily="2" charset="-127"/>
+              </a:rPr>
+              <a:t> </a:t>
+            </a:r>
+            <a:r>
+              <a:rPr lang="ko-KR" altLang="en-US" sz="2000" b="1" dirty="0" err="1">
+                <a:latin typeface="Nanum SeongSirCe" panose="02000503000000000000" pitchFamily="2" charset="-127"/>
+                <a:ea typeface="Nanum SeongSirCe" panose="02000503000000000000" pitchFamily="2" charset="-127"/>
+              </a:rPr>
+              <a:t>제한점</a:t>
+            </a:r>
+            <a:r>
+              <a:rPr lang="ko-KR" altLang="en-US" sz="2000" b="1" dirty="0">
+                <a:latin typeface="Nanum SeongSirCe" panose="02000503000000000000" pitchFamily="2" charset="-127"/>
+                <a:ea typeface="Nanum SeongSirCe" panose="02000503000000000000" pitchFamily="2" charset="-127"/>
+              </a:rPr>
+              <a:t> </a:t>
+            </a:r>
+            <a:r>
+              <a:rPr lang="en-US" altLang="ko-KR" sz="2000" b="1" dirty="0">
+                <a:latin typeface="Nanum SeongSirCe" panose="02000503000000000000" pitchFamily="2" charset="-127"/>
+                <a:ea typeface="Nanum SeongSirCe" panose="02000503000000000000" pitchFamily="2" charset="-127"/>
+              </a:rPr>
+              <a:t>]</a:t>
+            </a:r>
+            <a:endParaRPr lang="ko-KR" altLang="en-US" sz="2000" b="1" dirty="0">
+              <a:latin typeface="Nanum SeongSirCe" panose="02000503000000000000" pitchFamily="2" charset="-127"/>
+              <a:ea typeface="Nanum SeongSirCe" panose="02000503000000000000" pitchFamily="2" charset="-127"/>
+            </a:endParaRPr>
+          </a:p>
+        </p:txBody>
+      </p:sp>
+      <p:sp>
+        <p:nvSpPr>
+          <p:cNvPr id="12" name="TextBox 11">
+            <a:extLst>
+              <a:ext uri="{FF2B5EF4-FFF2-40B4-BE49-F238E27FC236}">
+                <a16:creationId xmlns:a16="http://schemas.microsoft.com/office/drawing/2014/main" id="{5A683278-BDE1-5841-8A29-F2AC4D41F2BF}"/>
+              </a:ext>
+            </a:extLst>
+          </p:cNvPr>
+          <p:cNvSpPr txBox="1"/>
+          <p:nvPr/>
+        </p:nvSpPr>
+        <p:spPr>
+          <a:xfrm>
+            <a:off x="1488008" y="3031873"/>
+            <a:ext cx="9009198" cy="954107"/>
+          </a:xfrm>
+          <a:prstGeom prst="rect">
+            <a:avLst/>
+          </a:prstGeom>
+          <a:noFill/>
+        </p:spPr>
+        <p:txBody>
+          <a:bodyPr wrap="none" rtlCol="0">
+            <a:spAutoFit/>
+          </a:bodyPr>
+          <a:lstStyle/>
+          <a:p>
+            <a:pPr algn="ctr"/>
+            <a:r>
+              <a:rPr kumimoji="1" lang="ko-KR" altLang="en-US" sz="2800" b="1" dirty="0">
+                <a:latin typeface="Nanum SeongSirCe" panose="02000503000000000000" pitchFamily="2" charset="-127"/>
+                <a:ea typeface="Nanum SeongSirCe" panose="02000503000000000000" pitchFamily="2" charset="-127"/>
+              </a:rPr>
+              <a:t>영상의 업로드 날짜와 상관없이 조회수를 비교했기 때문에 업로드 후 일정한 기간을</a:t>
+            </a:r>
+            <a:endParaRPr kumimoji="1" lang="en-US" altLang="ko-KR" sz="2800" b="1" dirty="0">
+              <a:latin typeface="Nanum SeongSirCe" panose="02000503000000000000" pitchFamily="2" charset="-127"/>
+              <a:ea typeface="Nanum SeongSirCe" panose="02000503000000000000" pitchFamily="2" charset="-127"/>
+            </a:endParaRPr>
+          </a:p>
+          <a:p>
+            <a:pPr algn="ctr"/>
+            <a:r>
+              <a:rPr kumimoji="1" lang="ko-KR" altLang="en-US" sz="2800" b="1" dirty="0">
+                <a:latin typeface="Nanum SeongSirCe" panose="02000503000000000000" pitchFamily="2" charset="-127"/>
+                <a:ea typeface="Nanum SeongSirCe" panose="02000503000000000000" pitchFamily="2" charset="-127"/>
+              </a:rPr>
+              <a:t>정한 조회수를 가져와 비교해야 보다 더 정확한 분석이 가능</a:t>
+            </a:r>
+            <a:endParaRPr kumimoji="1" lang="ko-Kore-KR" altLang="en-US" sz="2800" b="1" dirty="0">
+              <a:latin typeface="Nanum SeongSirCe" panose="02000503000000000000" pitchFamily="2" charset="-127"/>
+              <a:ea typeface="Nanum SeongSirCe" panose="02000503000000000000" pitchFamily="2" charset="-127"/>
+            </a:endParaRPr>
+          </a:p>
+        </p:txBody>
+      </p:sp>
+    </p:spTree>
+    <p:extLst>
+      <p:ext uri="{BB962C8B-B14F-4D97-AF65-F5344CB8AC3E}">
+        <p14:creationId xmlns:p14="http://schemas.microsoft.com/office/powerpoint/2010/main" val="4234481635"/>
+      </p:ext>
+    </p:extLst>
+  </p:cSld>
+  <p:clrMapOvr>
+    <a:masterClrMapping/>
+  </p:clrMapOvr>
+</p:sld>
+</file>
+
+<file path=ppt/slides/slide25.xml><?xml version="1.0" encoding="utf-8"?>
+<p:sld xmlns:a="http://schemas.openxmlformats.org/drawingml/2006/main" xmlns:r="http://schemas.openxmlformats.org/officeDocument/2006/relationships" xmlns:p="http://schemas.openxmlformats.org/presentationml/2006/main">
+  <p:cSld>
+    <p:spTree>
+      <p:nvGrpSpPr>
+        <p:cNvPr id="1" name=""/>
+        <p:cNvGrpSpPr/>
+        <p:nvPr/>
+      </p:nvGrpSpPr>
+      <p:grpSpPr>
+        <a:xfrm>
+          <a:off x="0" y="0"/>
+          <a:ext cx="0" cy="0"/>
+          <a:chOff x="0" y="0"/>
+          <a:chExt cx="0" cy="0"/>
+        </a:xfrm>
+      </p:grpSpPr>
+      <p:sp>
+        <p:nvSpPr>
+          <p:cNvPr id="12" name="TextBox 11">
+            <a:extLst>
+              <a:ext uri="{FF2B5EF4-FFF2-40B4-BE49-F238E27FC236}">
+                <a16:creationId xmlns:a16="http://schemas.microsoft.com/office/drawing/2014/main" id="{5A683278-BDE1-5841-8A29-F2AC4D41F2BF}"/>
+              </a:ext>
+            </a:extLst>
+          </p:cNvPr>
+          <p:cNvSpPr txBox="1"/>
+          <p:nvPr/>
+        </p:nvSpPr>
+        <p:spPr>
+          <a:xfrm>
+            <a:off x="4335742" y="2921169"/>
+            <a:ext cx="3520516" cy="1015663"/>
+          </a:xfrm>
+          <a:prstGeom prst="rect">
+            <a:avLst/>
+          </a:prstGeom>
+          <a:noFill/>
+        </p:spPr>
+        <p:txBody>
+          <a:bodyPr wrap="none" rtlCol="0">
+            <a:spAutoFit/>
+          </a:bodyPr>
+          <a:lstStyle/>
+          <a:p>
+            <a:pPr algn="ctr"/>
+            <a:r>
+              <a:rPr kumimoji="1" lang="en-US" altLang="ko-Kore-KR" sz="6000" b="1" dirty="0">
+                <a:latin typeface="Nanum SeongSirCe" panose="02000503000000000000" pitchFamily="2" charset="-127"/>
+                <a:ea typeface="Nanum SeongSirCe" panose="02000503000000000000" pitchFamily="2" charset="-127"/>
+              </a:rPr>
+              <a:t>Thank You</a:t>
+            </a:r>
+            <a:endParaRPr kumimoji="1" lang="ko-Kore-KR" altLang="en-US" sz="6000" b="1" dirty="0">
+              <a:latin typeface="Nanum SeongSirCe" panose="02000503000000000000" pitchFamily="2" charset="-127"/>
+              <a:ea typeface="Nanum SeongSirCe" panose="02000503000000000000" pitchFamily="2" charset="-127"/>
+            </a:endParaRPr>
+          </a:p>
+        </p:txBody>
+      </p:sp>
+    </p:spTree>
+    <p:extLst>
+      <p:ext uri="{BB962C8B-B14F-4D97-AF65-F5344CB8AC3E}">
+        <p14:creationId xmlns:p14="http://schemas.microsoft.com/office/powerpoint/2010/main" val="3613184293"/>
       </p:ext>
     </p:extLst>
   </p:cSld>
@@ -13041,7 +16139,7 @@
           <p:nvPr>
             <p:extLst>
               <p:ext uri="{D42A27DB-BD31-4B8C-83A1-F6EECF244321}">
-                <p14:modId xmlns:p14="http://schemas.microsoft.com/office/powerpoint/2010/main" val="2124801917"/>
+                <p14:modId xmlns:p14="http://schemas.microsoft.com/office/powerpoint/2010/main" val="2540654389"/>
               </p:ext>
             </p:extLst>
           </p:nvPr>
@@ -14497,6 +17595,176 @@
   <p:clrMapOvr>
     <a:masterClrMapping/>
   </p:clrMapOvr>
+  <p:timing>
+    <p:tnLst>
+      <p:par>
+        <p:cTn id="1" dur="indefinite" restart="never" nodeType="tmRoot">
+          <p:childTnLst>
+            <p:seq concurrent="1" nextAc="seek">
+              <p:cTn id="2" dur="indefinite" nodeType="mainSeq">
+                <p:childTnLst>
+                  <p:par>
+                    <p:cTn id="3" fill="hold">
+                      <p:stCondLst>
+                        <p:cond delay="indefinite"/>
+                      </p:stCondLst>
+                      <p:childTnLst>
+                        <p:par>
+                          <p:cTn id="4" fill="hold">
+                            <p:stCondLst>
+                              <p:cond delay="0"/>
+                            </p:stCondLst>
+                            <p:childTnLst>
+                              <p:par>
+                                <p:cTn id="5" presetID="1" presetClass="entr" presetSubtype="0" fill="hold" grpId="0" nodeType="clickEffect">
+                                  <p:stCondLst>
+                                    <p:cond delay="0"/>
+                                  </p:stCondLst>
+                                  <p:childTnLst>
+                                    <p:set>
+                                      <p:cBhvr>
+                                        <p:cTn id="6" dur="1" fill="hold">
+                                          <p:stCondLst>
+                                            <p:cond delay="0"/>
+                                          </p:stCondLst>
+                                        </p:cTn>
+                                        <p:tgtEl>
+                                          <p:spTgt spid="24"/>
+                                        </p:tgtEl>
+                                        <p:attrNameLst>
+                                          <p:attrName>style.visibility</p:attrName>
+                                        </p:attrNameLst>
+                                      </p:cBhvr>
+                                      <p:to>
+                                        <p:strVal val="visible"/>
+                                      </p:to>
+                                    </p:set>
+                                  </p:childTnLst>
+                                </p:cTn>
+                              </p:par>
+                            </p:childTnLst>
+                          </p:cTn>
+                        </p:par>
+                      </p:childTnLst>
+                    </p:cTn>
+                  </p:par>
+                  <p:par>
+                    <p:cTn id="7" fill="hold">
+                      <p:stCondLst>
+                        <p:cond delay="indefinite"/>
+                      </p:stCondLst>
+                      <p:childTnLst>
+                        <p:par>
+                          <p:cTn id="8" fill="hold">
+                            <p:stCondLst>
+                              <p:cond delay="0"/>
+                            </p:stCondLst>
+                            <p:childTnLst>
+                              <p:par>
+                                <p:cTn id="9" presetID="1" presetClass="entr" presetSubtype="0" fill="hold" grpId="0" nodeType="clickEffect">
+                                  <p:stCondLst>
+                                    <p:cond delay="0"/>
+                                  </p:stCondLst>
+                                  <p:childTnLst>
+                                    <p:set>
+                                      <p:cBhvr>
+                                        <p:cTn id="10" dur="1" fill="hold">
+                                          <p:stCondLst>
+                                            <p:cond delay="0"/>
+                                          </p:stCondLst>
+                                        </p:cTn>
+                                        <p:tgtEl>
+                                          <p:spTgt spid="7"/>
+                                        </p:tgtEl>
+                                        <p:attrNameLst>
+                                          <p:attrName>style.visibility</p:attrName>
+                                        </p:attrNameLst>
+                                      </p:cBhvr>
+                                      <p:to>
+                                        <p:strVal val="visible"/>
+                                      </p:to>
+                                    </p:set>
+                                  </p:childTnLst>
+                                </p:cTn>
+                              </p:par>
+                            </p:childTnLst>
+                          </p:cTn>
+                        </p:par>
+                      </p:childTnLst>
+                    </p:cTn>
+                  </p:par>
+                  <p:par>
+                    <p:cTn id="11" fill="hold">
+                      <p:stCondLst>
+                        <p:cond delay="indefinite"/>
+                      </p:stCondLst>
+                      <p:childTnLst>
+                        <p:par>
+                          <p:cTn id="12" fill="hold">
+                            <p:stCondLst>
+                              <p:cond delay="0"/>
+                            </p:stCondLst>
+                            <p:childTnLst>
+                              <p:par>
+                                <p:cTn id="13" presetID="1" presetClass="entr" presetSubtype="0" fill="hold" grpId="0" nodeType="clickEffect">
+                                  <p:stCondLst>
+                                    <p:cond delay="0"/>
+                                  </p:stCondLst>
+                                  <p:childTnLst>
+                                    <p:set>
+                                      <p:cBhvr>
+                                        <p:cTn id="14" dur="1" fill="hold">
+                                          <p:stCondLst>
+                                            <p:cond delay="0"/>
+                                          </p:stCondLst>
+                                        </p:cTn>
+                                        <p:tgtEl>
+                                          <p:spTgt spid="25"/>
+                                        </p:tgtEl>
+                                        <p:attrNameLst>
+                                          <p:attrName>style.visibility</p:attrName>
+                                        </p:attrNameLst>
+                                      </p:cBhvr>
+                                      <p:to>
+                                        <p:strVal val="visible"/>
+                                      </p:to>
+                                    </p:set>
+                                  </p:childTnLst>
+                                </p:cTn>
+                              </p:par>
+                            </p:childTnLst>
+                          </p:cTn>
+                        </p:par>
+                      </p:childTnLst>
+                    </p:cTn>
+                  </p:par>
+                </p:childTnLst>
+              </p:cTn>
+              <p:prevCondLst>
+                <p:cond evt="onPrev" delay="0">
+                  <p:tgtEl>
+                    <p:sldTgt/>
+                  </p:tgtEl>
+                </p:cond>
+              </p:prevCondLst>
+              <p:nextCondLst>
+                <p:cond evt="onNext" delay="0">
+                  <p:tgtEl>
+                    <p:sldTgt/>
+                  </p:tgtEl>
+                </p:cond>
+              </p:nextCondLst>
+            </p:seq>
+          </p:childTnLst>
+        </p:cTn>
+      </p:par>
+    </p:tnLst>
+    <p:bldLst>
+      <p:bldP spid="24" grpId="0" animBg="1"/>
+      <p:bldP spid="7" grpId="0"/>
+      <p:bldP spid="25" grpId="0"/>
+    </p:bldLst>
+  </p:timing>
 </p:sld>
 </file>
 

--- a/2.프로젝트/1.경돼/5.분석결과/경돼x데이터리터러시.pptx
+++ b/2.프로젝트/1.경돼/5.분석결과/경돼x데이터리터러시.pptx
@@ -224,7 +224,7 @@
           <a:p>
             <a:fld id="{232DF0F4-D10E-EF4E-8A7A-8E65A5CB8816}" type="datetimeFigureOut">
               <a:rPr kumimoji="1" lang="ko-Kore-KR" altLang="en-US" smtClean="0"/>
-              <a:t>2021. 6. 26.</a:t>
+              <a:t>2021. 11. 29.</a:t>
             </a:fld>
             <a:endParaRPr kumimoji="1" lang="ko-Kore-KR" altLang="en-US"/>
           </a:p>
@@ -532,7 +532,7 @@
           <a:p>
             <a:fld id="{8FDB62D7-49DC-0147-9E7A-79BA9A09AD25}" type="datetimeFigureOut">
               <a:rPr kumimoji="1" lang="ko-Kore-KR" altLang="en-US" smtClean="0"/>
-              <a:t>2021. 6. 26.</a:t>
+              <a:t>2021. 11. 29.</a:t>
             </a:fld>
             <a:endParaRPr kumimoji="1" lang="ko-Kore-KR" altLang="en-US"/>
           </a:p>
@@ -748,7 +748,7 @@
           <a:p>
             <a:fld id="{8FDB62D7-49DC-0147-9E7A-79BA9A09AD25}" type="datetimeFigureOut">
               <a:rPr kumimoji="1" lang="ko-Kore-KR" altLang="en-US" smtClean="0"/>
-              <a:t>2021. 6. 26.</a:t>
+              <a:t>2021. 11. 29.</a:t>
             </a:fld>
             <a:endParaRPr kumimoji="1" lang="ko-Kore-KR" altLang="en-US"/>
           </a:p>
@@ -964,7 +964,7 @@
           <a:p>
             <a:fld id="{8FDB62D7-49DC-0147-9E7A-79BA9A09AD25}" type="datetimeFigureOut">
               <a:rPr kumimoji="1" lang="ko-Kore-KR" altLang="en-US" smtClean="0"/>
-              <a:t>2021. 6. 26.</a:t>
+              <a:t>2021. 11. 29.</a:t>
             </a:fld>
             <a:endParaRPr kumimoji="1" lang="ko-Kore-KR" altLang="en-US"/>
           </a:p>
@@ -1114,7 +1114,7 @@
           <a:p>
             <a:fld id="{8FDB62D7-49DC-0147-9E7A-79BA9A09AD25}" type="datetimeFigureOut">
               <a:rPr kumimoji="1" lang="ko-Kore-KR" altLang="en-US" smtClean="0"/>
-              <a:t>2021. 6. 26.</a:t>
+              <a:t>2021. 11. 29.</a:t>
             </a:fld>
             <a:endParaRPr kumimoji="1" lang="ko-Kore-KR" altLang="en-US"/>
           </a:p>
@@ -1227,7 +1227,7 @@
           <a:p>
             <a:fld id="{8FDB62D7-49DC-0147-9E7A-79BA9A09AD25}" type="datetimeFigureOut">
               <a:rPr kumimoji="1" lang="ko-Kore-KR" altLang="en-US" smtClean="0"/>
-              <a:t>2021. 6. 26.</a:t>
+              <a:t>2021. 11. 29.</a:t>
             </a:fld>
             <a:endParaRPr kumimoji="1" lang="ko-Kore-KR" altLang="en-US"/>
           </a:p>
@@ -1567,7 +1567,7 @@
           <a:p>
             <a:fld id="{8FDB62D7-49DC-0147-9E7A-79BA9A09AD25}" type="datetimeFigureOut">
               <a:rPr kumimoji="1" lang="ko-Kore-KR" altLang="en-US" smtClean="0"/>
-              <a:t>2021. 6. 26.</a:t>
+              <a:t>2021. 11. 29.</a:t>
             </a:fld>
             <a:endParaRPr kumimoji="1" lang="ko-Kore-KR" altLang="en-US"/>
           </a:p>
@@ -1849,7 +1849,7 @@
           <a:p>
             <a:fld id="{8FDB62D7-49DC-0147-9E7A-79BA9A09AD25}" type="datetimeFigureOut">
               <a:rPr kumimoji="1" lang="ko-Kore-KR" altLang="en-US" smtClean="0"/>
-              <a:t>2021. 6. 26.</a:t>
+              <a:t>2021. 11. 29.</a:t>
             </a:fld>
             <a:endParaRPr kumimoji="1" lang="ko-Kore-KR" altLang="en-US"/>
           </a:p>
@@ -2279,7 +2279,7 @@
           <a:p>
             <a:fld id="{8FDB62D7-49DC-0147-9E7A-79BA9A09AD25}" type="datetimeFigureOut">
               <a:rPr kumimoji="1" lang="ko-Kore-KR" altLang="en-US" smtClean="0"/>
-              <a:t>2021. 6. 26.</a:t>
+              <a:t>2021. 11. 29.</a:t>
             </a:fld>
             <a:endParaRPr kumimoji="1" lang="ko-Kore-KR" altLang="en-US"/>
           </a:p>
@@ -2429,7 +2429,7 @@
           <a:p>
             <a:fld id="{8FDB62D7-49DC-0147-9E7A-79BA9A09AD25}" type="datetimeFigureOut">
               <a:rPr kumimoji="1" lang="ko-Kore-KR" altLang="en-US" smtClean="0"/>
-              <a:t>2021. 6. 26.</a:t>
+              <a:t>2021. 11. 29.</a:t>
             </a:fld>
             <a:endParaRPr kumimoji="1" lang="ko-Kore-KR" altLang="en-US"/>
           </a:p>
@@ -2542,7 +2542,7 @@
           <a:p>
             <a:fld id="{8FDB62D7-49DC-0147-9E7A-79BA9A09AD25}" type="datetimeFigureOut">
               <a:rPr kumimoji="1" lang="ko-Kore-KR" altLang="en-US" smtClean="0"/>
-              <a:t>2021. 6. 26.</a:t>
+              <a:t>2021. 11. 29.</a:t>
             </a:fld>
             <a:endParaRPr kumimoji="1" lang="ko-Kore-KR" altLang="en-US"/>
           </a:p>
@@ -2864,7 +2864,7 @@
           <a:p>
             <a:fld id="{8FDB62D7-49DC-0147-9E7A-79BA9A09AD25}" type="datetimeFigureOut">
               <a:rPr kumimoji="1" lang="ko-Kore-KR" altLang="en-US" smtClean="0"/>
-              <a:t>2021. 6. 26.</a:t>
+              <a:t>2021. 11. 29.</a:t>
             </a:fld>
             <a:endParaRPr kumimoji="1" lang="ko-Kore-KR" altLang="en-US"/>
           </a:p>
@@ -3162,7 +3162,7 @@
           <a:p>
             <a:fld id="{8FDB62D7-49DC-0147-9E7A-79BA9A09AD25}" type="datetimeFigureOut">
               <a:rPr kumimoji="1" lang="ko-Kore-KR" altLang="en-US" smtClean="0"/>
-              <a:t>2021. 6. 26.</a:t>
+              <a:t>2021. 11. 29.</a:t>
             </a:fld>
             <a:endParaRPr kumimoji="1" lang="ko-Kore-KR" altLang="en-US"/>
           </a:p>
@@ -3298,7 +3298,7 @@
           <a:p>
             <a:fld id="{8FDB62D7-49DC-0147-9E7A-79BA9A09AD25}" type="datetimeFigureOut">
               <a:rPr kumimoji="1" lang="ko-Kore-KR" altLang="en-US" smtClean="0"/>
-              <a:t>2021. 6. 26.</a:t>
+              <a:t>2021. 11. 29.</a:t>
             </a:fld>
             <a:endParaRPr kumimoji="1" lang="ko-Kore-KR" altLang="en-US"/>
           </a:p>
